--- a/Presentations/3- Clean Code - functions.pptx
+++ b/Presentations/3- Clean Code - functions.pptx
@@ -5,10 +5,10 @@
     <p:sldMasterId id="2147483648" r:id="rId4"/>
   </p:sldMasterIdLst>
   <p:notesMasterIdLst>
-    <p:notesMasterId r:id="rId11"/>
+    <p:notesMasterId r:id="rId13"/>
   </p:notesMasterIdLst>
   <p:handoutMasterIdLst>
-    <p:handoutMasterId r:id="rId12"/>
+    <p:handoutMasterId r:id="rId14"/>
   </p:handoutMasterIdLst>
   <p:sldIdLst>
     <p:sldId id="449" r:id="rId5"/>
@@ -16,12 +16,14 @@
     <p:sldId id="452" r:id="rId7"/>
     <p:sldId id="451" r:id="rId8"/>
     <p:sldId id="453" r:id="rId9"/>
-    <p:sldId id="422" r:id="rId10"/>
+    <p:sldId id="454" r:id="rId10"/>
+    <p:sldId id="455" r:id="rId11"/>
+    <p:sldId id="422" r:id="rId12"/>
   </p:sldIdLst>
   <p:sldSz cx="12192000" cy="6858000"/>
   <p:notesSz cx="6858000" cy="9144000"/>
   <p:custDataLst>
-    <p:tags r:id="rId13"/>
+    <p:tags r:id="rId15"/>
   </p:custDataLst>
   <p:defaultTextStyle>
     <a:defPPr>
@@ -919,7 +921,7 @@
             <a:fld id="{78ADB214-F42C-4297-A187-8792AE2D2F13}" type="slidenum">
               <a:rPr lang="en-US" smtClean="0"/>
               <a:pPr/>
-              <a:t>6</a:t>
+              <a:t>8</a:t>
             </a:fld>
             <a:endParaRPr lang="en-US" dirty="0"/>
           </a:p>
@@ -10185,7 +10187,9 @@
           <a:prstGeom prst="rect">
             <a:avLst/>
           </a:prstGeom>
-          <a:noFill/>
+          <a:solidFill>
+            <a:srgbClr val="DCDCE0"/>
+          </a:solidFill>
         </p:spPr>
         <p:txBody>
           <a:bodyPr wrap="none" rtlCol="0">
@@ -12328,7 +12332,12 @@
           <a:prstGeom prst="rect">
             <a:avLst/>
           </a:prstGeom>
-          <a:noFill/>
+          <a:solidFill>
+            <a:schemeClr val="accent4">
+              <a:lumMod val="20000"/>
+              <a:lumOff val="80000"/>
+            </a:schemeClr>
+          </a:solidFill>
         </p:spPr>
         <p:txBody>
           <a:bodyPr wrap="square" rtlCol="0">
@@ -12437,7 +12446,10 @@
             <a:avLst/>
           </a:prstGeom>
           <a:solidFill>
-            <a:srgbClr val="E6A703"/>
+            <a:schemeClr val="accent4">
+              <a:lumMod val="20000"/>
+              <a:lumOff val="80000"/>
+            </a:schemeClr>
           </a:solidFill>
         </p:spPr>
         <p:txBody>
@@ -12449,10 +12461,7 @@
             <a:r>
               <a:rPr lang="en-US" dirty="0">
                 <a:solidFill>
-                  <a:schemeClr val="accent5">
-                    <a:lumMod val="40000"/>
-                    <a:lumOff val="60000"/>
-                  </a:schemeClr>
+                  <a:srgbClr val="00B050"/>
                 </a:solidFill>
               </a:rPr>
               <a:t>1 – Create a passing test for the output</a:t>
@@ -12462,10 +12471,7 @@
             <a:r>
               <a:rPr lang="en-US" dirty="0">
                 <a:solidFill>
-                  <a:schemeClr val="accent5">
-                    <a:lumMod val="40000"/>
-                    <a:lumOff val="60000"/>
-                  </a:schemeClr>
+                  <a:srgbClr val="00B050"/>
                 </a:solidFill>
               </a:rPr>
               <a:t>2 – Extract Method Object (</a:t>
@@ -12473,10 +12479,7 @@
             <a:r>
               <a:rPr lang="en-US" dirty="0" err="1">
                 <a:solidFill>
-                  <a:schemeClr val="accent5">
-                    <a:lumMod val="40000"/>
-                    <a:lumOff val="60000"/>
-                  </a:schemeClr>
+                  <a:srgbClr val="00B050"/>
                 </a:solidFill>
               </a:rPr>
               <a:t>Intellij</a:t>
@@ -12484,10 +12487,7 @@
             <a:r>
               <a:rPr lang="en-US" dirty="0">
                 <a:solidFill>
-                  <a:schemeClr val="accent5">
-                    <a:lumMod val="40000"/>
-                    <a:lumOff val="60000"/>
-                  </a:schemeClr>
+                  <a:srgbClr val="00B050"/>
                 </a:solidFill>
               </a:rPr>
               <a:t>) – to create class in the same file</a:t>
@@ -12497,10 +12497,7 @@
             <a:r>
               <a:rPr lang="en-US" dirty="0">
                 <a:solidFill>
-                  <a:schemeClr val="accent5">
-                    <a:lumMod val="40000"/>
-                    <a:lumOff val="60000"/>
-                  </a:schemeClr>
+                  <a:srgbClr val="00B050"/>
                 </a:solidFill>
               </a:rPr>
               <a:t>3 – Promote all method variables to class variables</a:t>
@@ -12510,10 +12507,7 @@
             <a:r>
               <a:rPr lang="en-US" dirty="0">
                 <a:solidFill>
-                  <a:schemeClr val="accent5">
-                    <a:lumMod val="40000"/>
-                    <a:lumOff val="60000"/>
-                  </a:schemeClr>
+                  <a:srgbClr val="00B050"/>
                 </a:solidFill>
               </a:rPr>
               <a:t>4 – The function calculates primes and then prints them – 2 things so we can split it into two functions: </a:t>
@@ -12521,10 +12515,7 @@
             <a:r>
               <a:rPr lang="en-US" dirty="0" err="1">
                 <a:solidFill>
-                  <a:schemeClr val="accent5">
-                    <a:lumMod val="40000"/>
-                    <a:lumOff val="60000"/>
-                  </a:schemeClr>
+                  <a:srgbClr val="00B050"/>
                 </a:solidFill>
               </a:rPr>
               <a:t>calculatePrimes</a:t>
@@ -12532,31 +12523,22 @@
             <a:r>
               <a:rPr lang="en-US" dirty="0">
                 <a:solidFill>
-                  <a:schemeClr val="accent5">
-                    <a:lumMod val="40000"/>
-                    <a:lumOff val="60000"/>
-                  </a:schemeClr>
+                  <a:srgbClr val="00B050"/>
                 </a:solidFill>
               </a:rPr>
               <a:t> and </a:t>
             </a:r>
             <a:r>
-              <a:rPr lang="en-US">
-                <a:solidFill>
-                  <a:schemeClr val="accent5">
-                    <a:lumMod val="40000"/>
-                    <a:lumOff val="60000"/>
-                  </a:schemeClr>
+              <a:rPr lang="en-US" dirty="0" err="1">
+                <a:solidFill>
+                  <a:srgbClr val="00B050"/>
                 </a:solidFill>
               </a:rPr>
               <a:t>PrintNumbers</a:t>
             </a:r>
             <a:endParaRPr lang="en-US" dirty="0">
               <a:solidFill>
-                <a:schemeClr val="accent5">
-                  <a:lumMod val="40000"/>
-                  <a:lumOff val="60000"/>
-                </a:schemeClr>
+                <a:srgbClr val="00B050"/>
               </a:solidFill>
             </a:endParaRPr>
           </a:p>
@@ -12571,10 +12553,3664 @@
             </a:pPr>
             <a:endParaRPr lang="en-US" sz="2000" dirty="0">
               <a:solidFill>
-                <a:schemeClr val="accent5">
-                  <a:lumMod val="40000"/>
-                  <a:lumOff val="60000"/>
-                </a:schemeClr>
+                <a:srgbClr val="00B050"/>
+              </a:solidFill>
+            </a:endParaRPr>
+          </a:p>
+        </p:txBody>
+      </p:sp>
+      <p:sp>
+        <p:nvSpPr>
+          <p:cNvPr id="5" name="TextBox 4">
+            <a:extLst>
+              <a:ext uri="{FF2B5EF4-FFF2-40B4-BE49-F238E27FC236}">
+                <a16:creationId xmlns:a16="http://schemas.microsoft.com/office/drawing/2014/main" id="{693A0DD1-5C36-5210-2123-E40E1DAA2BB2}"/>
+              </a:ext>
+            </a:extLst>
+          </p:cNvPr>
+          <p:cNvSpPr txBox="1"/>
+          <p:nvPr/>
+        </p:nvSpPr>
+        <p:spPr>
+          <a:xfrm>
+            <a:off x="8184232" y="975174"/>
+            <a:ext cx="2677336" cy="5618461"/>
+          </a:xfrm>
+          <a:prstGeom prst="rect">
+            <a:avLst/>
+          </a:prstGeom>
+          <a:solidFill>
+            <a:srgbClr val="DCDCE0"/>
+          </a:solidFill>
+        </p:spPr>
+        <p:txBody>
+          <a:bodyPr wrap="none" rtlCol="0">
+            <a:spAutoFit/>
+          </a:bodyPr>
+          <a:lstStyle/>
+          <a:p>
+            <a:pPr algn="l">
+              <a:lnSpc>
+                <a:spcPct val="90000"/>
+              </a:lnSpc>
+              <a:spcBef>
+                <a:spcPts val="1200"/>
+              </a:spcBef>
+            </a:pPr>
+            <a:r>
+              <a:rPr lang="en-GB" sz="700" b="1" dirty="0">
+                <a:solidFill>
+                  <a:srgbClr val="000080"/>
+                </a:solidFill>
+                <a:effectLst/>
+              </a:rPr>
+              <a:t>public class </a:t>
+            </a:r>
+            <a:r>
+              <a:rPr lang="en-GB" sz="700" dirty="0" err="1"/>
+              <a:t>PrimePrinter</a:t>
+            </a:r>
+            <a:r>
+              <a:rPr lang="en-GB" sz="700" dirty="0"/>
+              <a:t> {</a:t>
+            </a:r>
+            <a:br>
+              <a:rPr lang="en-GB" sz="700" dirty="0"/>
+            </a:br>
+            <a:r>
+              <a:rPr lang="en-GB" sz="700" dirty="0"/>
+              <a:t>    </a:t>
+            </a:r>
+            <a:r>
+              <a:rPr lang="en-GB" sz="700" b="1" dirty="0">
+                <a:solidFill>
+                  <a:srgbClr val="000080"/>
+                </a:solidFill>
+                <a:effectLst/>
+              </a:rPr>
+              <a:t>private static int </a:t>
+            </a:r>
+            <a:r>
+              <a:rPr lang="en-GB" sz="700" i="1" dirty="0" err="1">
+                <a:solidFill>
+                  <a:srgbClr val="660E7A"/>
+                </a:solidFill>
+                <a:effectLst/>
+              </a:rPr>
+              <a:t>numberOfPrimes</a:t>
+            </a:r>
+            <a:r>
+              <a:rPr lang="en-GB" sz="700" i="1" dirty="0">
+                <a:solidFill>
+                  <a:srgbClr val="660E7A"/>
+                </a:solidFill>
+                <a:effectLst/>
+              </a:rPr>
+              <a:t> </a:t>
+            </a:r>
+            <a:r>
+              <a:rPr lang="en-GB" sz="700" dirty="0"/>
+              <a:t>= </a:t>
+            </a:r>
+            <a:r>
+              <a:rPr lang="en-GB" sz="700" dirty="0">
+                <a:solidFill>
+                  <a:srgbClr val="0000FF"/>
+                </a:solidFill>
+                <a:effectLst/>
+              </a:rPr>
+              <a:t>1000</a:t>
+            </a:r>
+            <a:r>
+              <a:rPr lang="en-GB" sz="700" dirty="0"/>
+              <a:t>;</a:t>
+            </a:r>
+            <a:br>
+              <a:rPr lang="en-GB" sz="700" dirty="0"/>
+            </a:br>
+            <a:br>
+              <a:rPr lang="en-GB" sz="700" dirty="0"/>
+            </a:br>
+            <a:r>
+              <a:rPr lang="en-GB" sz="700" dirty="0"/>
+              <a:t>    </a:t>
+            </a:r>
+            <a:r>
+              <a:rPr lang="en-GB" sz="700" b="1" dirty="0">
+                <a:solidFill>
+                  <a:srgbClr val="000080"/>
+                </a:solidFill>
+                <a:effectLst/>
+              </a:rPr>
+              <a:t>public static void </a:t>
+            </a:r>
+            <a:r>
+              <a:rPr lang="en-GB" sz="700" dirty="0"/>
+              <a:t>main(String[] </a:t>
+            </a:r>
+            <a:r>
+              <a:rPr lang="en-GB" sz="700" dirty="0" err="1"/>
+              <a:t>args</a:t>
+            </a:r>
+            <a:r>
+              <a:rPr lang="en-GB" sz="700" dirty="0"/>
+              <a:t>) </a:t>
+            </a:r>
+            <a:r>
+              <a:rPr lang="en-GB" sz="700" dirty="0">
+                <a:solidFill>
+                  <a:srgbClr val="01875F"/>
+                </a:solidFill>
+                <a:effectLst/>
+              </a:rPr>
+              <a:t>{</a:t>
+            </a:r>
+            <a:br>
+              <a:rPr lang="en-GB" sz="700" dirty="0">
+                <a:solidFill>
+                  <a:srgbClr val="01875F"/>
+                </a:solidFill>
+                <a:effectLst/>
+              </a:rPr>
+            </a:br>
+            <a:r>
+              <a:rPr lang="en-GB" sz="700" dirty="0">
+                <a:solidFill>
+                  <a:srgbClr val="01875F"/>
+                </a:solidFill>
+                <a:effectLst/>
+              </a:rPr>
+              <a:t>        </a:t>
+            </a:r>
+            <a:r>
+              <a:rPr lang="en-GB" sz="700" b="1" dirty="0">
+                <a:solidFill>
+                  <a:srgbClr val="000080"/>
+                </a:solidFill>
+                <a:effectLst/>
+              </a:rPr>
+              <a:t>var </a:t>
+            </a:r>
+            <a:r>
+              <a:rPr lang="en-GB" sz="700" dirty="0" err="1"/>
+              <a:t>primeHelper</a:t>
+            </a:r>
+            <a:r>
+              <a:rPr lang="en-GB" sz="700" dirty="0"/>
+              <a:t> = </a:t>
+            </a:r>
+            <a:r>
+              <a:rPr lang="en-GB" sz="700" b="1" dirty="0">
+                <a:solidFill>
+                  <a:srgbClr val="000080"/>
+                </a:solidFill>
+                <a:effectLst/>
+              </a:rPr>
+              <a:t>new </a:t>
+            </a:r>
+            <a:r>
+              <a:rPr lang="en-GB" sz="700" dirty="0" err="1"/>
+              <a:t>PrimePrinterHelper</a:t>
+            </a:r>
+            <a:r>
+              <a:rPr lang="en-GB" sz="700" dirty="0"/>
+              <a:t>();</a:t>
+            </a:r>
+            <a:br>
+              <a:rPr lang="en-GB" sz="700" dirty="0"/>
+            </a:br>
+            <a:r>
+              <a:rPr lang="en-GB" sz="700" dirty="0"/>
+              <a:t>        </a:t>
+            </a:r>
+            <a:r>
+              <a:rPr lang="en-GB" sz="700" b="1" dirty="0">
+                <a:solidFill>
+                  <a:srgbClr val="000080"/>
+                </a:solidFill>
+                <a:effectLst/>
+              </a:rPr>
+              <a:t>int</a:t>
+            </a:r>
+            <a:r>
+              <a:rPr lang="en-GB" sz="700" dirty="0"/>
+              <a:t>[] primes = </a:t>
+            </a:r>
+            <a:r>
+              <a:rPr lang="en-GB" sz="700" dirty="0" err="1"/>
+              <a:t>primeHelper.invoke</a:t>
+            </a:r>
+            <a:r>
+              <a:rPr lang="en-GB" sz="700" dirty="0"/>
+              <a:t>();</a:t>
+            </a:r>
+            <a:br>
+              <a:rPr lang="en-GB" sz="700" dirty="0"/>
+            </a:br>
+            <a:r>
+              <a:rPr lang="en-GB" sz="700" dirty="0"/>
+              <a:t>        </a:t>
+            </a:r>
+            <a:r>
+              <a:rPr lang="en-GB" sz="700" dirty="0" err="1"/>
+              <a:t>primeHelper.printNumbers</a:t>
+            </a:r>
+            <a:r>
+              <a:rPr lang="en-GB" sz="700" dirty="0"/>
+              <a:t>(primes, </a:t>
+            </a:r>
+            <a:r>
+              <a:rPr lang="en-GB" sz="700" i="1" dirty="0" err="1">
+                <a:solidFill>
+                  <a:srgbClr val="660E7A"/>
+                </a:solidFill>
+                <a:effectLst/>
+              </a:rPr>
+              <a:t>numberOfPrimes</a:t>
+            </a:r>
+            <a:r>
+              <a:rPr lang="en-GB" sz="700" dirty="0"/>
+              <a:t>);</a:t>
+            </a:r>
+            <a:br>
+              <a:rPr lang="en-GB" sz="700" dirty="0"/>
+            </a:br>
+            <a:r>
+              <a:rPr lang="en-GB" sz="700" dirty="0"/>
+              <a:t>    </a:t>
+            </a:r>
+            <a:r>
+              <a:rPr lang="en-GB" sz="700" dirty="0">
+                <a:solidFill>
+                  <a:srgbClr val="01875F"/>
+                </a:solidFill>
+                <a:effectLst/>
+              </a:rPr>
+              <a:t>}</a:t>
+            </a:r>
+            <a:br>
+              <a:rPr lang="en-GB" sz="700" dirty="0">
+                <a:solidFill>
+                  <a:srgbClr val="01875F"/>
+                </a:solidFill>
+                <a:effectLst/>
+              </a:rPr>
+            </a:br>
+            <a:r>
+              <a:rPr lang="en-GB" sz="700" dirty="0"/>
+              <a:t>}</a:t>
+            </a:r>
+            <a:br>
+              <a:rPr lang="en-GB" sz="700" dirty="0"/>
+            </a:br>
+            <a:br>
+              <a:rPr lang="en-GB" sz="700" dirty="0"/>
+            </a:br>
+            <a:r>
+              <a:rPr lang="en-GB" sz="700" b="1" dirty="0">
+                <a:solidFill>
+                  <a:srgbClr val="000080"/>
+                </a:solidFill>
+                <a:effectLst/>
+              </a:rPr>
+              <a:t>class </a:t>
+            </a:r>
+            <a:r>
+              <a:rPr lang="en-GB" sz="700" dirty="0" err="1"/>
+              <a:t>PrimePrinterHelper</a:t>
+            </a:r>
+            <a:r>
+              <a:rPr lang="en-GB" sz="700" dirty="0"/>
+              <a:t> {</a:t>
+            </a:r>
+            <a:br>
+              <a:rPr lang="en-GB" sz="700" dirty="0"/>
+            </a:br>
+            <a:r>
+              <a:rPr lang="en-GB" sz="700" dirty="0"/>
+              <a:t>    </a:t>
+            </a:r>
+            <a:r>
+              <a:rPr lang="en-GB" sz="700" b="1" dirty="0">
+                <a:solidFill>
+                  <a:srgbClr val="000080"/>
+                </a:solidFill>
+                <a:effectLst/>
+              </a:rPr>
+              <a:t>private final int </a:t>
+            </a:r>
+            <a:r>
+              <a:rPr lang="en-GB" sz="700" b="1" dirty="0" err="1">
+                <a:solidFill>
+                  <a:srgbClr val="660E7A"/>
+                </a:solidFill>
+                <a:effectLst/>
+              </a:rPr>
+              <a:t>numberOfPrimes</a:t>
+            </a:r>
+            <a:r>
+              <a:rPr lang="en-GB" sz="700" b="1" dirty="0">
+                <a:solidFill>
+                  <a:srgbClr val="660E7A"/>
+                </a:solidFill>
+                <a:effectLst/>
+              </a:rPr>
+              <a:t> </a:t>
+            </a:r>
+            <a:r>
+              <a:rPr lang="en-GB" sz="700" dirty="0"/>
+              <a:t>= </a:t>
+            </a:r>
+            <a:r>
+              <a:rPr lang="en-GB" sz="700" dirty="0">
+                <a:solidFill>
+                  <a:srgbClr val="0000FF"/>
+                </a:solidFill>
+                <a:effectLst/>
+              </a:rPr>
+              <a:t>1000</a:t>
+            </a:r>
+            <a:r>
+              <a:rPr lang="en-GB" sz="700" dirty="0"/>
+              <a:t>;</a:t>
+            </a:r>
+            <a:br>
+              <a:rPr lang="en-GB" sz="700" dirty="0"/>
+            </a:br>
+            <a:r>
+              <a:rPr lang="en-GB" sz="700" dirty="0"/>
+              <a:t>    </a:t>
+            </a:r>
+            <a:r>
+              <a:rPr lang="en-GB" sz="700" b="1" dirty="0">
+                <a:solidFill>
+                  <a:srgbClr val="000080"/>
+                </a:solidFill>
+                <a:effectLst/>
+              </a:rPr>
+              <a:t>private final int</a:t>
+            </a:r>
+            <a:r>
+              <a:rPr lang="en-GB" sz="700" dirty="0"/>
+              <a:t>[] </a:t>
+            </a:r>
+            <a:r>
+              <a:rPr lang="en-GB" sz="700" b="1" dirty="0">
+                <a:solidFill>
+                  <a:srgbClr val="660E7A"/>
+                </a:solidFill>
+                <a:effectLst/>
+              </a:rPr>
+              <a:t>primes </a:t>
+            </a:r>
+            <a:r>
+              <a:rPr lang="en-GB" sz="700" dirty="0"/>
+              <a:t>= </a:t>
+            </a:r>
+            <a:r>
+              <a:rPr lang="en-GB" sz="700" b="1" dirty="0">
+                <a:solidFill>
+                  <a:srgbClr val="000080"/>
+                </a:solidFill>
+                <a:effectLst/>
+              </a:rPr>
+              <a:t>new int</a:t>
+            </a:r>
+            <a:r>
+              <a:rPr lang="en-GB" sz="700" dirty="0"/>
+              <a:t>[</a:t>
+            </a:r>
+            <a:r>
+              <a:rPr lang="en-GB" sz="700" b="1" dirty="0" err="1">
+                <a:solidFill>
+                  <a:srgbClr val="660E7A"/>
+                </a:solidFill>
+                <a:effectLst/>
+              </a:rPr>
+              <a:t>numberOfPrimes</a:t>
+            </a:r>
+            <a:r>
+              <a:rPr lang="en-GB" sz="700" b="1" dirty="0">
+                <a:solidFill>
+                  <a:srgbClr val="660E7A"/>
+                </a:solidFill>
+                <a:effectLst/>
+              </a:rPr>
+              <a:t> </a:t>
+            </a:r>
+            <a:r>
+              <a:rPr lang="en-GB" sz="700" dirty="0"/>
+              <a:t>+ </a:t>
+            </a:r>
+            <a:r>
+              <a:rPr lang="en-GB" sz="700" dirty="0">
+                <a:solidFill>
+                  <a:srgbClr val="0000FF"/>
+                </a:solidFill>
+                <a:effectLst/>
+              </a:rPr>
+              <a:t>1</a:t>
+            </a:r>
+            <a:r>
+              <a:rPr lang="en-GB" sz="700" dirty="0"/>
+              <a:t>];</a:t>
+            </a:r>
+            <a:br>
+              <a:rPr lang="en-GB" sz="700" dirty="0"/>
+            </a:br>
+            <a:r>
+              <a:rPr lang="en-GB" sz="700" dirty="0"/>
+              <a:t>    </a:t>
+            </a:r>
+            <a:r>
+              <a:rPr lang="en-GB" sz="700" b="1" dirty="0">
+                <a:solidFill>
+                  <a:srgbClr val="000080"/>
+                </a:solidFill>
+                <a:effectLst/>
+              </a:rPr>
+              <a:t>private final int </a:t>
+            </a:r>
+            <a:r>
+              <a:rPr lang="en-GB" sz="700" b="1" dirty="0" err="1">
+                <a:solidFill>
+                  <a:srgbClr val="660E7A"/>
+                </a:solidFill>
+                <a:effectLst/>
+              </a:rPr>
+              <a:t>linesPerPage</a:t>
+            </a:r>
+            <a:r>
+              <a:rPr lang="en-GB" sz="700" b="1" dirty="0">
+                <a:solidFill>
+                  <a:srgbClr val="660E7A"/>
+                </a:solidFill>
+                <a:effectLst/>
+              </a:rPr>
+              <a:t> </a:t>
+            </a:r>
+            <a:r>
+              <a:rPr lang="en-GB" sz="700" dirty="0"/>
+              <a:t>= </a:t>
+            </a:r>
+            <a:r>
+              <a:rPr lang="en-GB" sz="700" dirty="0">
+                <a:solidFill>
+                  <a:srgbClr val="0000FF"/>
+                </a:solidFill>
+                <a:effectLst/>
+              </a:rPr>
+              <a:t>50</a:t>
+            </a:r>
+            <a:r>
+              <a:rPr lang="en-GB" sz="700" dirty="0"/>
+              <a:t>;</a:t>
+            </a:r>
+            <a:br>
+              <a:rPr lang="en-GB" sz="700" dirty="0"/>
+            </a:br>
+            <a:r>
+              <a:rPr lang="en-GB" sz="700" dirty="0"/>
+              <a:t>    </a:t>
+            </a:r>
+            <a:r>
+              <a:rPr lang="en-GB" sz="700" b="1" dirty="0">
+                <a:solidFill>
+                  <a:srgbClr val="000080"/>
+                </a:solidFill>
+                <a:effectLst/>
+              </a:rPr>
+              <a:t>private final int </a:t>
+            </a:r>
+            <a:r>
+              <a:rPr lang="en-GB" sz="700" b="1" dirty="0">
+                <a:solidFill>
+                  <a:srgbClr val="660E7A"/>
+                </a:solidFill>
+                <a:effectLst/>
+              </a:rPr>
+              <a:t>columns </a:t>
+            </a:r>
+            <a:r>
+              <a:rPr lang="en-GB" sz="700" dirty="0"/>
+              <a:t>= </a:t>
+            </a:r>
+            <a:r>
+              <a:rPr lang="en-GB" sz="700" dirty="0">
+                <a:solidFill>
+                  <a:srgbClr val="0000FF"/>
+                </a:solidFill>
+                <a:effectLst/>
+              </a:rPr>
+              <a:t>4</a:t>
+            </a:r>
+            <a:r>
+              <a:rPr lang="en-GB" sz="700" dirty="0"/>
+              <a:t>;</a:t>
+            </a:r>
+            <a:br>
+              <a:rPr lang="en-GB" sz="700" dirty="0"/>
+            </a:br>
+            <a:r>
+              <a:rPr lang="en-GB" sz="700" dirty="0"/>
+              <a:t>    </a:t>
+            </a:r>
+            <a:r>
+              <a:rPr lang="en-GB" sz="700" b="1" dirty="0">
+                <a:solidFill>
+                  <a:srgbClr val="000080"/>
+                </a:solidFill>
+                <a:effectLst/>
+              </a:rPr>
+              <a:t>private final int </a:t>
+            </a:r>
+            <a:r>
+              <a:rPr lang="en-GB" sz="700" b="1" dirty="0" err="1">
+                <a:solidFill>
+                  <a:srgbClr val="660E7A"/>
+                </a:solidFill>
+                <a:effectLst/>
+              </a:rPr>
+              <a:t>ordmax</a:t>
+            </a:r>
+            <a:r>
+              <a:rPr lang="en-GB" sz="700" b="1" dirty="0">
+                <a:solidFill>
+                  <a:srgbClr val="660E7A"/>
+                </a:solidFill>
+                <a:effectLst/>
+              </a:rPr>
+              <a:t> </a:t>
+            </a:r>
+            <a:r>
+              <a:rPr lang="en-GB" sz="700" dirty="0"/>
+              <a:t>= </a:t>
+            </a:r>
+            <a:r>
+              <a:rPr lang="en-GB" sz="700" dirty="0">
+                <a:solidFill>
+                  <a:srgbClr val="0000FF"/>
+                </a:solidFill>
+                <a:effectLst/>
+              </a:rPr>
+              <a:t>30</a:t>
+            </a:r>
+            <a:r>
+              <a:rPr lang="en-GB" sz="700" dirty="0"/>
+              <a:t>;</a:t>
+            </a:r>
+            <a:br>
+              <a:rPr lang="en-GB" sz="700" dirty="0"/>
+            </a:br>
+            <a:r>
+              <a:rPr lang="en-GB" sz="700" dirty="0"/>
+              <a:t>    </a:t>
+            </a:r>
+            <a:r>
+              <a:rPr lang="en-GB" sz="700" b="1" dirty="0">
+                <a:solidFill>
+                  <a:srgbClr val="000080"/>
+                </a:solidFill>
+                <a:effectLst/>
+              </a:rPr>
+              <a:t>private int </a:t>
+            </a:r>
+            <a:r>
+              <a:rPr lang="en-GB" sz="700" b="1" dirty="0" err="1">
+                <a:solidFill>
+                  <a:srgbClr val="660E7A"/>
+                </a:solidFill>
+                <a:effectLst/>
+              </a:rPr>
+              <a:t>pagenumber</a:t>
+            </a:r>
+            <a:r>
+              <a:rPr lang="en-GB" sz="700" dirty="0"/>
+              <a:t>;</a:t>
+            </a:r>
+            <a:br>
+              <a:rPr lang="en-GB" sz="700" dirty="0"/>
+            </a:br>
+            <a:r>
+              <a:rPr lang="en-GB" sz="700" dirty="0"/>
+              <a:t>    </a:t>
+            </a:r>
+            <a:r>
+              <a:rPr lang="en-GB" sz="700" b="1" dirty="0">
+                <a:solidFill>
+                  <a:srgbClr val="000080"/>
+                </a:solidFill>
+                <a:effectLst/>
+              </a:rPr>
+              <a:t>private int </a:t>
+            </a:r>
+            <a:r>
+              <a:rPr lang="en-GB" sz="700" b="1" dirty="0" err="1">
+                <a:solidFill>
+                  <a:srgbClr val="660E7A"/>
+                </a:solidFill>
+                <a:effectLst/>
+              </a:rPr>
+              <a:t>pageoffset</a:t>
+            </a:r>
+            <a:r>
+              <a:rPr lang="en-GB" sz="700" dirty="0"/>
+              <a:t>;</a:t>
+            </a:r>
+            <a:br>
+              <a:rPr lang="en-GB" sz="700" dirty="0"/>
+            </a:br>
+            <a:r>
+              <a:rPr lang="en-GB" sz="700" dirty="0"/>
+              <a:t>    </a:t>
+            </a:r>
+            <a:r>
+              <a:rPr lang="en-GB" sz="700" b="1" dirty="0">
+                <a:solidFill>
+                  <a:srgbClr val="000080"/>
+                </a:solidFill>
+                <a:effectLst/>
+              </a:rPr>
+              <a:t>private int </a:t>
+            </a:r>
+            <a:r>
+              <a:rPr lang="en-GB" sz="700" b="1" dirty="0" err="1">
+                <a:solidFill>
+                  <a:srgbClr val="660E7A"/>
+                </a:solidFill>
+                <a:effectLst/>
+              </a:rPr>
+              <a:t>rowoffset</a:t>
+            </a:r>
+            <a:r>
+              <a:rPr lang="en-GB" sz="700" dirty="0"/>
+              <a:t>;</a:t>
+            </a:r>
+            <a:br>
+              <a:rPr lang="en-GB" sz="700" dirty="0"/>
+            </a:br>
+            <a:r>
+              <a:rPr lang="en-GB" sz="700" dirty="0"/>
+              <a:t>    </a:t>
+            </a:r>
+            <a:r>
+              <a:rPr lang="en-GB" sz="700" b="1" dirty="0">
+                <a:solidFill>
+                  <a:srgbClr val="000080"/>
+                </a:solidFill>
+                <a:effectLst/>
+              </a:rPr>
+              <a:t>private int </a:t>
+            </a:r>
+            <a:r>
+              <a:rPr lang="en-GB" sz="700" b="1" dirty="0">
+                <a:solidFill>
+                  <a:srgbClr val="660E7A"/>
+                </a:solidFill>
+                <a:effectLst/>
+              </a:rPr>
+              <a:t>column</a:t>
+            </a:r>
+            <a:r>
+              <a:rPr lang="en-GB" sz="700" dirty="0"/>
+              <a:t>;</a:t>
+            </a:r>
+            <a:br>
+              <a:rPr lang="en-GB" sz="700" dirty="0"/>
+            </a:br>
+            <a:r>
+              <a:rPr lang="en-GB" sz="700" dirty="0"/>
+              <a:t>    </a:t>
+            </a:r>
+            <a:r>
+              <a:rPr lang="en-GB" sz="700" b="1" dirty="0">
+                <a:solidFill>
+                  <a:srgbClr val="000080"/>
+                </a:solidFill>
+                <a:effectLst/>
+              </a:rPr>
+              <a:t>private int </a:t>
+            </a:r>
+            <a:r>
+              <a:rPr lang="en-GB" sz="700" b="1" dirty="0">
+                <a:solidFill>
+                  <a:srgbClr val="660E7A"/>
+                </a:solidFill>
+                <a:effectLst/>
+              </a:rPr>
+              <a:t>candidate </a:t>
+            </a:r>
+            <a:r>
+              <a:rPr lang="en-GB" sz="700" dirty="0"/>
+              <a:t>= </a:t>
+            </a:r>
+            <a:r>
+              <a:rPr lang="en-GB" sz="700" dirty="0">
+                <a:solidFill>
+                  <a:srgbClr val="0000FF"/>
+                </a:solidFill>
+                <a:effectLst/>
+              </a:rPr>
+              <a:t>1</a:t>
+            </a:r>
+            <a:r>
+              <a:rPr lang="en-GB" sz="700" dirty="0"/>
+              <a:t>;</a:t>
+            </a:r>
+            <a:br>
+              <a:rPr lang="en-GB" sz="700" dirty="0"/>
+            </a:br>
+            <a:r>
+              <a:rPr lang="en-GB" sz="700" dirty="0"/>
+              <a:t>    </a:t>
+            </a:r>
+            <a:r>
+              <a:rPr lang="en-GB" sz="700" b="1" dirty="0">
+                <a:solidFill>
+                  <a:srgbClr val="000080"/>
+                </a:solidFill>
+                <a:effectLst/>
+              </a:rPr>
+              <a:t>private int </a:t>
+            </a:r>
+            <a:r>
+              <a:rPr lang="en-GB" sz="700" b="1" dirty="0" err="1">
+                <a:solidFill>
+                  <a:srgbClr val="660E7A"/>
+                </a:solidFill>
+                <a:effectLst/>
+              </a:rPr>
+              <a:t>primeIndex</a:t>
+            </a:r>
+            <a:r>
+              <a:rPr lang="en-GB" sz="700" b="1" dirty="0">
+                <a:solidFill>
+                  <a:srgbClr val="660E7A"/>
+                </a:solidFill>
+                <a:effectLst/>
+              </a:rPr>
+              <a:t> </a:t>
+            </a:r>
+            <a:r>
+              <a:rPr lang="en-GB" sz="700" dirty="0"/>
+              <a:t>= </a:t>
+            </a:r>
+            <a:r>
+              <a:rPr lang="en-GB" sz="700" dirty="0">
+                <a:solidFill>
+                  <a:srgbClr val="0000FF"/>
+                </a:solidFill>
+                <a:effectLst/>
+              </a:rPr>
+              <a:t>1</a:t>
+            </a:r>
+            <a:r>
+              <a:rPr lang="en-GB" sz="700" dirty="0"/>
+              <a:t>;</a:t>
+            </a:r>
+            <a:br>
+              <a:rPr lang="en-GB" sz="700" dirty="0"/>
+            </a:br>
+            <a:r>
+              <a:rPr lang="en-GB" sz="700" dirty="0"/>
+              <a:t>    </a:t>
+            </a:r>
+            <a:r>
+              <a:rPr lang="en-GB" sz="700" b="1" dirty="0">
+                <a:solidFill>
+                  <a:srgbClr val="000080"/>
+                </a:solidFill>
+                <a:effectLst/>
+              </a:rPr>
+              <a:t>private boolean </a:t>
+            </a:r>
+            <a:r>
+              <a:rPr lang="en-GB" sz="700" b="1" dirty="0" err="1">
+                <a:solidFill>
+                  <a:srgbClr val="660E7A"/>
+                </a:solidFill>
+                <a:effectLst/>
+              </a:rPr>
+              <a:t>possiblyPrime</a:t>
+            </a:r>
+            <a:r>
+              <a:rPr lang="en-GB" sz="700" dirty="0"/>
+              <a:t>;</a:t>
+            </a:r>
+            <a:br>
+              <a:rPr lang="en-GB" sz="700" dirty="0"/>
+            </a:br>
+            <a:r>
+              <a:rPr lang="en-GB" sz="700" dirty="0"/>
+              <a:t>    </a:t>
+            </a:r>
+            <a:r>
+              <a:rPr lang="en-GB" sz="700" b="1" dirty="0">
+                <a:solidFill>
+                  <a:srgbClr val="000080"/>
+                </a:solidFill>
+                <a:effectLst/>
+              </a:rPr>
+              <a:t>private int </a:t>
+            </a:r>
+            <a:r>
+              <a:rPr lang="en-GB" sz="700" b="1" dirty="0" err="1">
+                <a:solidFill>
+                  <a:srgbClr val="660E7A"/>
+                </a:solidFill>
+                <a:effectLst/>
+              </a:rPr>
+              <a:t>ord</a:t>
+            </a:r>
+            <a:r>
+              <a:rPr lang="en-GB" sz="700" b="1" dirty="0">
+                <a:solidFill>
+                  <a:srgbClr val="660E7A"/>
+                </a:solidFill>
+                <a:effectLst/>
+              </a:rPr>
+              <a:t> </a:t>
+            </a:r>
+            <a:r>
+              <a:rPr lang="en-GB" sz="700" dirty="0"/>
+              <a:t>= </a:t>
+            </a:r>
+            <a:r>
+              <a:rPr lang="en-GB" sz="700" dirty="0">
+                <a:solidFill>
+                  <a:srgbClr val="0000FF"/>
+                </a:solidFill>
+                <a:effectLst/>
+              </a:rPr>
+              <a:t>2</a:t>
+            </a:r>
+            <a:r>
+              <a:rPr lang="en-GB" sz="700" dirty="0"/>
+              <a:t>;</a:t>
+            </a:r>
+            <a:br>
+              <a:rPr lang="en-GB" sz="700" dirty="0"/>
+            </a:br>
+            <a:r>
+              <a:rPr lang="en-GB" sz="700" dirty="0"/>
+              <a:t>    </a:t>
+            </a:r>
+            <a:r>
+              <a:rPr lang="en-GB" sz="700" b="1" dirty="0">
+                <a:solidFill>
+                  <a:srgbClr val="000080"/>
+                </a:solidFill>
+                <a:effectLst/>
+              </a:rPr>
+              <a:t>private int </a:t>
+            </a:r>
+            <a:r>
+              <a:rPr lang="en-GB" sz="700" b="1" dirty="0">
+                <a:solidFill>
+                  <a:srgbClr val="660E7A"/>
+                </a:solidFill>
+                <a:effectLst/>
+              </a:rPr>
+              <a:t>square </a:t>
+            </a:r>
+            <a:r>
+              <a:rPr lang="en-GB" sz="700" dirty="0"/>
+              <a:t>= </a:t>
+            </a:r>
+            <a:r>
+              <a:rPr lang="en-GB" sz="700" dirty="0">
+                <a:solidFill>
+                  <a:srgbClr val="0000FF"/>
+                </a:solidFill>
+                <a:effectLst/>
+              </a:rPr>
+              <a:t>9</a:t>
+            </a:r>
+            <a:r>
+              <a:rPr lang="en-GB" sz="700" dirty="0"/>
+              <a:t>;</a:t>
+            </a:r>
+            <a:br>
+              <a:rPr lang="en-GB" sz="700" dirty="0"/>
+            </a:br>
+            <a:r>
+              <a:rPr lang="en-GB" sz="700" dirty="0"/>
+              <a:t>    </a:t>
+            </a:r>
+            <a:r>
+              <a:rPr lang="en-GB" sz="700" b="1" dirty="0">
+                <a:solidFill>
+                  <a:srgbClr val="000080"/>
+                </a:solidFill>
+                <a:effectLst/>
+              </a:rPr>
+              <a:t>private int </a:t>
+            </a:r>
+            <a:r>
+              <a:rPr lang="en-GB" sz="700" b="1" dirty="0">
+                <a:solidFill>
+                  <a:srgbClr val="660E7A"/>
+                </a:solidFill>
+                <a:effectLst/>
+              </a:rPr>
+              <a:t>n </a:t>
+            </a:r>
+            <a:r>
+              <a:rPr lang="en-GB" sz="700" dirty="0"/>
+              <a:t>= </a:t>
+            </a:r>
+            <a:r>
+              <a:rPr lang="en-GB" sz="700" dirty="0">
+                <a:solidFill>
+                  <a:srgbClr val="0000FF"/>
+                </a:solidFill>
+                <a:effectLst/>
+              </a:rPr>
+              <a:t>0</a:t>
+            </a:r>
+            <a:r>
+              <a:rPr lang="en-GB" sz="700" dirty="0"/>
+              <a:t>;</a:t>
+            </a:r>
+            <a:br>
+              <a:rPr lang="en-GB" sz="700" dirty="0"/>
+            </a:br>
+            <a:r>
+              <a:rPr lang="en-GB" sz="700" dirty="0"/>
+              <a:t>    </a:t>
+            </a:r>
+            <a:r>
+              <a:rPr lang="en-GB" sz="700" b="1" dirty="0">
+                <a:solidFill>
+                  <a:srgbClr val="000080"/>
+                </a:solidFill>
+                <a:effectLst/>
+              </a:rPr>
+              <a:t>private int</a:t>
+            </a:r>
+            <a:r>
+              <a:rPr lang="en-GB" sz="700" dirty="0"/>
+              <a:t>[] </a:t>
+            </a:r>
+            <a:r>
+              <a:rPr lang="en-GB" sz="700" b="1" dirty="0">
+                <a:solidFill>
+                  <a:srgbClr val="660E7A"/>
+                </a:solidFill>
+                <a:effectLst/>
+              </a:rPr>
+              <a:t>multiples </a:t>
+            </a:r>
+            <a:r>
+              <a:rPr lang="en-GB" sz="700" dirty="0"/>
+              <a:t>= </a:t>
+            </a:r>
+            <a:r>
+              <a:rPr lang="en-GB" sz="700" b="1" dirty="0">
+                <a:solidFill>
+                  <a:srgbClr val="000080"/>
+                </a:solidFill>
+                <a:effectLst/>
+              </a:rPr>
+              <a:t>new int</a:t>
+            </a:r>
+            <a:r>
+              <a:rPr lang="en-GB" sz="700" dirty="0"/>
+              <a:t>[</a:t>
+            </a:r>
+            <a:r>
+              <a:rPr lang="en-GB" sz="700" b="1" dirty="0" err="1">
+                <a:solidFill>
+                  <a:srgbClr val="660E7A"/>
+                </a:solidFill>
+                <a:effectLst/>
+              </a:rPr>
+              <a:t>ordmax</a:t>
+            </a:r>
+            <a:r>
+              <a:rPr lang="en-GB" sz="700" b="1" dirty="0">
+                <a:solidFill>
+                  <a:srgbClr val="660E7A"/>
+                </a:solidFill>
+                <a:effectLst/>
+              </a:rPr>
+              <a:t> </a:t>
+            </a:r>
+            <a:r>
+              <a:rPr lang="en-GB" sz="700" dirty="0"/>
+              <a:t>+ </a:t>
+            </a:r>
+            <a:r>
+              <a:rPr lang="en-GB" sz="700" dirty="0">
+                <a:solidFill>
+                  <a:srgbClr val="0000FF"/>
+                </a:solidFill>
+                <a:effectLst/>
+              </a:rPr>
+              <a:t>1</a:t>
+            </a:r>
+            <a:r>
+              <a:rPr lang="en-GB" sz="700" dirty="0"/>
+              <a:t>];</a:t>
+            </a:r>
+            <a:br>
+              <a:rPr lang="en-GB" sz="700" dirty="0"/>
+            </a:br>
+            <a:br>
+              <a:rPr lang="en-GB" sz="700" dirty="0"/>
+            </a:br>
+            <a:r>
+              <a:rPr lang="en-GB" sz="700" dirty="0"/>
+              <a:t>    </a:t>
+            </a:r>
+            <a:r>
+              <a:rPr lang="en-GB" sz="700" b="1" dirty="0">
+                <a:solidFill>
+                  <a:srgbClr val="000080"/>
+                </a:solidFill>
+                <a:effectLst/>
+              </a:rPr>
+              <a:t>public int</a:t>
+            </a:r>
+            <a:r>
+              <a:rPr lang="en-GB" sz="700" dirty="0"/>
+              <a:t>[] invoke() </a:t>
+            </a:r>
+            <a:r>
+              <a:rPr lang="en-GB" sz="700" dirty="0">
+                <a:solidFill>
+                  <a:srgbClr val="01875F"/>
+                </a:solidFill>
+                <a:effectLst/>
+              </a:rPr>
+              <a:t>{</a:t>
+            </a:r>
+            <a:br>
+              <a:rPr lang="en-GB" sz="700" dirty="0">
+                <a:solidFill>
+                  <a:srgbClr val="01875F"/>
+                </a:solidFill>
+                <a:effectLst/>
+              </a:rPr>
+            </a:br>
+            <a:br>
+              <a:rPr lang="en-GB" sz="700" dirty="0">
+                <a:solidFill>
+                  <a:srgbClr val="01875F"/>
+                </a:solidFill>
+                <a:effectLst/>
+              </a:rPr>
+            </a:br>
+            <a:r>
+              <a:rPr lang="en-GB" sz="700" dirty="0">
+                <a:solidFill>
+                  <a:srgbClr val="01875F"/>
+                </a:solidFill>
+                <a:effectLst/>
+              </a:rPr>
+              <a:t>        </a:t>
+            </a:r>
+            <a:r>
+              <a:rPr lang="en-GB" sz="700" b="1" dirty="0">
+                <a:solidFill>
+                  <a:srgbClr val="660E7A"/>
+                </a:solidFill>
+                <a:effectLst/>
+              </a:rPr>
+              <a:t>primes</a:t>
+            </a:r>
+            <a:r>
+              <a:rPr lang="en-GB" sz="700" dirty="0"/>
+              <a:t>[</a:t>
+            </a:r>
+            <a:r>
+              <a:rPr lang="en-GB" sz="700" dirty="0">
+                <a:solidFill>
+                  <a:srgbClr val="0000FF"/>
+                </a:solidFill>
+                <a:effectLst/>
+              </a:rPr>
+              <a:t>1</a:t>
+            </a:r>
+            <a:r>
+              <a:rPr lang="en-GB" sz="700" dirty="0"/>
+              <a:t>] = </a:t>
+            </a:r>
+            <a:r>
+              <a:rPr lang="en-GB" sz="700" dirty="0">
+                <a:solidFill>
+                  <a:srgbClr val="0000FF"/>
+                </a:solidFill>
+                <a:effectLst/>
+              </a:rPr>
+              <a:t>2</a:t>
+            </a:r>
+            <a:r>
+              <a:rPr lang="en-GB" sz="700" dirty="0"/>
+              <a:t>;</a:t>
+            </a:r>
+            <a:br>
+              <a:rPr lang="en-GB" sz="700" dirty="0"/>
+            </a:br>
+            <a:br>
+              <a:rPr lang="en-GB" sz="700" dirty="0"/>
+            </a:br>
+            <a:r>
+              <a:rPr lang="en-GB" sz="700" dirty="0"/>
+              <a:t>        </a:t>
+            </a:r>
+            <a:r>
+              <a:rPr lang="en-GB" sz="700" b="1" dirty="0">
+                <a:solidFill>
+                  <a:srgbClr val="000080"/>
+                </a:solidFill>
+                <a:effectLst/>
+              </a:rPr>
+              <a:t>while </a:t>
+            </a:r>
+            <a:r>
+              <a:rPr lang="en-GB" sz="700" dirty="0"/>
+              <a:t>(</a:t>
+            </a:r>
+            <a:r>
+              <a:rPr lang="en-GB" sz="700" b="1" dirty="0" err="1">
+                <a:solidFill>
+                  <a:srgbClr val="660E7A"/>
+                </a:solidFill>
+                <a:effectLst/>
+              </a:rPr>
+              <a:t>primeIndex</a:t>
+            </a:r>
+            <a:r>
+              <a:rPr lang="en-GB" sz="700" b="1" dirty="0">
+                <a:solidFill>
+                  <a:srgbClr val="660E7A"/>
+                </a:solidFill>
+                <a:effectLst/>
+              </a:rPr>
+              <a:t> </a:t>
+            </a:r>
+            <a:r>
+              <a:rPr lang="en-GB" sz="700" dirty="0"/>
+              <a:t>&lt; </a:t>
+            </a:r>
+            <a:r>
+              <a:rPr lang="en-GB" sz="700" b="1" dirty="0" err="1">
+                <a:solidFill>
+                  <a:srgbClr val="660E7A"/>
+                </a:solidFill>
+                <a:effectLst/>
+              </a:rPr>
+              <a:t>numberOfPrimes</a:t>
+            </a:r>
+            <a:r>
+              <a:rPr lang="en-GB" sz="700" dirty="0"/>
+              <a:t>) </a:t>
+            </a:r>
+            <a:r>
+              <a:rPr lang="en-GB" sz="700" dirty="0">
+                <a:solidFill>
+                  <a:srgbClr val="C406D6"/>
+                </a:solidFill>
+                <a:effectLst/>
+              </a:rPr>
+              <a:t>{</a:t>
+            </a:r>
+            <a:br>
+              <a:rPr lang="en-GB" sz="700" dirty="0">
+                <a:solidFill>
+                  <a:srgbClr val="C406D6"/>
+                </a:solidFill>
+                <a:effectLst/>
+              </a:rPr>
+            </a:br>
+            <a:r>
+              <a:rPr lang="en-GB" sz="700" dirty="0">
+                <a:solidFill>
+                  <a:srgbClr val="C406D6"/>
+                </a:solidFill>
+                <a:effectLst/>
+              </a:rPr>
+              <a:t>            </a:t>
+            </a:r>
+            <a:r>
+              <a:rPr lang="en-GB" sz="700" b="1" dirty="0">
+                <a:solidFill>
+                  <a:srgbClr val="000080"/>
+                </a:solidFill>
+                <a:effectLst/>
+              </a:rPr>
+              <a:t>do </a:t>
+            </a:r>
+            <a:r>
+              <a:rPr lang="en-GB" sz="700" dirty="0">
+                <a:solidFill>
+                  <a:srgbClr val="0D9676"/>
+                </a:solidFill>
+                <a:effectLst/>
+              </a:rPr>
+              <a:t>{</a:t>
+            </a:r>
+            <a:br>
+              <a:rPr lang="en-GB" sz="700" dirty="0">
+                <a:solidFill>
+                  <a:srgbClr val="0D9676"/>
+                </a:solidFill>
+                <a:effectLst/>
+              </a:rPr>
+            </a:br>
+            <a:r>
+              <a:rPr lang="en-GB" sz="700" dirty="0">
+                <a:solidFill>
+                  <a:srgbClr val="0D9676"/>
+                </a:solidFill>
+                <a:effectLst/>
+              </a:rPr>
+              <a:t>                </a:t>
+            </a:r>
+            <a:r>
+              <a:rPr lang="en-GB" sz="700" b="1" dirty="0">
+                <a:solidFill>
+                  <a:srgbClr val="660E7A"/>
+                </a:solidFill>
+                <a:effectLst/>
+              </a:rPr>
+              <a:t>candidate </a:t>
+            </a:r>
+            <a:r>
+              <a:rPr lang="en-GB" sz="700" dirty="0"/>
+              <a:t>+= </a:t>
+            </a:r>
+            <a:r>
+              <a:rPr lang="en-GB" sz="700" dirty="0">
+                <a:solidFill>
+                  <a:srgbClr val="0000FF"/>
+                </a:solidFill>
+                <a:effectLst/>
+              </a:rPr>
+              <a:t>2</a:t>
+            </a:r>
+            <a:r>
+              <a:rPr lang="en-GB" sz="700" dirty="0"/>
+              <a:t>;</a:t>
+            </a:r>
+            <a:br>
+              <a:rPr lang="en-GB" sz="700" dirty="0"/>
+            </a:br>
+            <a:r>
+              <a:rPr lang="en-GB" sz="700" dirty="0"/>
+              <a:t>                </a:t>
+            </a:r>
+            <a:r>
+              <a:rPr lang="en-GB" sz="700" b="1" dirty="0">
+                <a:solidFill>
+                  <a:srgbClr val="000080"/>
+                </a:solidFill>
+                <a:effectLst/>
+              </a:rPr>
+              <a:t>if </a:t>
+            </a:r>
+            <a:r>
+              <a:rPr lang="en-GB" sz="700" dirty="0">
+                <a:solidFill>
+                  <a:srgbClr val="C406D6"/>
+                </a:solidFill>
+                <a:effectLst/>
+              </a:rPr>
+              <a:t>(</a:t>
+            </a:r>
+            <a:r>
+              <a:rPr lang="en-GB" sz="700" b="1" dirty="0">
+                <a:solidFill>
+                  <a:srgbClr val="660E7A"/>
+                </a:solidFill>
+                <a:effectLst/>
+              </a:rPr>
+              <a:t>candidate </a:t>
+            </a:r>
+            <a:r>
+              <a:rPr lang="en-GB" sz="700" dirty="0"/>
+              <a:t>== </a:t>
+            </a:r>
+            <a:r>
+              <a:rPr lang="en-GB" sz="700" b="1" dirty="0">
+                <a:solidFill>
+                  <a:srgbClr val="660E7A"/>
+                </a:solidFill>
+                <a:effectLst/>
+              </a:rPr>
+              <a:t>square</a:t>
+            </a:r>
+            <a:r>
+              <a:rPr lang="en-GB" sz="700" dirty="0">
+                <a:solidFill>
+                  <a:srgbClr val="C406D6"/>
+                </a:solidFill>
+                <a:effectLst/>
+              </a:rPr>
+              <a:t>) </a:t>
+            </a:r>
+            <a:r>
+              <a:rPr lang="en-GB" sz="700" dirty="0">
+                <a:solidFill>
+                  <a:srgbClr val="093166"/>
+                </a:solidFill>
+                <a:effectLst/>
+              </a:rPr>
+              <a:t>{</a:t>
+            </a:r>
+            <a:br>
+              <a:rPr lang="en-GB" sz="700" dirty="0">
+                <a:solidFill>
+                  <a:srgbClr val="093166"/>
+                </a:solidFill>
+                <a:effectLst/>
+              </a:rPr>
+            </a:br>
+            <a:r>
+              <a:rPr lang="en-GB" sz="700" dirty="0">
+                <a:solidFill>
+                  <a:srgbClr val="093166"/>
+                </a:solidFill>
+                <a:effectLst/>
+              </a:rPr>
+              <a:t>                    </a:t>
+            </a:r>
+            <a:r>
+              <a:rPr lang="en-GB" sz="700" b="1" dirty="0" err="1">
+                <a:solidFill>
+                  <a:srgbClr val="660E7A"/>
+                </a:solidFill>
+                <a:effectLst/>
+              </a:rPr>
+              <a:t>ord</a:t>
+            </a:r>
+            <a:r>
+              <a:rPr lang="en-GB" sz="700" dirty="0"/>
+              <a:t>++;</a:t>
+            </a:r>
+            <a:br>
+              <a:rPr lang="en-GB" sz="700" dirty="0"/>
+            </a:br>
+            <a:r>
+              <a:rPr lang="en-GB" sz="700" dirty="0"/>
+              <a:t>                    </a:t>
+            </a:r>
+            <a:r>
+              <a:rPr lang="en-GB" sz="700" b="1" dirty="0">
+                <a:solidFill>
+                  <a:srgbClr val="660E7A"/>
+                </a:solidFill>
+                <a:effectLst/>
+              </a:rPr>
+              <a:t>square </a:t>
+            </a:r>
+            <a:r>
+              <a:rPr lang="en-GB" sz="700" dirty="0"/>
+              <a:t>= </a:t>
+            </a:r>
+            <a:r>
+              <a:rPr lang="en-GB" sz="700" b="1" dirty="0">
+                <a:solidFill>
+                  <a:srgbClr val="660E7A"/>
+                </a:solidFill>
+                <a:effectLst/>
+              </a:rPr>
+              <a:t>primes</a:t>
+            </a:r>
+            <a:r>
+              <a:rPr lang="en-GB" sz="700" dirty="0"/>
+              <a:t>[</a:t>
+            </a:r>
+            <a:r>
+              <a:rPr lang="en-GB" sz="700" b="1" dirty="0" err="1">
+                <a:solidFill>
+                  <a:srgbClr val="660E7A"/>
+                </a:solidFill>
+                <a:effectLst/>
+              </a:rPr>
+              <a:t>ord</a:t>
+            </a:r>
+            <a:r>
+              <a:rPr lang="en-GB" sz="700" dirty="0"/>
+              <a:t>] * </a:t>
+            </a:r>
+            <a:r>
+              <a:rPr lang="en-GB" sz="700" b="1" dirty="0">
+                <a:solidFill>
+                  <a:srgbClr val="660E7A"/>
+                </a:solidFill>
+                <a:effectLst/>
+              </a:rPr>
+              <a:t>primes</a:t>
+            </a:r>
+            <a:r>
+              <a:rPr lang="en-GB" sz="700" dirty="0"/>
+              <a:t>[</a:t>
+            </a:r>
+            <a:r>
+              <a:rPr lang="en-GB" sz="700" b="1" dirty="0" err="1">
+                <a:solidFill>
+                  <a:srgbClr val="660E7A"/>
+                </a:solidFill>
+                <a:effectLst/>
+              </a:rPr>
+              <a:t>ord</a:t>
+            </a:r>
+            <a:r>
+              <a:rPr lang="en-GB" sz="700" dirty="0"/>
+              <a:t>];</a:t>
+            </a:r>
+            <a:br>
+              <a:rPr lang="en-GB" sz="700" dirty="0"/>
+            </a:br>
+            <a:r>
+              <a:rPr lang="en-GB" sz="700" dirty="0"/>
+              <a:t>                    </a:t>
+            </a:r>
+            <a:r>
+              <a:rPr lang="en-GB" sz="700" b="1" dirty="0">
+                <a:solidFill>
+                  <a:srgbClr val="660E7A"/>
+                </a:solidFill>
+                <a:effectLst/>
+              </a:rPr>
+              <a:t>multiples</a:t>
+            </a:r>
+            <a:r>
+              <a:rPr lang="en-GB" sz="700" dirty="0"/>
+              <a:t>[</a:t>
+            </a:r>
+            <a:r>
+              <a:rPr lang="en-GB" sz="700" b="1" dirty="0" err="1">
+                <a:solidFill>
+                  <a:srgbClr val="660E7A"/>
+                </a:solidFill>
+                <a:effectLst/>
+              </a:rPr>
+              <a:t>ord</a:t>
+            </a:r>
+            <a:r>
+              <a:rPr lang="en-GB" sz="700" b="1" dirty="0">
+                <a:solidFill>
+                  <a:srgbClr val="660E7A"/>
+                </a:solidFill>
+                <a:effectLst/>
+              </a:rPr>
+              <a:t> </a:t>
+            </a:r>
+            <a:r>
+              <a:rPr lang="en-GB" sz="700" dirty="0"/>
+              <a:t>- </a:t>
+            </a:r>
+            <a:r>
+              <a:rPr lang="en-GB" sz="700" dirty="0">
+                <a:solidFill>
+                  <a:srgbClr val="0000FF"/>
+                </a:solidFill>
+                <a:effectLst/>
+              </a:rPr>
+              <a:t>1</a:t>
+            </a:r>
+            <a:r>
+              <a:rPr lang="en-GB" sz="700" dirty="0"/>
+              <a:t>] = </a:t>
+            </a:r>
+            <a:r>
+              <a:rPr lang="en-GB" sz="700" b="1" dirty="0">
+                <a:solidFill>
+                  <a:srgbClr val="660E7A"/>
+                </a:solidFill>
+                <a:effectLst/>
+              </a:rPr>
+              <a:t>candidate</a:t>
+            </a:r>
+            <a:r>
+              <a:rPr lang="en-GB" sz="700" dirty="0"/>
+              <a:t>;</a:t>
+            </a:r>
+            <a:br>
+              <a:rPr lang="en-GB" sz="700" dirty="0"/>
+            </a:br>
+            <a:r>
+              <a:rPr lang="en-GB" sz="700" dirty="0"/>
+              <a:t>                </a:t>
+            </a:r>
+            <a:r>
+              <a:rPr lang="en-GB" sz="700" dirty="0">
+                <a:solidFill>
+                  <a:srgbClr val="093166"/>
+                </a:solidFill>
+                <a:effectLst/>
+              </a:rPr>
+              <a:t>}</a:t>
+            </a:r>
+            <a:br>
+              <a:rPr lang="en-GB" sz="700" dirty="0">
+                <a:solidFill>
+                  <a:srgbClr val="093166"/>
+                </a:solidFill>
+                <a:effectLst/>
+              </a:rPr>
+            </a:br>
+            <a:r>
+              <a:rPr lang="en-GB" sz="700" dirty="0">
+                <a:solidFill>
+                  <a:srgbClr val="093166"/>
+                </a:solidFill>
+                <a:effectLst/>
+              </a:rPr>
+              <a:t>                </a:t>
+            </a:r>
+            <a:r>
+              <a:rPr lang="en-GB" sz="700" b="1" dirty="0">
+                <a:solidFill>
+                  <a:srgbClr val="660E7A"/>
+                </a:solidFill>
+                <a:effectLst/>
+              </a:rPr>
+              <a:t>n </a:t>
+            </a:r>
+            <a:r>
+              <a:rPr lang="en-GB" sz="700" dirty="0"/>
+              <a:t>= </a:t>
+            </a:r>
+            <a:r>
+              <a:rPr lang="en-GB" sz="700" dirty="0">
+                <a:solidFill>
+                  <a:srgbClr val="0000FF"/>
+                </a:solidFill>
+                <a:effectLst/>
+              </a:rPr>
+              <a:t>2</a:t>
+            </a:r>
+            <a:r>
+              <a:rPr lang="en-GB" sz="700" dirty="0"/>
+              <a:t>;</a:t>
+            </a:r>
+            <a:br>
+              <a:rPr lang="en-GB" sz="700" dirty="0"/>
+            </a:br>
+            <a:r>
+              <a:rPr lang="en-GB" sz="700" dirty="0"/>
+              <a:t>                </a:t>
+            </a:r>
+            <a:r>
+              <a:rPr lang="en-GB" sz="700" b="1" dirty="0" err="1">
+                <a:solidFill>
+                  <a:srgbClr val="660E7A"/>
+                </a:solidFill>
+                <a:effectLst/>
+              </a:rPr>
+              <a:t>possiblyPrime</a:t>
+            </a:r>
+            <a:r>
+              <a:rPr lang="en-GB" sz="700" b="1" dirty="0">
+                <a:solidFill>
+                  <a:srgbClr val="660E7A"/>
+                </a:solidFill>
+                <a:effectLst/>
+              </a:rPr>
+              <a:t> </a:t>
+            </a:r>
+            <a:r>
+              <a:rPr lang="en-GB" sz="700" dirty="0"/>
+              <a:t>= </a:t>
+            </a:r>
+            <a:r>
+              <a:rPr lang="en-GB" sz="700" b="1" dirty="0">
+                <a:solidFill>
+                  <a:srgbClr val="000080"/>
+                </a:solidFill>
+                <a:effectLst/>
+              </a:rPr>
+              <a:t>true</a:t>
+            </a:r>
+            <a:r>
+              <a:rPr lang="en-GB" sz="700" dirty="0"/>
+              <a:t>;</a:t>
+            </a:r>
+            <a:br>
+              <a:rPr lang="en-GB" sz="700" dirty="0"/>
+            </a:br>
+            <a:r>
+              <a:rPr lang="en-GB" sz="700" dirty="0"/>
+              <a:t>                </a:t>
+            </a:r>
+            <a:r>
+              <a:rPr lang="en-GB" sz="700" b="1" dirty="0">
+                <a:solidFill>
+                  <a:srgbClr val="000080"/>
+                </a:solidFill>
+                <a:effectLst/>
+              </a:rPr>
+              <a:t>while </a:t>
+            </a:r>
+            <a:r>
+              <a:rPr lang="en-GB" sz="700" dirty="0">
+                <a:solidFill>
+                  <a:srgbClr val="C406D6"/>
+                </a:solidFill>
+                <a:effectLst/>
+              </a:rPr>
+              <a:t>(</a:t>
+            </a:r>
+            <a:r>
+              <a:rPr lang="en-GB" sz="700" b="1" dirty="0">
+                <a:solidFill>
+                  <a:srgbClr val="660E7A"/>
+                </a:solidFill>
+                <a:effectLst/>
+              </a:rPr>
+              <a:t>n </a:t>
+            </a:r>
+            <a:r>
+              <a:rPr lang="en-GB" sz="700" dirty="0"/>
+              <a:t>&lt; </a:t>
+            </a:r>
+            <a:r>
+              <a:rPr lang="en-GB" sz="700" b="1" dirty="0" err="1">
+                <a:solidFill>
+                  <a:srgbClr val="660E7A"/>
+                </a:solidFill>
+                <a:effectLst/>
+              </a:rPr>
+              <a:t>ord</a:t>
+            </a:r>
+            <a:r>
+              <a:rPr lang="en-GB" sz="700" b="1" dirty="0">
+                <a:solidFill>
+                  <a:srgbClr val="660E7A"/>
+                </a:solidFill>
+                <a:effectLst/>
+              </a:rPr>
+              <a:t> </a:t>
+            </a:r>
+            <a:r>
+              <a:rPr lang="en-GB" sz="700" dirty="0"/>
+              <a:t>&amp;&amp; </a:t>
+            </a:r>
+            <a:r>
+              <a:rPr lang="en-GB" sz="700" b="1" dirty="0" err="1">
+                <a:solidFill>
+                  <a:srgbClr val="660E7A"/>
+                </a:solidFill>
+                <a:effectLst/>
+              </a:rPr>
+              <a:t>possiblyPrime</a:t>
+            </a:r>
+            <a:r>
+              <a:rPr lang="en-GB" sz="700" dirty="0">
+                <a:solidFill>
+                  <a:srgbClr val="C406D6"/>
+                </a:solidFill>
+                <a:effectLst/>
+              </a:rPr>
+              <a:t>) </a:t>
+            </a:r>
+            <a:r>
+              <a:rPr lang="en-GB" sz="700" dirty="0">
+                <a:solidFill>
+                  <a:srgbClr val="093166"/>
+                </a:solidFill>
+                <a:effectLst/>
+              </a:rPr>
+              <a:t>{</a:t>
+            </a:r>
+            <a:br>
+              <a:rPr lang="en-GB" sz="700" dirty="0">
+                <a:solidFill>
+                  <a:srgbClr val="093166"/>
+                </a:solidFill>
+                <a:effectLst/>
+              </a:rPr>
+            </a:br>
+            <a:r>
+              <a:rPr lang="en-GB" sz="700" dirty="0">
+                <a:solidFill>
+                  <a:srgbClr val="093166"/>
+                </a:solidFill>
+                <a:effectLst/>
+              </a:rPr>
+              <a:t>                    </a:t>
+            </a:r>
+            <a:r>
+              <a:rPr lang="en-GB" sz="700" b="1" dirty="0">
+                <a:solidFill>
+                  <a:srgbClr val="000080"/>
+                </a:solidFill>
+                <a:effectLst/>
+              </a:rPr>
+              <a:t>while </a:t>
+            </a:r>
+            <a:r>
+              <a:rPr lang="en-GB" sz="700" dirty="0">
+                <a:solidFill>
+                  <a:srgbClr val="0D9676"/>
+                </a:solidFill>
+                <a:effectLst/>
+              </a:rPr>
+              <a:t>(</a:t>
+            </a:r>
+            <a:r>
+              <a:rPr lang="en-GB" sz="700" b="1" dirty="0">
+                <a:solidFill>
+                  <a:srgbClr val="660E7A"/>
+                </a:solidFill>
+                <a:effectLst/>
+              </a:rPr>
+              <a:t>multiples</a:t>
+            </a:r>
+            <a:r>
+              <a:rPr lang="en-GB" sz="700" dirty="0"/>
+              <a:t>[</a:t>
+            </a:r>
+            <a:r>
+              <a:rPr lang="en-GB" sz="700" b="1" dirty="0">
+                <a:solidFill>
+                  <a:srgbClr val="660E7A"/>
+                </a:solidFill>
+                <a:effectLst/>
+              </a:rPr>
+              <a:t>n</a:t>
+            </a:r>
+            <a:r>
+              <a:rPr lang="en-GB" sz="700" dirty="0"/>
+              <a:t>] &lt; </a:t>
+            </a:r>
+            <a:r>
+              <a:rPr lang="en-GB" sz="700" b="1" dirty="0">
+                <a:solidFill>
+                  <a:srgbClr val="660E7A"/>
+                </a:solidFill>
+                <a:effectLst/>
+              </a:rPr>
+              <a:t>candidate</a:t>
+            </a:r>
+            <a:r>
+              <a:rPr lang="en-GB" sz="700" dirty="0">
+                <a:solidFill>
+                  <a:srgbClr val="0D9676"/>
+                </a:solidFill>
+                <a:effectLst/>
+              </a:rPr>
+              <a:t>)</a:t>
+            </a:r>
+            <a:br>
+              <a:rPr lang="en-GB" sz="700" dirty="0">
+                <a:solidFill>
+                  <a:srgbClr val="0D9676"/>
+                </a:solidFill>
+                <a:effectLst/>
+              </a:rPr>
+            </a:br>
+            <a:r>
+              <a:rPr lang="en-GB" sz="700" dirty="0">
+                <a:solidFill>
+                  <a:srgbClr val="0D9676"/>
+                </a:solidFill>
+                <a:effectLst/>
+              </a:rPr>
+              <a:t>                        </a:t>
+            </a:r>
+            <a:r>
+              <a:rPr lang="en-GB" sz="700" b="1" dirty="0">
+                <a:solidFill>
+                  <a:srgbClr val="660E7A"/>
+                </a:solidFill>
+                <a:effectLst/>
+              </a:rPr>
+              <a:t>multiples</a:t>
+            </a:r>
+            <a:r>
+              <a:rPr lang="en-GB" sz="700" dirty="0"/>
+              <a:t>[</a:t>
+            </a:r>
+            <a:r>
+              <a:rPr lang="en-GB" sz="700" b="1" dirty="0">
+                <a:solidFill>
+                  <a:srgbClr val="660E7A"/>
+                </a:solidFill>
+                <a:effectLst/>
+              </a:rPr>
+              <a:t>n</a:t>
+            </a:r>
+            <a:r>
+              <a:rPr lang="en-GB" sz="700" dirty="0"/>
+              <a:t>] += </a:t>
+            </a:r>
+            <a:r>
+              <a:rPr lang="en-GB" sz="700" b="1" dirty="0">
+                <a:solidFill>
+                  <a:srgbClr val="660E7A"/>
+                </a:solidFill>
+                <a:effectLst/>
+              </a:rPr>
+              <a:t>primes</a:t>
+            </a:r>
+            <a:r>
+              <a:rPr lang="en-GB" sz="700" dirty="0"/>
+              <a:t>[</a:t>
+            </a:r>
+            <a:r>
+              <a:rPr lang="en-GB" sz="700" b="1" dirty="0">
+                <a:solidFill>
+                  <a:srgbClr val="660E7A"/>
+                </a:solidFill>
+                <a:effectLst/>
+              </a:rPr>
+              <a:t>n</a:t>
+            </a:r>
+            <a:r>
+              <a:rPr lang="en-GB" sz="700" dirty="0"/>
+              <a:t>] + </a:t>
+            </a:r>
+            <a:r>
+              <a:rPr lang="en-GB" sz="700" b="1" dirty="0">
+                <a:solidFill>
+                  <a:srgbClr val="660E7A"/>
+                </a:solidFill>
+                <a:effectLst/>
+              </a:rPr>
+              <a:t>primes</a:t>
+            </a:r>
+            <a:r>
+              <a:rPr lang="en-GB" sz="700" dirty="0"/>
+              <a:t>[</a:t>
+            </a:r>
+            <a:r>
+              <a:rPr lang="en-GB" sz="700" b="1" dirty="0">
+                <a:solidFill>
+                  <a:srgbClr val="660E7A"/>
+                </a:solidFill>
+                <a:effectLst/>
+              </a:rPr>
+              <a:t>n</a:t>
+            </a:r>
+            <a:r>
+              <a:rPr lang="en-GB" sz="700" dirty="0"/>
+              <a:t>];</a:t>
+            </a:r>
+            <a:br>
+              <a:rPr lang="en-GB" sz="700" dirty="0"/>
+            </a:br>
+            <a:r>
+              <a:rPr lang="en-GB" sz="700" dirty="0"/>
+              <a:t>                    </a:t>
+            </a:r>
+            <a:r>
+              <a:rPr lang="en-GB" sz="700" b="1" dirty="0">
+                <a:solidFill>
+                  <a:srgbClr val="000080"/>
+                </a:solidFill>
+                <a:effectLst/>
+              </a:rPr>
+              <a:t>if </a:t>
+            </a:r>
+            <a:r>
+              <a:rPr lang="en-GB" sz="700" dirty="0">
+                <a:solidFill>
+                  <a:srgbClr val="0D9676"/>
+                </a:solidFill>
+                <a:effectLst/>
+              </a:rPr>
+              <a:t>(</a:t>
+            </a:r>
+            <a:r>
+              <a:rPr lang="en-GB" sz="700" b="1" dirty="0">
+                <a:solidFill>
+                  <a:srgbClr val="660E7A"/>
+                </a:solidFill>
+                <a:effectLst/>
+              </a:rPr>
+              <a:t>multiples</a:t>
+            </a:r>
+            <a:r>
+              <a:rPr lang="en-GB" sz="700" dirty="0"/>
+              <a:t>[</a:t>
+            </a:r>
+            <a:r>
+              <a:rPr lang="en-GB" sz="700" b="1" dirty="0">
+                <a:solidFill>
+                  <a:srgbClr val="660E7A"/>
+                </a:solidFill>
+                <a:effectLst/>
+              </a:rPr>
+              <a:t>n</a:t>
+            </a:r>
+            <a:r>
+              <a:rPr lang="en-GB" sz="700" dirty="0"/>
+              <a:t>] == </a:t>
+            </a:r>
+            <a:r>
+              <a:rPr lang="en-GB" sz="700" b="1" dirty="0">
+                <a:solidFill>
+                  <a:srgbClr val="660E7A"/>
+                </a:solidFill>
+                <a:effectLst/>
+              </a:rPr>
+              <a:t>candidate</a:t>
+            </a:r>
+            <a:r>
+              <a:rPr lang="en-GB" sz="700" dirty="0">
+                <a:solidFill>
+                  <a:srgbClr val="0D9676"/>
+                </a:solidFill>
+                <a:effectLst/>
+              </a:rPr>
+              <a:t>)</a:t>
+            </a:r>
+            <a:br>
+              <a:rPr lang="en-GB" sz="700" dirty="0">
+                <a:solidFill>
+                  <a:srgbClr val="0D9676"/>
+                </a:solidFill>
+                <a:effectLst/>
+              </a:rPr>
+            </a:br>
+            <a:r>
+              <a:rPr lang="en-GB" sz="700" dirty="0">
+                <a:solidFill>
+                  <a:srgbClr val="0D9676"/>
+                </a:solidFill>
+                <a:effectLst/>
+              </a:rPr>
+              <a:t>                        </a:t>
+            </a:r>
+            <a:r>
+              <a:rPr lang="en-GB" sz="700" b="1" dirty="0" err="1">
+                <a:solidFill>
+                  <a:srgbClr val="660E7A"/>
+                </a:solidFill>
+                <a:effectLst/>
+              </a:rPr>
+              <a:t>possiblyPrime</a:t>
+            </a:r>
+            <a:r>
+              <a:rPr lang="en-GB" sz="700" b="1" dirty="0">
+                <a:solidFill>
+                  <a:srgbClr val="660E7A"/>
+                </a:solidFill>
+                <a:effectLst/>
+              </a:rPr>
+              <a:t> </a:t>
+            </a:r>
+            <a:r>
+              <a:rPr lang="en-GB" sz="700" dirty="0"/>
+              <a:t>= </a:t>
+            </a:r>
+            <a:r>
+              <a:rPr lang="en-GB" sz="700" b="1" dirty="0">
+                <a:solidFill>
+                  <a:srgbClr val="000080"/>
+                </a:solidFill>
+                <a:effectLst/>
+              </a:rPr>
+              <a:t>false</a:t>
+            </a:r>
+            <a:r>
+              <a:rPr lang="en-GB" sz="700" dirty="0"/>
+              <a:t>;</a:t>
+            </a:r>
+            <a:br>
+              <a:rPr lang="en-GB" sz="700" dirty="0"/>
+            </a:br>
+            <a:r>
+              <a:rPr lang="en-GB" sz="700" dirty="0"/>
+              <a:t>                    </a:t>
+            </a:r>
+            <a:r>
+              <a:rPr lang="en-GB" sz="700" b="1" dirty="0">
+                <a:solidFill>
+                  <a:srgbClr val="660E7A"/>
+                </a:solidFill>
+                <a:effectLst/>
+              </a:rPr>
+              <a:t>n</a:t>
+            </a:r>
+            <a:r>
+              <a:rPr lang="en-GB" sz="700" dirty="0"/>
+              <a:t>++;</a:t>
+            </a:r>
+            <a:br>
+              <a:rPr lang="en-GB" sz="700" dirty="0"/>
+            </a:br>
+            <a:r>
+              <a:rPr lang="en-GB" sz="700" dirty="0"/>
+              <a:t>                </a:t>
+            </a:r>
+            <a:r>
+              <a:rPr lang="en-GB" sz="700" dirty="0">
+                <a:solidFill>
+                  <a:srgbClr val="093166"/>
+                </a:solidFill>
+                <a:effectLst/>
+              </a:rPr>
+              <a:t>}</a:t>
+            </a:r>
+            <a:br>
+              <a:rPr lang="en-GB" sz="700" dirty="0">
+                <a:solidFill>
+                  <a:srgbClr val="093166"/>
+                </a:solidFill>
+                <a:effectLst/>
+              </a:rPr>
+            </a:br>
+            <a:r>
+              <a:rPr lang="en-GB" sz="700" dirty="0">
+                <a:solidFill>
+                  <a:srgbClr val="093166"/>
+                </a:solidFill>
+                <a:effectLst/>
+              </a:rPr>
+              <a:t>            </a:t>
+            </a:r>
+            <a:r>
+              <a:rPr lang="en-GB" sz="700" dirty="0">
+                <a:solidFill>
+                  <a:srgbClr val="0D9676"/>
+                </a:solidFill>
+                <a:effectLst/>
+              </a:rPr>
+              <a:t>} </a:t>
+            </a:r>
+            <a:r>
+              <a:rPr lang="en-GB" sz="700" b="1" dirty="0">
+                <a:solidFill>
+                  <a:srgbClr val="000080"/>
+                </a:solidFill>
+                <a:effectLst/>
+              </a:rPr>
+              <a:t>while </a:t>
+            </a:r>
+            <a:r>
+              <a:rPr lang="en-GB" sz="700" dirty="0">
+                <a:solidFill>
+                  <a:srgbClr val="01875F"/>
+                </a:solidFill>
+                <a:effectLst/>
+              </a:rPr>
+              <a:t>(</a:t>
+            </a:r>
+            <a:r>
+              <a:rPr lang="en-GB" sz="700" dirty="0"/>
+              <a:t>!</a:t>
+            </a:r>
+            <a:r>
+              <a:rPr lang="en-GB" sz="700" b="1" dirty="0" err="1">
+                <a:solidFill>
+                  <a:srgbClr val="660E7A"/>
+                </a:solidFill>
+                <a:effectLst/>
+              </a:rPr>
+              <a:t>possiblyPrime</a:t>
+            </a:r>
+            <a:r>
+              <a:rPr lang="en-GB" sz="700" dirty="0">
+                <a:solidFill>
+                  <a:srgbClr val="01875F"/>
+                </a:solidFill>
+                <a:effectLst/>
+              </a:rPr>
+              <a:t>)</a:t>
+            </a:r>
+            <a:r>
+              <a:rPr lang="en-GB" sz="700" dirty="0"/>
+              <a:t>;</a:t>
+            </a:r>
+            <a:br>
+              <a:rPr lang="en-GB" sz="700" dirty="0"/>
+            </a:br>
+            <a:r>
+              <a:rPr lang="en-GB" sz="700" dirty="0"/>
+              <a:t>            </a:t>
+            </a:r>
+            <a:r>
+              <a:rPr lang="en-GB" sz="700" b="1" dirty="0" err="1">
+                <a:solidFill>
+                  <a:srgbClr val="660E7A"/>
+                </a:solidFill>
+                <a:effectLst/>
+              </a:rPr>
+              <a:t>primeIndex</a:t>
+            </a:r>
+            <a:r>
+              <a:rPr lang="en-GB" sz="700" dirty="0"/>
+              <a:t>++;</a:t>
+            </a:r>
+            <a:br>
+              <a:rPr lang="en-GB" sz="700" dirty="0"/>
+            </a:br>
+            <a:r>
+              <a:rPr lang="en-GB" sz="700" dirty="0"/>
+              <a:t>            </a:t>
+            </a:r>
+            <a:r>
+              <a:rPr lang="en-GB" sz="700" b="1" dirty="0">
+                <a:solidFill>
+                  <a:srgbClr val="660E7A"/>
+                </a:solidFill>
+                <a:effectLst/>
+              </a:rPr>
+              <a:t>primes</a:t>
+            </a:r>
+            <a:r>
+              <a:rPr lang="en-GB" sz="700" dirty="0"/>
+              <a:t>[</a:t>
+            </a:r>
+            <a:r>
+              <a:rPr lang="en-GB" sz="700" b="1" dirty="0" err="1">
+                <a:solidFill>
+                  <a:srgbClr val="660E7A"/>
+                </a:solidFill>
+                <a:effectLst/>
+              </a:rPr>
+              <a:t>primeIndex</a:t>
+            </a:r>
+            <a:r>
+              <a:rPr lang="en-GB" sz="700" dirty="0"/>
+              <a:t>] = </a:t>
+            </a:r>
+            <a:r>
+              <a:rPr lang="en-GB" sz="700" b="1" dirty="0">
+                <a:solidFill>
+                  <a:srgbClr val="660E7A"/>
+                </a:solidFill>
+                <a:effectLst/>
+              </a:rPr>
+              <a:t>candidate</a:t>
+            </a:r>
+            <a:r>
+              <a:rPr lang="en-GB" sz="700" dirty="0"/>
+              <a:t>;</a:t>
+            </a:r>
+            <a:br>
+              <a:rPr lang="en-GB" sz="700" dirty="0"/>
+            </a:br>
+            <a:r>
+              <a:rPr lang="en-GB" sz="700" dirty="0"/>
+              <a:t>        </a:t>
+            </a:r>
+            <a:r>
+              <a:rPr lang="en-GB" sz="700" dirty="0">
+                <a:solidFill>
+                  <a:srgbClr val="C406D6"/>
+                </a:solidFill>
+                <a:effectLst/>
+              </a:rPr>
+              <a:t>}</a:t>
+            </a:r>
+            <a:br>
+              <a:rPr lang="en-GB" sz="700" dirty="0">
+                <a:solidFill>
+                  <a:srgbClr val="C406D6"/>
+                </a:solidFill>
+                <a:effectLst/>
+              </a:rPr>
+            </a:br>
+            <a:r>
+              <a:rPr lang="en-GB" sz="700" dirty="0">
+                <a:solidFill>
+                  <a:srgbClr val="C406D6"/>
+                </a:solidFill>
+                <a:effectLst/>
+              </a:rPr>
+              <a:t>        </a:t>
+            </a:r>
+            <a:r>
+              <a:rPr lang="en-GB" sz="700" b="1" dirty="0">
+                <a:solidFill>
+                  <a:srgbClr val="000080"/>
+                </a:solidFill>
+                <a:effectLst/>
+              </a:rPr>
+              <a:t>return </a:t>
+            </a:r>
+            <a:r>
+              <a:rPr lang="en-GB" sz="700" b="1" dirty="0">
+                <a:solidFill>
+                  <a:srgbClr val="660E7A"/>
+                </a:solidFill>
+                <a:effectLst/>
+              </a:rPr>
+              <a:t>primes</a:t>
+            </a:r>
+            <a:r>
+              <a:rPr lang="en-GB" sz="700" dirty="0"/>
+              <a:t>;</a:t>
+            </a:r>
+            <a:br>
+              <a:rPr lang="en-GB" sz="700" dirty="0"/>
+            </a:br>
+            <a:r>
+              <a:rPr lang="en-GB" sz="700" dirty="0"/>
+              <a:t>    </a:t>
+            </a:r>
+            <a:r>
+              <a:rPr lang="en-GB" sz="700" dirty="0">
+                <a:solidFill>
+                  <a:srgbClr val="01875F"/>
+                </a:solidFill>
+                <a:effectLst/>
+              </a:rPr>
+              <a:t>}</a:t>
+            </a:r>
+            <a:br>
+              <a:rPr lang="en-GB" sz="700" dirty="0">
+                <a:solidFill>
+                  <a:srgbClr val="01875F"/>
+                </a:solidFill>
+                <a:effectLst/>
+              </a:rPr>
+            </a:br>
+            <a:br>
+              <a:rPr lang="en-GB" sz="700" dirty="0">
+                <a:solidFill>
+                  <a:srgbClr val="01875F"/>
+                </a:solidFill>
+                <a:effectLst/>
+              </a:rPr>
+            </a:br>
+            <a:r>
+              <a:rPr lang="en-GB" sz="700" dirty="0"/>
+              <a:t>}</a:t>
+            </a:r>
+            <a:endParaRPr lang="en-US" sz="700" dirty="0">
+              <a:solidFill>
+                <a:schemeClr val="tx2"/>
+              </a:solidFill>
+            </a:endParaRPr>
+          </a:p>
+        </p:txBody>
+      </p:sp>
+      <p:sp>
+        <p:nvSpPr>
+          <p:cNvPr id="6" name="TextBox 5">
+            <a:extLst>
+              <a:ext uri="{FF2B5EF4-FFF2-40B4-BE49-F238E27FC236}">
+                <a16:creationId xmlns:a16="http://schemas.microsoft.com/office/drawing/2014/main" id="{B91ADA19-AE5E-A3E3-2714-4D9651AB7322}"/>
+              </a:ext>
+            </a:extLst>
+          </p:cNvPr>
+          <p:cNvSpPr txBox="1"/>
+          <p:nvPr/>
+        </p:nvSpPr>
+        <p:spPr>
+          <a:xfrm>
+            <a:off x="1330432" y="3818684"/>
+            <a:ext cx="4692310" cy="2585323"/>
+          </a:xfrm>
+          <a:prstGeom prst="rect">
+            <a:avLst/>
+          </a:prstGeom>
+          <a:solidFill>
+            <a:srgbClr val="DCDCE0"/>
+          </a:solidFill>
+        </p:spPr>
+        <p:txBody>
+          <a:bodyPr wrap="none" rtlCol="0">
+            <a:spAutoFit/>
+          </a:bodyPr>
+          <a:lstStyle/>
+          <a:p>
+            <a:pPr algn="l">
+              <a:lnSpc>
+                <a:spcPct val="90000"/>
+              </a:lnSpc>
+              <a:spcBef>
+                <a:spcPts val="1200"/>
+              </a:spcBef>
+            </a:pPr>
+            <a:r>
+              <a:rPr lang="en-GB" sz="800" dirty="0">
+                <a:solidFill>
+                  <a:srgbClr val="01875F"/>
+                </a:solidFill>
+                <a:effectLst/>
+              </a:rPr>
+              <a:t> </a:t>
+            </a:r>
+            <a:r>
+              <a:rPr lang="en-GB" sz="800" b="1" dirty="0">
+                <a:solidFill>
+                  <a:srgbClr val="000080"/>
+                </a:solidFill>
+                <a:effectLst/>
+              </a:rPr>
+              <a:t>public void </a:t>
+            </a:r>
+            <a:r>
+              <a:rPr lang="en-GB" sz="800" dirty="0" err="1"/>
+              <a:t>printNumbers</a:t>
+            </a:r>
+            <a:r>
+              <a:rPr lang="en-GB" sz="800" dirty="0"/>
+              <a:t>(</a:t>
+            </a:r>
+            <a:r>
+              <a:rPr lang="en-GB" sz="800" b="1" dirty="0">
+                <a:solidFill>
+                  <a:srgbClr val="000080"/>
+                </a:solidFill>
+                <a:effectLst/>
+              </a:rPr>
+              <a:t>final int</a:t>
+            </a:r>
+            <a:r>
+              <a:rPr lang="en-GB" sz="800" dirty="0"/>
+              <a:t>[] numbers, </a:t>
+            </a:r>
+            <a:r>
+              <a:rPr lang="en-GB" sz="800" b="1" dirty="0">
+                <a:solidFill>
+                  <a:srgbClr val="000080"/>
+                </a:solidFill>
+                <a:effectLst/>
+              </a:rPr>
+              <a:t>final int </a:t>
+            </a:r>
+            <a:r>
+              <a:rPr lang="en-GB" sz="800" dirty="0" err="1"/>
+              <a:t>noOfPrimes</a:t>
+            </a:r>
+            <a:r>
+              <a:rPr lang="en-GB" sz="800" dirty="0"/>
+              <a:t>) </a:t>
+            </a:r>
+            <a:r>
+              <a:rPr lang="en-GB" sz="800" dirty="0">
+                <a:solidFill>
+                  <a:srgbClr val="01875F"/>
+                </a:solidFill>
+                <a:effectLst/>
+              </a:rPr>
+              <a:t>{</a:t>
+            </a:r>
+            <a:br>
+              <a:rPr lang="en-GB" sz="800" dirty="0">
+                <a:solidFill>
+                  <a:srgbClr val="01875F"/>
+                </a:solidFill>
+                <a:effectLst/>
+              </a:rPr>
+            </a:br>
+            <a:r>
+              <a:rPr lang="en-GB" sz="800" dirty="0">
+                <a:solidFill>
+                  <a:srgbClr val="01875F"/>
+                </a:solidFill>
+                <a:effectLst/>
+              </a:rPr>
+              <a:t>        </a:t>
+            </a:r>
+            <a:r>
+              <a:rPr lang="en-GB" sz="800" b="1" dirty="0" err="1">
+                <a:solidFill>
+                  <a:srgbClr val="660E7A"/>
+                </a:solidFill>
+                <a:effectLst/>
+              </a:rPr>
+              <a:t>pagenumber</a:t>
+            </a:r>
+            <a:r>
+              <a:rPr lang="en-GB" sz="800" b="1" dirty="0">
+                <a:solidFill>
+                  <a:srgbClr val="660E7A"/>
+                </a:solidFill>
+                <a:effectLst/>
+              </a:rPr>
+              <a:t> </a:t>
+            </a:r>
+            <a:r>
+              <a:rPr lang="en-GB" sz="800" dirty="0"/>
+              <a:t>= </a:t>
+            </a:r>
+            <a:r>
+              <a:rPr lang="en-GB" sz="800" dirty="0">
+                <a:solidFill>
+                  <a:srgbClr val="0000FF"/>
+                </a:solidFill>
+                <a:effectLst/>
+              </a:rPr>
+              <a:t>1</a:t>
+            </a:r>
+            <a:r>
+              <a:rPr lang="en-GB" sz="800" dirty="0"/>
+              <a:t>;</a:t>
+            </a:r>
+            <a:br>
+              <a:rPr lang="en-GB" sz="800" dirty="0"/>
+            </a:br>
+            <a:r>
+              <a:rPr lang="en-GB" sz="800" dirty="0"/>
+              <a:t>        </a:t>
+            </a:r>
+            <a:r>
+              <a:rPr lang="en-GB" sz="800" b="1" dirty="0" err="1">
+                <a:solidFill>
+                  <a:srgbClr val="660E7A"/>
+                </a:solidFill>
+                <a:effectLst/>
+              </a:rPr>
+              <a:t>pageoffset</a:t>
+            </a:r>
+            <a:r>
+              <a:rPr lang="en-GB" sz="800" b="1" dirty="0">
+                <a:solidFill>
+                  <a:srgbClr val="660E7A"/>
+                </a:solidFill>
+                <a:effectLst/>
+              </a:rPr>
+              <a:t> </a:t>
+            </a:r>
+            <a:r>
+              <a:rPr lang="en-GB" sz="800" dirty="0"/>
+              <a:t>= </a:t>
+            </a:r>
+            <a:r>
+              <a:rPr lang="en-GB" sz="800" dirty="0">
+                <a:solidFill>
+                  <a:srgbClr val="0000FF"/>
+                </a:solidFill>
+                <a:effectLst/>
+              </a:rPr>
+              <a:t>1</a:t>
+            </a:r>
+            <a:r>
+              <a:rPr lang="en-GB" sz="800" dirty="0"/>
+              <a:t>;</a:t>
+            </a:r>
+            <a:br>
+              <a:rPr lang="en-GB" sz="800" dirty="0"/>
+            </a:br>
+            <a:r>
+              <a:rPr lang="en-GB" sz="800" dirty="0"/>
+              <a:t>        </a:t>
+            </a:r>
+            <a:r>
+              <a:rPr lang="en-GB" sz="800" b="1" dirty="0">
+                <a:solidFill>
+                  <a:srgbClr val="000080"/>
+                </a:solidFill>
+                <a:effectLst/>
+              </a:rPr>
+              <a:t>while </a:t>
+            </a:r>
+            <a:r>
+              <a:rPr lang="en-GB" sz="800" dirty="0"/>
+              <a:t>(</a:t>
+            </a:r>
+            <a:r>
+              <a:rPr lang="en-GB" sz="800" b="1" dirty="0" err="1">
+                <a:solidFill>
+                  <a:srgbClr val="660E7A"/>
+                </a:solidFill>
+                <a:effectLst/>
+              </a:rPr>
+              <a:t>pageoffset</a:t>
+            </a:r>
+            <a:r>
+              <a:rPr lang="en-GB" sz="800" b="1" dirty="0">
+                <a:solidFill>
+                  <a:srgbClr val="660E7A"/>
+                </a:solidFill>
+                <a:effectLst/>
+              </a:rPr>
+              <a:t> </a:t>
+            </a:r>
+            <a:r>
+              <a:rPr lang="en-GB" sz="800" dirty="0"/>
+              <a:t>&lt;= </a:t>
+            </a:r>
+            <a:r>
+              <a:rPr lang="en-GB" sz="800" dirty="0" err="1"/>
+              <a:t>noOfPrimes</a:t>
+            </a:r>
+            <a:r>
+              <a:rPr lang="en-GB" sz="800" dirty="0"/>
+              <a:t>) </a:t>
+            </a:r>
+            <a:r>
+              <a:rPr lang="en-GB" sz="800" dirty="0">
+                <a:solidFill>
+                  <a:srgbClr val="C406D6"/>
+                </a:solidFill>
+                <a:effectLst/>
+              </a:rPr>
+              <a:t>{</a:t>
+            </a:r>
+            <a:br>
+              <a:rPr lang="en-GB" sz="800" dirty="0">
+                <a:solidFill>
+                  <a:srgbClr val="C406D6"/>
+                </a:solidFill>
+                <a:effectLst/>
+              </a:rPr>
+            </a:br>
+            <a:r>
+              <a:rPr lang="en-GB" sz="800" dirty="0">
+                <a:solidFill>
+                  <a:srgbClr val="C406D6"/>
+                </a:solidFill>
+                <a:effectLst/>
+              </a:rPr>
+              <a:t>            </a:t>
+            </a:r>
+            <a:r>
+              <a:rPr lang="en-GB" sz="800" dirty="0" err="1"/>
+              <a:t>System.</a:t>
+            </a:r>
+            <a:r>
+              <a:rPr lang="en-GB" sz="800" b="1" i="1" dirty="0" err="1">
+                <a:solidFill>
+                  <a:srgbClr val="660E7A"/>
+                </a:solidFill>
+                <a:effectLst/>
+              </a:rPr>
+              <a:t>out</a:t>
+            </a:r>
+            <a:r>
+              <a:rPr lang="en-GB" sz="800" dirty="0" err="1"/>
+              <a:t>.print</a:t>
+            </a:r>
+            <a:r>
+              <a:rPr lang="en-GB" sz="800" dirty="0">
+                <a:solidFill>
+                  <a:srgbClr val="01875F"/>
+                </a:solidFill>
+                <a:effectLst/>
+              </a:rPr>
+              <a:t>(</a:t>
+            </a:r>
+            <a:r>
+              <a:rPr lang="en-GB" sz="800" b="1" dirty="0">
+                <a:solidFill>
+                  <a:srgbClr val="008000"/>
+                </a:solidFill>
+                <a:effectLst/>
+              </a:rPr>
+              <a:t>"The First "</a:t>
+            </a:r>
+            <a:r>
+              <a:rPr lang="en-GB" sz="800" dirty="0">
+                <a:solidFill>
+                  <a:srgbClr val="01875F"/>
+                </a:solidFill>
+                <a:effectLst/>
+              </a:rPr>
+              <a:t>)</a:t>
+            </a:r>
+            <a:r>
+              <a:rPr lang="en-GB" sz="800" dirty="0"/>
+              <a:t>;</a:t>
+            </a:r>
+            <a:br>
+              <a:rPr lang="en-GB" sz="800" dirty="0"/>
+            </a:br>
+            <a:r>
+              <a:rPr lang="en-GB" sz="800" dirty="0"/>
+              <a:t>            </a:t>
+            </a:r>
+            <a:r>
+              <a:rPr lang="en-GB" sz="800" dirty="0" err="1"/>
+              <a:t>System.</a:t>
+            </a:r>
+            <a:r>
+              <a:rPr lang="en-GB" sz="800" b="1" i="1" dirty="0" err="1">
+                <a:solidFill>
+                  <a:srgbClr val="660E7A"/>
+                </a:solidFill>
+                <a:effectLst/>
+              </a:rPr>
+              <a:t>out</a:t>
+            </a:r>
+            <a:r>
+              <a:rPr lang="en-GB" sz="800" dirty="0" err="1"/>
+              <a:t>.print</a:t>
+            </a:r>
+            <a:r>
+              <a:rPr lang="en-GB" sz="800" dirty="0">
+                <a:solidFill>
+                  <a:srgbClr val="01875F"/>
+                </a:solidFill>
+                <a:effectLst/>
+              </a:rPr>
+              <a:t>(</a:t>
+            </a:r>
+            <a:r>
+              <a:rPr lang="en-GB" sz="800" dirty="0" err="1"/>
+              <a:t>Integer.</a:t>
+            </a:r>
+            <a:r>
+              <a:rPr lang="en-GB" sz="800" i="1" dirty="0" err="1">
+                <a:effectLst/>
+              </a:rPr>
+              <a:t>toString</a:t>
+            </a:r>
+            <a:r>
+              <a:rPr lang="en-GB" sz="800" dirty="0">
+                <a:solidFill>
+                  <a:srgbClr val="C406D6"/>
+                </a:solidFill>
+                <a:effectLst/>
+              </a:rPr>
+              <a:t>(</a:t>
+            </a:r>
+            <a:r>
+              <a:rPr lang="en-GB" sz="800" dirty="0" err="1"/>
+              <a:t>noOfPrimes</a:t>
+            </a:r>
+            <a:r>
+              <a:rPr lang="en-GB" sz="800" dirty="0">
+                <a:solidFill>
+                  <a:srgbClr val="C406D6"/>
+                </a:solidFill>
+                <a:effectLst/>
+              </a:rPr>
+              <a:t>)</a:t>
+            </a:r>
+            <a:r>
+              <a:rPr lang="en-GB" sz="800" dirty="0">
+                <a:solidFill>
+                  <a:srgbClr val="01875F"/>
+                </a:solidFill>
+                <a:effectLst/>
+              </a:rPr>
+              <a:t>)</a:t>
+            </a:r>
+            <a:r>
+              <a:rPr lang="en-GB" sz="800" dirty="0"/>
+              <a:t>;</a:t>
+            </a:r>
+            <a:br>
+              <a:rPr lang="en-GB" sz="800" dirty="0"/>
+            </a:br>
+            <a:r>
+              <a:rPr lang="en-GB" sz="800" dirty="0"/>
+              <a:t>            </a:t>
+            </a:r>
+            <a:r>
+              <a:rPr lang="en-GB" sz="800" dirty="0" err="1"/>
+              <a:t>System.</a:t>
+            </a:r>
+            <a:r>
+              <a:rPr lang="en-GB" sz="800" b="1" i="1" dirty="0" err="1">
+                <a:solidFill>
+                  <a:srgbClr val="660E7A"/>
+                </a:solidFill>
+                <a:effectLst/>
+              </a:rPr>
+              <a:t>out</a:t>
+            </a:r>
+            <a:r>
+              <a:rPr lang="en-GB" sz="800" dirty="0" err="1"/>
+              <a:t>.print</a:t>
+            </a:r>
+            <a:r>
+              <a:rPr lang="en-GB" sz="800" dirty="0">
+                <a:solidFill>
+                  <a:srgbClr val="01875F"/>
+                </a:solidFill>
+                <a:effectLst/>
+              </a:rPr>
+              <a:t>(</a:t>
+            </a:r>
+            <a:r>
+              <a:rPr lang="en-GB" sz="800" b="1" dirty="0">
+                <a:solidFill>
+                  <a:srgbClr val="008000"/>
+                </a:solidFill>
+                <a:effectLst/>
+              </a:rPr>
+              <a:t>" Prime Numbers --- Page "</a:t>
+            </a:r>
+            <a:r>
+              <a:rPr lang="en-GB" sz="800" dirty="0">
+                <a:solidFill>
+                  <a:srgbClr val="01875F"/>
+                </a:solidFill>
+                <a:effectLst/>
+              </a:rPr>
+              <a:t>)</a:t>
+            </a:r>
+            <a:r>
+              <a:rPr lang="en-GB" sz="800" dirty="0"/>
+              <a:t>;</a:t>
+            </a:r>
+            <a:br>
+              <a:rPr lang="en-GB" sz="800" dirty="0"/>
+            </a:br>
+            <a:r>
+              <a:rPr lang="en-GB" sz="800" dirty="0"/>
+              <a:t>            </a:t>
+            </a:r>
+            <a:r>
+              <a:rPr lang="en-GB" sz="800" dirty="0" err="1"/>
+              <a:t>System.</a:t>
+            </a:r>
+            <a:r>
+              <a:rPr lang="en-GB" sz="800" b="1" i="1" dirty="0" err="1">
+                <a:solidFill>
+                  <a:srgbClr val="660E7A"/>
+                </a:solidFill>
+                <a:effectLst/>
+              </a:rPr>
+              <a:t>out</a:t>
+            </a:r>
+            <a:r>
+              <a:rPr lang="en-GB" sz="800" dirty="0" err="1"/>
+              <a:t>.print</a:t>
+            </a:r>
+            <a:r>
+              <a:rPr lang="en-GB" sz="800" dirty="0">
+                <a:solidFill>
+                  <a:srgbClr val="01875F"/>
+                </a:solidFill>
+                <a:effectLst/>
+              </a:rPr>
+              <a:t>(</a:t>
+            </a:r>
+            <a:r>
+              <a:rPr lang="en-GB" sz="800" dirty="0" err="1"/>
+              <a:t>Integer.</a:t>
+            </a:r>
+            <a:r>
+              <a:rPr lang="en-GB" sz="800" i="1" dirty="0" err="1">
+                <a:effectLst/>
+              </a:rPr>
+              <a:t>toString</a:t>
+            </a:r>
+            <a:r>
+              <a:rPr lang="en-GB" sz="800" dirty="0">
+                <a:solidFill>
+                  <a:srgbClr val="C406D6"/>
+                </a:solidFill>
+                <a:effectLst/>
+              </a:rPr>
+              <a:t>(</a:t>
+            </a:r>
+            <a:r>
+              <a:rPr lang="en-GB" sz="800" b="1" dirty="0" err="1">
+                <a:solidFill>
+                  <a:srgbClr val="660E7A"/>
+                </a:solidFill>
+                <a:effectLst/>
+              </a:rPr>
+              <a:t>pagenumber</a:t>
+            </a:r>
+            <a:r>
+              <a:rPr lang="en-GB" sz="800" dirty="0">
+                <a:solidFill>
+                  <a:srgbClr val="C406D6"/>
+                </a:solidFill>
+                <a:effectLst/>
+              </a:rPr>
+              <a:t>)</a:t>
+            </a:r>
+            <a:r>
+              <a:rPr lang="en-GB" sz="800" dirty="0">
+                <a:solidFill>
+                  <a:srgbClr val="01875F"/>
+                </a:solidFill>
+                <a:effectLst/>
+              </a:rPr>
+              <a:t>)</a:t>
+            </a:r>
+            <a:r>
+              <a:rPr lang="en-GB" sz="800" dirty="0"/>
+              <a:t>;</a:t>
+            </a:r>
+            <a:br>
+              <a:rPr lang="en-GB" sz="800" dirty="0"/>
+            </a:br>
+            <a:r>
+              <a:rPr lang="en-GB" sz="800" dirty="0"/>
+              <a:t>            </a:t>
+            </a:r>
+            <a:r>
+              <a:rPr lang="en-GB" sz="800" dirty="0" err="1"/>
+              <a:t>System.</a:t>
+            </a:r>
+            <a:r>
+              <a:rPr lang="en-GB" sz="800" b="1" i="1" dirty="0" err="1">
+                <a:solidFill>
+                  <a:srgbClr val="660E7A"/>
+                </a:solidFill>
+                <a:effectLst/>
+              </a:rPr>
+              <a:t>out</a:t>
+            </a:r>
+            <a:r>
+              <a:rPr lang="en-GB" sz="800" dirty="0" err="1"/>
+              <a:t>.println</a:t>
+            </a:r>
+            <a:r>
+              <a:rPr lang="en-GB" sz="800" dirty="0">
+                <a:solidFill>
+                  <a:srgbClr val="01875F"/>
+                </a:solidFill>
+                <a:effectLst/>
+              </a:rPr>
+              <a:t>(</a:t>
+            </a:r>
+            <a:r>
+              <a:rPr lang="en-GB" sz="800" b="1" dirty="0">
+                <a:solidFill>
+                  <a:srgbClr val="008000"/>
+                </a:solidFill>
+                <a:effectLst/>
+              </a:rPr>
+              <a:t>"</a:t>
+            </a:r>
+            <a:r>
+              <a:rPr lang="en-GB" sz="800" b="1" dirty="0">
+                <a:solidFill>
+                  <a:srgbClr val="000080"/>
+                </a:solidFill>
+                <a:effectLst/>
+              </a:rPr>
+              <a:t>\n</a:t>
+            </a:r>
+            <a:r>
+              <a:rPr lang="en-GB" sz="800" b="1" dirty="0">
+                <a:solidFill>
+                  <a:srgbClr val="008000"/>
+                </a:solidFill>
+                <a:effectLst/>
+              </a:rPr>
+              <a:t>"</a:t>
+            </a:r>
+            <a:r>
+              <a:rPr lang="en-GB" sz="800" dirty="0">
+                <a:solidFill>
+                  <a:srgbClr val="01875F"/>
+                </a:solidFill>
+                <a:effectLst/>
+              </a:rPr>
+              <a:t>)</a:t>
+            </a:r>
+            <a:r>
+              <a:rPr lang="en-GB" sz="800" dirty="0"/>
+              <a:t>;</a:t>
+            </a:r>
+            <a:br>
+              <a:rPr lang="en-GB" sz="800" dirty="0"/>
+            </a:br>
+            <a:r>
+              <a:rPr lang="en-GB" sz="800" dirty="0"/>
+              <a:t>            </a:t>
+            </a:r>
+            <a:r>
+              <a:rPr lang="en-GB" sz="800" b="1" dirty="0">
+                <a:solidFill>
+                  <a:srgbClr val="000080"/>
+                </a:solidFill>
+                <a:effectLst/>
+              </a:rPr>
+              <a:t>for </a:t>
+            </a:r>
+            <a:r>
+              <a:rPr lang="en-GB" sz="800" dirty="0">
+                <a:solidFill>
+                  <a:srgbClr val="01875F"/>
+                </a:solidFill>
+                <a:effectLst/>
+              </a:rPr>
+              <a:t>(</a:t>
+            </a:r>
+            <a:r>
+              <a:rPr lang="en-GB" sz="800" b="1" dirty="0" err="1">
+                <a:solidFill>
+                  <a:srgbClr val="660E7A"/>
+                </a:solidFill>
+                <a:effectLst/>
+              </a:rPr>
+              <a:t>rowoffset</a:t>
+            </a:r>
+            <a:r>
+              <a:rPr lang="en-GB" sz="800" b="1" dirty="0">
+                <a:solidFill>
+                  <a:srgbClr val="660E7A"/>
+                </a:solidFill>
+                <a:effectLst/>
+              </a:rPr>
+              <a:t> </a:t>
+            </a:r>
+            <a:r>
+              <a:rPr lang="en-GB" sz="800" dirty="0"/>
+              <a:t>= </a:t>
+            </a:r>
+            <a:r>
+              <a:rPr lang="en-GB" sz="800" b="1" dirty="0" err="1">
+                <a:solidFill>
+                  <a:srgbClr val="660E7A"/>
+                </a:solidFill>
+                <a:effectLst/>
+              </a:rPr>
+              <a:t>pageoffset</a:t>
+            </a:r>
+            <a:r>
+              <a:rPr lang="en-GB" sz="800" dirty="0"/>
+              <a:t>; </a:t>
+            </a:r>
+            <a:r>
+              <a:rPr lang="en-GB" sz="800" b="1" dirty="0" err="1">
+                <a:solidFill>
+                  <a:srgbClr val="660E7A"/>
+                </a:solidFill>
+                <a:effectLst/>
+              </a:rPr>
+              <a:t>rowoffset</a:t>
+            </a:r>
+            <a:r>
+              <a:rPr lang="en-GB" sz="800" b="1" dirty="0">
+                <a:solidFill>
+                  <a:srgbClr val="660E7A"/>
+                </a:solidFill>
+                <a:effectLst/>
+              </a:rPr>
+              <a:t> </a:t>
+            </a:r>
+            <a:r>
+              <a:rPr lang="en-GB" sz="800" dirty="0"/>
+              <a:t>&lt;= </a:t>
+            </a:r>
+            <a:r>
+              <a:rPr lang="en-GB" sz="800" b="1" dirty="0" err="1">
+                <a:solidFill>
+                  <a:srgbClr val="660E7A"/>
+                </a:solidFill>
+                <a:effectLst/>
+              </a:rPr>
+              <a:t>pageoffset</a:t>
+            </a:r>
+            <a:r>
+              <a:rPr lang="en-GB" sz="800" b="1" dirty="0">
+                <a:solidFill>
+                  <a:srgbClr val="660E7A"/>
+                </a:solidFill>
+                <a:effectLst/>
+              </a:rPr>
+              <a:t> </a:t>
+            </a:r>
+            <a:r>
+              <a:rPr lang="en-GB" sz="800" dirty="0"/>
+              <a:t>+ </a:t>
+            </a:r>
+            <a:r>
+              <a:rPr lang="en-GB" sz="800" b="1" dirty="0" err="1">
+                <a:solidFill>
+                  <a:srgbClr val="660E7A"/>
+                </a:solidFill>
+                <a:effectLst/>
+              </a:rPr>
+              <a:t>linesPerPage</a:t>
+            </a:r>
+            <a:r>
+              <a:rPr lang="en-GB" sz="800" b="1" dirty="0">
+                <a:solidFill>
+                  <a:srgbClr val="660E7A"/>
+                </a:solidFill>
+                <a:effectLst/>
+              </a:rPr>
+              <a:t> </a:t>
+            </a:r>
+            <a:r>
+              <a:rPr lang="en-GB" sz="800" dirty="0"/>
+              <a:t>- </a:t>
+            </a:r>
+            <a:r>
+              <a:rPr lang="en-GB" sz="800" dirty="0">
+                <a:solidFill>
+                  <a:srgbClr val="0000FF"/>
+                </a:solidFill>
+                <a:effectLst/>
+              </a:rPr>
+              <a:t>1</a:t>
+            </a:r>
+            <a:r>
+              <a:rPr lang="en-GB" sz="800" dirty="0"/>
+              <a:t>; </a:t>
+            </a:r>
+            <a:r>
+              <a:rPr lang="en-GB" sz="800" b="1" dirty="0" err="1">
+                <a:solidFill>
+                  <a:srgbClr val="660E7A"/>
+                </a:solidFill>
+                <a:effectLst/>
+              </a:rPr>
+              <a:t>rowoffset</a:t>
+            </a:r>
+            <a:r>
+              <a:rPr lang="en-GB" sz="800" dirty="0"/>
+              <a:t>++</a:t>
+            </a:r>
+            <a:r>
+              <a:rPr lang="en-GB" sz="800" dirty="0">
+                <a:solidFill>
+                  <a:srgbClr val="01875F"/>
+                </a:solidFill>
+                <a:effectLst/>
+              </a:rPr>
+              <a:t>) </a:t>
+            </a:r>
+            <a:r>
+              <a:rPr lang="en-GB" sz="800" dirty="0">
+                <a:solidFill>
+                  <a:srgbClr val="0D9676"/>
+                </a:solidFill>
+                <a:effectLst/>
+              </a:rPr>
+              <a:t>{</a:t>
+            </a:r>
+            <a:br>
+              <a:rPr lang="en-GB" sz="800" dirty="0">
+                <a:solidFill>
+                  <a:srgbClr val="0D9676"/>
+                </a:solidFill>
+                <a:effectLst/>
+              </a:rPr>
+            </a:br>
+            <a:r>
+              <a:rPr lang="en-GB" sz="800" dirty="0">
+                <a:solidFill>
+                  <a:srgbClr val="0D9676"/>
+                </a:solidFill>
+                <a:effectLst/>
+              </a:rPr>
+              <a:t>                </a:t>
+            </a:r>
+            <a:r>
+              <a:rPr lang="en-GB" sz="800" b="1" dirty="0">
+                <a:solidFill>
+                  <a:srgbClr val="000080"/>
+                </a:solidFill>
+                <a:effectLst/>
+              </a:rPr>
+              <a:t>for </a:t>
+            </a:r>
+            <a:r>
+              <a:rPr lang="en-GB" sz="800" dirty="0">
+                <a:solidFill>
+                  <a:srgbClr val="C406D6"/>
+                </a:solidFill>
+                <a:effectLst/>
+              </a:rPr>
+              <a:t>(</a:t>
+            </a:r>
+            <a:r>
+              <a:rPr lang="en-GB" sz="800" b="1" dirty="0">
+                <a:solidFill>
+                  <a:srgbClr val="660E7A"/>
+                </a:solidFill>
+                <a:effectLst/>
+              </a:rPr>
+              <a:t>column </a:t>
+            </a:r>
+            <a:r>
+              <a:rPr lang="en-GB" sz="800" dirty="0"/>
+              <a:t>= </a:t>
+            </a:r>
+            <a:r>
+              <a:rPr lang="en-GB" sz="800" dirty="0">
+                <a:solidFill>
+                  <a:srgbClr val="0000FF"/>
+                </a:solidFill>
+                <a:effectLst/>
+              </a:rPr>
+              <a:t>0</a:t>
+            </a:r>
+            <a:r>
+              <a:rPr lang="en-GB" sz="800" dirty="0"/>
+              <a:t>; </a:t>
+            </a:r>
+            <a:r>
+              <a:rPr lang="en-GB" sz="800" b="1" dirty="0">
+                <a:solidFill>
+                  <a:srgbClr val="660E7A"/>
+                </a:solidFill>
+                <a:effectLst/>
+              </a:rPr>
+              <a:t>column </a:t>
+            </a:r>
+            <a:r>
+              <a:rPr lang="en-GB" sz="800" dirty="0"/>
+              <a:t>&lt;= </a:t>
+            </a:r>
+            <a:r>
+              <a:rPr lang="en-GB" sz="800" b="1" dirty="0">
+                <a:solidFill>
+                  <a:srgbClr val="660E7A"/>
+                </a:solidFill>
+                <a:effectLst/>
+              </a:rPr>
+              <a:t>columns </a:t>
+            </a:r>
+            <a:r>
+              <a:rPr lang="en-GB" sz="800" dirty="0"/>
+              <a:t>- </a:t>
+            </a:r>
+            <a:r>
+              <a:rPr lang="en-GB" sz="800" dirty="0">
+                <a:solidFill>
+                  <a:srgbClr val="0000FF"/>
+                </a:solidFill>
+                <a:effectLst/>
+              </a:rPr>
+              <a:t>1</a:t>
+            </a:r>
+            <a:r>
+              <a:rPr lang="en-GB" sz="800" dirty="0"/>
+              <a:t>; </a:t>
+            </a:r>
+            <a:r>
+              <a:rPr lang="en-GB" sz="800" b="1" dirty="0">
+                <a:solidFill>
+                  <a:srgbClr val="660E7A"/>
+                </a:solidFill>
+                <a:effectLst/>
+              </a:rPr>
+              <a:t>column</a:t>
+            </a:r>
+            <a:r>
+              <a:rPr lang="en-GB" sz="800" dirty="0"/>
+              <a:t>++</a:t>
+            </a:r>
+            <a:r>
+              <a:rPr lang="en-GB" sz="800" dirty="0">
+                <a:solidFill>
+                  <a:srgbClr val="C406D6"/>
+                </a:solidFill>
+                <a:effectLst/>
+              </a:rPr>
+              <a:t>)</a:t>
+            </a:r>
+            <a:br>
+              <a:rPr lang="en-GB" sz="800" dirty="0">
+                <a:solidFill>
+                  <a:srgbClr val="C406D6"/>
+                </a:solidFill>
+                <a:effectLst/>
+              </a:rPr>
+            </a:br>
+            <a:r>
+              <a:rPr lang="en-GB" sz="800" dirty="0">
+                <a:solidFill>
+                  <a:srgbClr val="C406D6"/>
+                </a:solidFill>
+                <a:effectLst/>
+              </a:rPr>
+              <a:t>                    </a:t>
+            </a:r>
+            <a:r>
+              <a:rPr lang="en-GB" sz="800" b="1" dirty="0">
+                <a:solidFill>
+                  <a:srgbClr val="000080"/>
+                </a:solidFill>
+                <a:effectLst/>
+              </a:rPr>
+              <a:t>if </a:t>
+            </a:r>
+            <a:r>
+              <a:rPr lang="en-GB" sz="800" dirty="0">
+                <a:solidFill>
+                  <a:srgbClr val="0D9676"/>
+                </a:solidFill>
+                <a:effectLst/>
+              </a:rPr>
+              <a:t>(</a:t>
+            </a:r>
+            <a:r>
+              <a:rPr lang="en-GB" sz="800" b="1" dirty="0" err="1">
+                <a:solidFill>
+                  <a:srgbClr val="660E7A"/>
+                </a:solidFill>
+                <a:effectLst/>
+              </a:rPr>
+              <a:t>rowoffset</a:t>
+            </a:r>
+            <a:r>
+              <a:rPr lang="en-GB" sz="800" b="1" dirty="0">
+                <a:solidFill>
+                  <a:srgbClr val="660E7A"/>
+                </a:solidFill>
+                <a:effectLst/>
+              </a:rPr>
+              <a:t> </a:t>
+            </a:r>
+            <a:r>
+              <a:rPr lang="en-GB" sz="800" dirty="0"/>
+              <a:t>+ </a:t>
+            </a:r>
+            <a:r>
+              <a:rPr lang="en-GB" sz="800" b="1" dirty="0">
+                <a:solidFill>
+                  <a:srgbClr val="660E7A"/>
+                </a:solidFill>
+                <a:effectLst/>
+              </a:rPr>
+              <a:t>column </a:t>
+            </a:r>
+            <a:r>
+              <a:rPr lang="en-GB" sz="800" dirty="0"/>
+              <a:t>* </a:t>
+            </a:r>
+            <a:r>
+              <a:rPr lang="en-GB" sz="800" b="1" dirty="0" err="1">
+                <a:solidFill>
+                  <a:srgbClr val="660E7A"/>
+                </a:solidFill>
+                <a:effectLst/>
+              </a:rPr>
+              <a:t>linesPerPage</a:t>
+            </a:r>
+            <a:r>
+              <a:rPr lang="en-GB" sz="800" b="1" dirty="0">
+                <a:solidFill>
+                  <a:srgbClr val="660E7A"/>
+                </a:solidFill>
+                <a:effectLst/>
+              </a:rPr>
+              <a:t> </a:t>
+            </a:r>
+            <a:r>
+              <a:rPr lang="en-GB" sz="800" dirty="0"/>
+              <a:t>&lt;= </a:t>
+            </a:r>
+            <a:r>
+              <a:rPr lang="en-GB" sz="800" dirty="0" err="1"/>
+              <a:t>noOfPrimes</a:t>
+            </a:r>
+            <a:r>
+              <a:rPr lang="en-GB" sz="800" dirty="0">
+                <a:solidFill>
+                  <a:srgbClr val="0D9676"/>
+                </a:solidFill>
+                <a:effectLst/>
+              </a:rPr>
+              <a:t>)</a:t>
+            </a:r>
+            <a:br>
+              <a:rPr lang="en-GB" sz="800" dirty="0">
+                <a:solidFill>
+                  <a:srgbClr val="0D9676"/>
+                </a:solidFill>
+                <a:effectLst/>
+              </a:rPr>
+            </a:br>
+            <a:r>
+              <a:rPr lang="en-GB" sz="800" dirty="0">
+                <a:solidFill>
+                  <a:srgbClr val="0D9676"/>
+                </a:solidFill>
+                <a:effectLst/>
+              </a:rPr>
+              <a:t>                        </a:t>
+            </a:r>
+            <a:r>
+              <a:rPr lang="en-GB" sz="800" dirty="0" err="1"/>
+              <a:t>System.</a:t>
+            </a:r>
+            <a:r>
+              <a:rPr lang="en-GB" sz="800" b="1" i="1" dirty="0" err="1">
+                <a:solidFill>
+                  <a:srgbClr val="660E7A"/>
+                </a:solidFill>
+                <a:effectLst/>
+              </a:rPr>
+              <a:t>out</a:t>
+            </a:r>
+            <a:r>
+              <a:rPr lang="en-GB" sz="800" dirty="0" err="1"/>
+              <a:t>.printf</a:t>
+            </a:r>
+            <a:r>
+              <a:rPr lang="en-GB" sz="800" dirty="0">
+                <a:solidFill>
+                  <a:srgbClr val="093166"/>
+                </a:solidFill>
+                <a:effectLst/>
+              </a:rPr>
+              <a:t>(</a:t>
+            </a:r>
+            <a:r>
+              <a:rPr lang="en-GB" sz="800" b="1" dirty="0">
+                <a:solidFill>
+                  <a:srgbClr val="008000"/>
+                </a:solidFill>
+                <a:effectLst/>
+              </a:rPr>
+              <a:t>"%10d"</a:t>
+            </a:r>
+            <a:r>
+              <a:rPr lang="en-GB" sz="800" dirty="0"/>
+              <a:t>, numbers[</a:t>
+            </a:r>
+            <a:r>
+              <a:rPr lang="en-GB" sz="800" b="1" dirty="0" err="1">
+                <a:solidFill>
+                  <a:srgbClr val="660E7A"/>
+                </a:solidFill>
+                <a:effectLst/>
+              </a:rPr>
+              <a:t>rowoffset</a:t>
+            </a:r>
+            <a:r>
+              <a:rPr lang="en-GB" sz="800" b="1" dirty="0">
+                <a:solidFill>
+                  <a:srgbClr val="660E7A"/>
+                </a:solidFill>
+                <a:effectLst/>
+              </a:rPr>
+              <a:t> </a:t>
+            </a:r>
+            <a:r>
+              <a:rPr lang="en-GB" sz="800" dirty="0"/>
+              <a:t>+ </a:t>
+            </a:r>
+            <a:r>
+              <a:rPr lang="en-GB" sz="800" b="1" dirty="0">
+                <a:solidFill>
+                  <a:srgbClr val="660E7A"/>
+                </a:solidFill>
+                <a:effectLst/>
+              </a:rPr>
+              <a:t>column </a:t>
+            </a:r>
+            <a:r>
+              <a:rPr lang="en-GB" sz="800" dirty="0"/>
+              <a:t>* </a:t>
+            </a:r>
+            <a:r>
+              <a:rPr lang="en-GB" sz="800" b="1" dirty="0" err="1">
+                <a:solidFill>
+                  <a:srgbClr val="660E7A"/>
+                </a:solidFill>
+                <a:effectLst/>
+              </a:rPr>
+              <a:t>linesPerPage</a:t>
+            </a:r>
+            <a:r>
+              <a:rPr lang="en-GB" sz="800" dirty="0"/>
+              <a:t>]</a:t>
+            </a:r>
+            <a:r>
+              <a:rPr lang="en-GB" sz="800" dirty="0">
+                <a:solidFill>
+                  <a:srgbClr val="093166"/>
+                </a:solidFill>
+                <a:effectLst/>
+              </a:rPr>
+              <a:t>)</a:t>
+            </a:r>
+            <a:r>
+              <a:rPr lang="en-GB" sz="800" dirty="0"/>
+              <a:t>;</a:t>
+            </a:r>
+            <a:br>
+              <a:rPr lang="en-GB" sz="800" dirty="0"/>
+            </a:br>
+            <a:r>
+              <a:rPr lang="en-GB" sz="800" dirty="0"/>
+              <a:t>                </a:t>
+            </a:r>
+            <a:r>
+              <a:rPr lang="en-GB" sz="800" dirty="0" err="1"/>
+              <a:t>System.</a:t>
+            </a:r>
+            <a:r>
+              <a:rPr lang="en-GB" sz="800" b="1" i="1" dirty="0" err="1">
+                <a:solidFill>
+                  <a:srgbClr val="660E7A"/>
+                </a:solidFill>
+                <a:effectLst/>
+              </a:rPr>
+              <a:t>out</a:t>
+            </a:r>
+            <a:r>
+              <a:rPr lang="en-GB" sz="800" dirty="0" err="1"/>
+              <a:t>.println</a:t>
+            </a:r>
+            <a:r>
+              <a:rPr lang="en-GB" sz="800" dirty="0"/>
+              <a:t>();</a:t>
+            </a:r>
+            <a:br>
+              <a:rPr lang="en-GB" sz="800" dirty="0"/>
+            </a:br>
+            <a:r>
+              <a:rPr lang="en-GB" sz="800" dirty="0"/>
+              <a:t>            </a:t>
+            </a:r>
+            <a:r>
+              <a:rPr lang="en-GB" sz="800" dirty="0">
+                <a:solidFill>
+                  <a:srgbClr val="0D9676"/>
+                </a:solidFill>
+                <a:effectLst/>
+              </a:rPr>
+              <a:t>}</a:t>
+            </a:r>
+            <a:br>
+              <a:rPr lang="en-GB" sz="800" dirty="0">
+                <a:solidFill>
+                  <a:srgbClr val="0D9676"/>
+                </a:solidFill>
+                <a:effectLst/>
+              </a:rPr>
+            </a:br>
+            <a:r>
+              <a:rPr lang="en-GB" sz="800" dirty="0">
+                <a:solidFill>
+                  <a:srgbClr val="0D9676"/>
+                </a:solidFill>
+                <a:effectLst/>
+              </a:rPr>
+              <a:t>            </a:t>
+            </a:r>
+            <a:r>
+              <a:rPr lang="en-GB" sz="800" dirty="0" err="1"/>
+              <a:t>System.</a:t>
+            </a:r>
+            <a:r>
+              <a:rPr lang="en-GB" sz="800" b="1" i="1" dirty="0" err="1">
+                <a:solidFill>
+                  <a:srgbClr val="660E7A"/>
+                </a:solidFill>
+                <a:effectLst/>
+              </a:rPr>
+              <a:t>out</a:t>
+            </a:r>
+            <a:r>
+              <a:rPr lang="en-GB" sz="800" dirty="0" err="1"/>
+              <a:t>.println</a:t>
+            </a:r>
+            <a:r>
+              <a:rPr lang="en-GB" sz="800" dirty="0">
+                <a:solidFill>
+                  <a:srgbClr val="01875F"/>
+                </a:solidFill>
+                <a:effectLst/>
+              </a:rPr>
+              <a:t>(</a:t>
+            </a:r>
+            <a:r>
+              <a:rPr lang="en-GB" sz="800" b="1" dirty="0">
+                <a:solidFill>
+                  <a:srgbClr val="008000"/>
+                </a:solidFill>
+                <a:effectLst/>
+              </a:rPr>
+              <a:t>"</a:t>
+            </a:r>
+            <a:r>
+              <a:rPr lang="en-GB" sz="800" b="1" dirty="0">
+                <a:solidFill>
+                  <a:srgbClr val="000080"/>
+                </a:solidFill>
+                <a:effectLst/>
+              </a:rPr>
+              <a:t>\f</a:t>
+            </a:r>
+            <a:r>
+              <a:rPr lang="en-GB" sz="800" b="1" dirty="0">
+                <a:solidFill>
+                  <a:srgbClr val="008000"/>
+                </a:solidFill>
+                <a:effectLst/>
+              </a:rPr>
+              <a:t>"</a:t>
+            </a:r>
+            <a:r>
+              <a:rPr lang="en-GB" sz="800" dirty="0">
+                <a:solidFill>
+                  <a:srgbClr val="01875F"/>
+                </a:solidFill>
+                <a:effectLst/>
+              </a:rPr>
+              <a:t>)</a:t>
+            </a:r>
+            <a:r>
+              <a:rPr lang="en-GB" sz="800" dirty="0"/>
+              <a:t>;</a:t>
+            </a:r>
+            <a:br>
+              <a:rPr lang="en-GB" sz="800" dirty="0"/>
+            </a:br>
+            <a:r>
+              <a:rPr lang="en-GB" sz="800" dirty="0"/>
+              <a:t>            </a:t>
+            </a:r>
+            <a:r>
+              <a:rPr lang="en-GB" sz="800" b="1" dirty="0" err="1">
+                <a:solidFill>
+                  <a:srgbClr val="660E7A"/>
+                </a:solidFill>
+                <a:effectLst/>
+              </a:rPr>
+              <a:t>pagenumber</a:t>
+            </a:r>
+            <a:r>
+              <a:rPr lang="en-GB" sz="800" dirty="0"/>
+              <a:t>++;</a:t>
+            </a:r>
+            <a:br>
+              <a:rPr lang="en-GB" sz="800" dirty="0"/>
+            </a:br>
+            <a:r>
+              <a:rPr lang="en-GB" sz="800" dirty="0"/>
+              <a:t>            </a:t>
+            </a:r>
+            <a:r>
+              <a:rPr lang="en-GB" sz="800" b="1" dirty="0" err="1">
+                <a:solidFill>
+                  <a:srgbClr val="660E7A"/>
+                </a:solidFill>
+                <a:effectLst/>
+              </a:rPr>
+              <a:t>pageoffset</a:t>
+            </a:r>
+            <a:r>
+              <a:rPr lang="en-GB" sz="800" b="1" dirty="0">
+                <a:solidFill>
+                  <a:srgbClr val="660E7A"/>
+                </a:solidFill>
+                <a:effectLst/>
+              </a:rPr>
+              <a:t> </a:t>
+            </a:r>
+            <a:r>
+              <a:rPr lang="en-GB" sz="800" dirty="0"/>
+              <a:t>+= </a:t>
+            </a:r>
+            <a:r>
+              <a:rPr lang="en-GB" sz="800" b="1" dirty="0" err="1">
+                <a:solidFill>
+                  <a:srgbClr val="660E7A"/>
+                </a:solidFill>
+                <a:effectLst/>
+              </a:rPr>
+              <a:t>linesPerPage</a:t>
+            </a:r>
+            <a:r>
+              <a:rPr lang="en-GB" sz="800" b="1" dirty="0">
+                <a:solidFill>
+                  <a:srgbClr val="660E7A"/>
+                </a:solidFill>
+                <a:effectLst/>
+              </a:rPr>
+              <a:t> </a:t>
+            </a:r>
+            <a:r>
+              <a:rPr lang="en-GB" sz="800" dirty="0"/>
+              <a:t>* </a:t>
+            </a:r>
+            <a:r>
+              <a:rPr lang="en-GB" sz="800" b="1" dirty="0">
+                <a:solidFill>
+                  <a:srgbClr val="660E7A"/>
+                </a:solidFill>
+                <a:effectLst/>
+              </a:rPr>
+              <a:t>columns</a:t>
+            </a:r>
+            <a:r>
+              <a:rPr lang="en-GB" sz="800" dirty="0"/>
+              <a:t>;</a:t>
+            </a:r>
+            <a:br>
+              <a:rPr lang="en-GB" sz="800" dirty="0"/>
+            </a:br>
+            <a:r>
+              <a:rPr lang="en-GB" sz="800" dirty="0"/>
+              <a:t>        </a:t>
+            </a:r>
+            <a:r>
+              <a:rPr lang="en-GB" sz="800" dirty="0">
+                <a:solidFill>
+                  <a:srgbClr val="C406D6"/>
+                </a:solidFill>
+                <a:effectLst/>
+              </a:rPr>
+              <a:t>}</a:t>
+            </a:r>
+            <a:br>
+              <a:rPr lang="en-GB" sz="800" dirty="0">
+                <a:solidFill>
+                  <a:srgbClr val="C406D6"/>
+                </a:solidFill>
+                <a:effectLst/>
+              </a:rPr>
+            </a:br>
+            <a:r>
+              <a:rPr lang="en-GB" sz="800" dirty="0">
+                <a:solidFill>
+                  <a:srgbClr val="C406D6"/>
+                </a:solidFill>
+                <a:effectLst/>
+              </a:rPr>
+              <a:t>    </a:t>
+            </a:r>
+            <a:r>
+              <a:rPr lang="en-GB" sz="800" dirty="0">
+                <a:solidFill>
+                  <a:srgbClr val="01875F"/>
+                </a:solidFill>
+                <a:effectLst/>
+              </a:rPr>
+              <a:t>}</a:t>
+            </a:r>
+            <a:br>
+              <a:rPr lang="en-GB" sz="800" dirty="0">
+                <a:solidFill>
+                  <a:srgbClr val="01875F"/>
+                </a:solidFill>
+                <a:effectLst/>
+              </a:rPr>
+            </a:br>
+            <a:endParaRPr lang="en-US" sz="2000" dirty="0">
+              <a:solidFill>
+                <a:schemeClr val="tx2"/>
               </a:solidFill>
             </a:endParaRPr>
           </a:p>
@@ -12597,6 +16233,4126 @@
 </file>
 
 <file path=ppt/slides/slide6.xml><?xml version="1.0" encoding="utf-8"?>
+<p:sld xmlns:a="http://schemas.openxmlformats.org/drawingml/2006/main" xmlns:r="http://schemas.openxmlformats.org/officeDocument/2006/relationships" xmlns:p="http://schemas.openxmlformats.org/presentationml/2006/main">
+  <p:cSld>
+    <p:spTree>
+      <p:nvGrpSpPr>
+        <p:cNvPr id="1" name=""/>
+        <p:cNvGrpSpPr/>
+        <p:nvPr/>
+      </p:nvGrpSpPr>
+      <p:grpSpPr>
+        <a:xfrm>
+          <a:off x="0" y="0"/>
+          <a:ext cx="0" cy="0"/>
+          <a:chOff x="0" y="0"/>
+          <a:chExt cx="0" cy="0"/>
+        </a:xfrm>
+      </p:grpSpPr>
+      <p:sp>
+        <p:nvSpPr>
+          <p:cNvPr id="2" name="Title 1">
+            <a:extLst>
+              <a:ext uri="{FF2B5EF4-FFF2-40B4-BE49-F238E27FC236}">
+                <a16:creationId xmlns:a16="http://schemas.microsoft.com/office/drawing/2014/main" id="{29E6DF3D-F703-A410-5AF8-8CA1318D2326}"/>
+              </a:ext>
+            </a:extLst>
+          </p:cNvPr>
+          <p:cNvSpPr>
+            <a:spLocks noGrp="1"/>
+          </p:cNvSpPr>
+          <p:nvPr>
+            <p:ph type="title"/>
+          </p:nvPr>
+        </p:nvSpPr>
+        <p:spPr/>
+        <p:txBody>
+          <a:bodyPr/>
+          <a:lstStyle/>
+          <a:p>
+            <a:r>
+              <a:rPr lang="en-US" dirty="0"/>
+              <a:t>Refactoring that mess </a:t>
+            </a:r>
+            <a:r>
+              <a:rPr lang="en-US" dirty="0" err="1"/>
+              <a:t>cont</a:t>
+            </a:r>
+            <a:r>
+              <a:rPr lang="en-US" dirty="0"/>
+              <a:t>…</a:t>
+            </a:r>
+          </a:p>
+        </p:txBody>
+      </p:sp>
+      <p:sp>
+        <p:nvSpPr>
+          <p:cNvPr id="4" name="TextBox 3">
+            <a:extLst>
+              <a:ext uri="{FF2B5EF4-FFF2-40B4-BE49-F238E27FC236}">
+                <a16:creationId xmlns:a16="http://schemas.microsoft.com/office/drawing/2014/main" id="{2F2AE451-AC6B-C3E0-3285-6AC8C90BF8C3}"/>
+              </a:ext>
+            </a:extLst>
+          </p:cNvPr>
+          <p:cNvSpPr txBox="1"/>
+          <p:nvPr/>
+        </p:nvSpPr>
+        <p:spPr>
+          <a:xfrm>
+            <a:off x="191345" y="1387334"/>
+            <a:ext cx="6984776" cy="1200329"/>
+          </a:xfrm>
+          <a:prstGeom prst="rect">
+            <a:avLst/>
+          </a:prstGeom>
+          <a:solidFill>
+            <a:schemeClr val="accent1">
+              <a:lumMod val="60000"/>
+              <a:lumOff val="40000"/>
+            </a:schemeClr>
+          </a:solidFill>
+        </p:spPr>
+        <p:txBody>
+          <a:bodyPr wrap="square" rtlCol="0">
+            <a:spAutoFit/>
+          </a:bodyPr>
+          <a:lstStyle/>
+          <a:p>
+            <a:r>
+              <a:rPr lang="en-US" dirty="0">
+                <a:solidFill>
+                  <a:schemeClr val="accent4">
+                    <a:lumMod val="75000"/>
+                  </a:schemeClr>
+                </a:solidFill>
+              </a:rPr>
+              <a:t>1 – Calculating primes and printing primes are really do different responsibilities so should belong in separate classes.</a:t>
+            </a:r>
+          </a:p>
+          <a:p>
+            <a:r>
+              <a:rPr lang="en-US" dirty="0">
+                <a:solidFill>
+                  <a:schemeClr val="accent4">
+                    <a:lumMod val="75000"/>
+                  </a:schemeClr>
+                </a:solidFill>
+              </a:rPr>
+              <a:t>2  - Now </a:t>
+            </a:r>
+            <a:r>
+              <a:rPr lang="en-US" dirty="0" err="1">
+                <a:solidFill>
+                  <a:schemeClr val="accent4">
+                    <a:lumMod val="75000"/>
+                  </a:schemeClr>
+                </a:solidFill>
+              </a:rPr>
+              <a:t>PrimePrinterHelper</a:t>
+            </a:r>
+            <a:r>
+              <a:rPr lang="en-US" dirty="0">
+                <a:solidFill>
+                  <a:schemeClr val="accent4">
+                    <a:lumMod val="75000"/>
+                  </a:schemeClr>
+                </a:solidFill>
+              </a:rPr>
+              <a:t> does nothing but generate primes so we can rename it.</a:t>
+            </a:r>
+          </a:p>
+        </p:txBody>
+      </p:sp>
+      <p:sp>
+        <p:nvSpPr>
+          <p:cNvPr id="3" name="TextBox 2">
+            <a:extLst>
+              <a:ext uri="{FF2B5EF4-FFF2-40B4-BE49-F238E27FC236}">
+                <a16:creationId xmlns:a16="http://schemas.microsoft.com/office/drawing/2014/main" id="{C99A657F-DE97-69BB-2417-4987F70E050E}"/>
+              </a:ext>
+            </a:extLst>
+          </p:cNvPr>
+          <p:cNvSpPr txBox="1"/>
+          <p:nvPr/>
+        </p:nvSpPr>
+        <p:spPr>
+          <a:xfrm>
+            <a:off x="335280" y="2898085"/>
+            <a:ext cx="3252814" cy="1338828"/>
+          </a:xfrm>
+          <a:prstGeom prst="rect">
+            <a:avLst/>
+          </a:prstGeom>
+          <a:solidFill>
+            <a:srgbClr val="DCDCE0"/>
+          </a:solidFill>
+        </p:spPr>
+        <p:txBody>
+          <a:bodyPr wrap="none" rtlCol="0">
+            <a:spAutoFit/>
+          </a:bodyPr>
+          <a:lstStyle/>
+          <a:p>
+            <a:pPr algn="l">
+              <a:lnSpc>
+                <a:spcPct val="90000"/>
+              </a:lnSpc>
+              <a:spcBef>
+                <a:spcPts val="1200"/>
+              </a:spcBef>
+            </a:pPr>
+            <a:r>
+              <a:rPr lang="en-GB" sz="900" b="1" dirty="0">
+                <a:solidFill>
+                  <a:srgbClr val="000080"/>
+                </a:solidFill>
+                <a:effectLst/>
+              </a:rPr>
+              <a:t>public class </a:t>
+            </a:r>
+            <a:r>
+              <a:rPr lang="en-GB" sz="900" dirty="0" err="1"/>
+              <a:t>PrimePrinter</a:t>
+            </a:r>
+            <a:r>
+              <a:rPr lang="en-GB" sz="900" dirty="0"/>
+              <a:t> {</a:t>
+            </a:r>
+            <a:br>
+              <a:rPr lang="en-GB" sz="900" dirty="0"/>
+            </a:br>
+            <a:r>
+              <a:rPr lang="en-GB" sz="900" dirty="0"/>
+              <a:t>    </a:t>
+            </a:r>
+            <a:r>
+              <a:rPr lang="en-GB" sz="900" b="1" dirty="0">
+                <a:solidFill>
+                  <a:srgbClr val="000080"/>
+                </a:solidFill>
+                <a:effectLst/>
+              </a:rPr>
+              <a:t>private static int </a:t>
+            </a:r>
+            <a:r>
+              <a:rPr lang="en-GB" sz="900" i="1" dirty="0" err="1">
+                <a:solidFill>
+                  <a:srgbClr val="660E7A"/>
+                </a:solidFill>
+                <a:effectLst/>
+              </a:rPr>
+              <a:t>numberOfPrimes</a:t>
+            </a:r>
+            <a:r>
+              <a:rPr lang="en-GB" sz="900" i="1" dirty="0">
+                <a:solidFill>
+                  <a:srgbClr val="660E7A"/>
+                </a:solidFill>
+                <a:effectLst/>
+              </a:rPr>
+              <a:t> </a:t>
+            </a:r>
+            <a:r>
+              <a:rPr lang="en-GB" sz="900" dirty="0"/>
+              <a:t>= </a:t>
+            </a:r>
+            <a:r>
+              <a:rPr lang="en-GB" sz="900" dirty="0">
+                <a:solidFill>
+                  <a:srgbClr val="0000FF"/>
+                </a:solidFill>
+                <a:effectLst/>
+              </a:rPr>
+              <a:t>1000</a:t>
+            </a:r>
+            <a:r>
+              <a:rPr lang="en-GB" sz="900" dirty="0"/>
+              <a:t>;</a:t>
+            </a:r>
+            <a:br>
+              <a:rPr lang="en-GB" sz="900" dirty="0"/>
+            </a:br>
+            <a:br>
+              <a:rPr lang="en-GB" sz="900" dirty="0"/>
+            </a:br>
+            <a:r>
+              <a:rPr lang="en-GB" sz="900" dirty="0"/>
+              <a:t>    </a:t>
+            </a:r>
+            <a:r>
+              <a:rPr lang="en-GB" sz="900" b="1" dirty="0">
+                <a:solidFill>
+                  <a:srgbClr val="000080"/>
+                </a:solidFill>
+                <a:effectLst/>
+              </a:rPr>
+              <a:t>public static void </a:t>
+            </a:r>
+            <a:r>
+              <a:rPr lang="en-GB" sz="900" dirty="0"/>
+              <a:t>main(String[] </a:t>
+            </a:r>
+            <a:r>
+              <a:rPr lang="en-GB" sz="900" dirty="0" err="1"/>
+              <a:t>args</a:t>
+            </a:r>
+            <a:r>
+              <a:rPr lang="en-GB" sz="900" dirty="0"/>
+              <a:t>) </a:t>
+            </a:r>
+            <a:r>
+              <a:rPr lang="en-GB" sz="900" dirty="0">
+                <a:solidFill>
+                  <a:srgbClr val="01875F"/>
+                </a:solidFill>
+                <a:effectLst/>
+              </a:rPr>
+              <a:t>{</a:t>
+            </a:r>
+            <a:br>
+              <a:rPr lang="en-GB" sz="900" dirty="0">
+                <a:solidFill>
+                  <a:srgbClr val="01875F"/>
+                </a:solidFill>
+                <a:effectLst/>
+              </a:rPr>
+            </a:br>
+            <a:r>
+              <a:rPr lang="en-GB" sz="900" dirty="0">
+                <a:solidFill>
+                  <a:srgbClr val="01875F"/>
+                </a:solidFill>
+                <a:effectLst/>
+              </a:rPr>
+              <a:t>        </a:t>
+            </a:r>
+            <a:r>
+              <a:rPr lang="en-GB" sz="900" b="1" dirty="0">
+                <a:solidFill>
+                  <a:srgbClr val="000080"/>
+                </a:solidFill>
+                <a:effectLst/>
+              </a:rPr>
+              <a:t>var </a:t>
+            </a:r>
+            <a:r>
+              <a:rPr lang="en-GB" sz="900" dirty="0" err="1"/>
+              <a:t>primeHelper</a:t>
+            </a:r>
+            <a:r>
+              <a:rPr lang="en-GB" sz="900" dirty="0"/>
+              <a:t> = </a:t>
+            </a:r>
+            <a:r>
+              <a:rPr lang="en-GB" sz="900" b="1" dirty="0">
+                <a:solidFill>
+                  <a:srgbClr val="000080"/>
+                </a:solidFill>
+                <a:effectLst/>
+              </a:rPr>
+              <a:t>new </a:t>
+            </a:r>
+            <a:r>
+              <a:rPr lang="en-GB" sz="900" dirty="0" err="1"/>
+              <a:t>PrimeGenerator</a:t>
+            </a:r>
+            <a:r>
+              <a:rPr lang="en-GB" sz="900" dirty="0"/>
+              <a:t>();</a:t>
+            </a:r>
+            <a:br>
+              <a:rPr lang="en-GB" sz="900" dirty="0"/>
+            </a:br>
+            <a:r>
+              <a:rPr lang="en-GB" sz="900" dirty="0"/>
+              <a:t>        </a:t>
+            </a:r>
+            <a:r>
+              <a:rPr lang="en-GB" sz="900" b="1" dirty="0">
+                <a:solidFill>
+                  <a:srgbClr val="000080"/>
+                </a:solidFill>
+                <a:effectLst/>
+              </a:rPr>
+              <a:t>int</a:t>
+            </a:r>
+            <a:r>
+              <a:rPr lang="en-GB" sz="900" dirty="0"/>
+              <a:t>[] primes = </a:t>
+            </a:r>
+            <a:r>
+              <a:rPr lang="en-GB" sz="900" dirty="0" err="1"/>
+              <a:t>primeHelper.generate</a:t>
+            </a:r>
+            <a:r>
+              <a:rPr lang="en-GB" sz="900" dirty="0"/>
+              <a:t>(</a:t>
+            </a:r>
+            <a:r>
+              <a:rPr lang="en-GB" sz="900" i="1" dirty="0" err="1">
+                <a:solidFill>
+                  <a:srgbClr val="660E7A"/>
+                </a:solidFill>
+                <a:effectLst/>
+              </a:rPr>
+              <a:t>numberOfPrimes</a:t>
+            </a:r>
+            <a:r>
+              <a:rPr lang="en-GB" sz="900" dirty="0"/>
+              <a:t>);</a:t>
+            </a:r>
+            <a:br>
+              <a:rPr lang="en-GB" sz="900" dirty="0"/>
+            </a:br>
+            <a:r>
+              <a:rPr lang="en-GB" sz="900" dirty="0"/>
+              <a:t>        </a:t>
+            </a:r>
+            <a:r>
+              <a:rPr lang="en-GB" sz="900" b="1" dirty="0">
+                <a:solidFill>
+                  <a:srgbClr val="000080"/>
+                </a:solidFill>
+                <a:effectLst/>
+              </a:rPr>
+              <a:t>var </a:t>
+            </a:r>
+            <a:r>
+              <a:rPr lang="en-GB" sz="900" dirty="0" err="1"/>
+              <a:t>primePrinter</a:t>
+            </a:r>
+            <a:r>
+              <a:rPr lang="en-GB" sz="900" dirty="0"/>
+              <a:t> = </a:t>
+            </a:r>
+            <a:r>
+              <a:rPr lang="en-GB" sz="900" b="1" dirty="0">
+                <a:solidFill>
+                  <a:srgbClr val="000080"/>
+                </a:solidFill>
+                <a:effectLst/>
+              </a:rPr>
+              <a:t>new </a:t>
+            </a:r>
+            <a:r>
+              <a:rPr lang="en-GB" sz="900" dirty="0" err="1"/>
+              <a:t>PrintNumbers</a:t>
+            </a:r>
+            <a:r>
+              <a:rPr lang="en-GB" sz="900" dirty="0"/>
+              <a:t>(</a:t>
+            </a:r>
+            <a:r>
+              <a:rPr lang="en-GB" sz="900" dirty="0">
+                <a:solidFill>
+                  <a:srgbClr val="0000FF"/>
+                </a:solidFill>
+                <a:effectLst/>
+              </a:rPr>
+              <a:t>50</a:t>
+            </a:r>
+            <a:r>
+              <a:rPr lang="en-GB" sz="900" dirty="0"/>
+              <a:t>, </a:t>
+            </a:r>
+            <a:r>
+              <a:rPr lang="en-GB" sz="900" dirty="0">
+                <a:solidFill>
+                  <a:srgbClr val="0000FF"/>
+                </a:solidFill>
+                <a:effectLst/>
+              </a:rPr>
+              <a:t>4</a:t>
+            </a:r>
+            <a:r>
+              <a:rPr lang="en-GB" sz="900" dirty="0"/>
+              <a:t>);</a:t>
+            </a:r>
+            <a:br>
+              <a:rPr lang="en-GB" sz="900" dirty="0"/>
+            </a:br>
+            <a:r>
+              <a:rPr lang="en-GB" sz="900" dirty="0"/>
+              <a:t>        </a:t>
+            </a:r>
+            <a:r>
+              <a:rPr lang="en-GB" sz="900" dirty="0" err="1"/>
+              <a:t>primePrinter.printNumbers</a:t>
+            </a:r>
+            <a:r>
+              <a:rPr lang="en-GB" sz="900" dirty="0"/>
+              <a:t>(primes, </a:t>
+            </a:r>
+            <a:r>
+              <a:rPr lang="en-GB" sz="900" i="1" dirty="0" err="1">
+                <a:solidFill>
+                  <a:srgbClr val="660E7A"/>
+                </a:solidFill>
+                <a:effectLst/>
+              </a:rPr>
+              <a:t>numberOfPrimes</a:t>
+            </a:r>
+            <a:r>
+              <a:rPr lang="en-GB" sz="900" dirty="0"/>
+              <a:t>);</a:t>
+            </a:r>
+            <a:br>
+              <a:rPr lang="en-GB" sz="900" dirty="0"/>
+            </a:br>
+            <a:r>
+              <a:rPr lang="en-GB" sz="900" dirty="0"/>
+              <a:t>    </a:t>
+            </a:r>
+            <a:r>
+              <a:rPr lang="en-GB" sz="900" dirty="0">
+                <a:solidFill>
+                  <a:srgbClr val="01875F"/>
+                </a:solidFill>
+                <a:effectLst/>
+              </a:rPr>
+              <a:t>}</a:t>
+            </a:r>
+            <a:br>
+              <a:rPr lang="en-GB" sz="900" dirty="0">
+                <a:solidFill>
+                  <a:srgbClr val="01875F"/>
+                </a:solidFill>
+                <a:effectLst/>
+              </a:rPr>
+            </a:br>
+            <a:r>
+              <a:rPr lang="en-GB" sz="900" dirty="0"/>
+              <a:t>}</a:t>
+            </a:r>
+            <a:endParaRPr lang="en-US" sz="900" dirty="0">
+              <a:solidFill>
+                <a:schemeClr val="tx2"/>
+              </a:solidFill>
+            </a:endParaRPr>
+          </a:p>
+        </p:txBody>
+      </p:sp>
+      <p:sp>
+        <p:nvSpPr>
+          <p:cNvPr id="7" name="TextBox 6">
+            <a:extLst>
+              <a:ext uri="{FF2B5EF4-FFF2-40B4-BE49-F238E27FC236}">
+                <a16:creationId xmlns:a16="http://schemas.microsoft.com/office/drawing/2014/main" id="{F24C0569-FC1D-84A7-A23C-87F88BF62E81}"/>
+              </a:ext>
+            </a:extLst>
+          </p:cNvPr>
+          <p:cNvSpPr txBox="1"/>
+          <p:nvPr/>
+        </p:nvSpPr>
+        <p:spPr>
+          <a:xfrm>
+            <a:off x="8688288" y="1104516"/>
+            <a:ext cx="2619628" cy="4648965"/>
+          </a:xfrm>
+          <a:prstGeom prst="rect">
+            <a:avLst/>
+          </a:prstGeom>
+          <a:solidFill>
+            <a:srgbClr val="DCDCE0"/>
+          </a:solidFill>
+        </p:spPr>
+        <p:txBody>
+          <a:bodyPr wrap="none" rtlCol="0">
+            <a:spAutoFit/>
+          </a:bodyPr>
+          <a:lstStyle/>
+          <a:p>
+            <a:pPr algn="l">
+              <a:lnSpc>
+                <a:spcPct val="90000"/>
+              </a:lnSpc>
+              <a:spcBef>
+                <a:spcPts val="1200"/>
+              </a:spcBef>
+            </a:pPr>
+            <a:r>
+              <a:rPr lang="en-GB" sz="700" b="1" dirty="0">
+                <a:solidFill>
+                  <a:srgbClr val="000080"/>
+                </a:solidFill>
+                <a:effectLst/>
+              </a:rPr>
+              <a:t>class </a:t>
+            </a:r>
+            <a:r>
+              <a:rPr lang="en-GB" sz="700" dirty="0" err="1"/>
+              <a:t>PrimeGenerator</a:t>
+            </a:r>
+            <a:r>
+              <a:rPr lang="en-GB" sz="700" dirty="0"/>
+              <a:t> {</a:t>
+            </a:r>
+            <a:br>
+              <a:rPr lang="en-GB" sz="700" dirty="0"/>
+            </a:br>
+            <a:r>
+              <a:rPr lang="en-GB" sz="700" dirty="0"/>
+              <a:t>    </a:t>
+            </a:r>
+            <a:r>
+              <a:rPr lang="en-GB" sz="700" b="1" dirty="0">
+                <a:solidFill>
+                  <a:srgbClr val="000080"/>
+                </a:solidFill>
+                <a:effectLst/>
+              </a:rPr>
+              <a:t>private int</a:t>
+            </a:r>
+            <a:r>
+              <a:rPr lang="en-GB" sz="700" dirty="0"/>
+              <a:t>[] </a:t>
+            </a:r>
+            <a:r>
+              <a:rPr lang="en-GB" sz="700" b="1" dirty="0">
+                <a:solidFill>
+                  <a:srgbClr val="660E7A"/>
+                </a:solidFill>
+                <a:effectLst/>
+              </a:rPr>
+              <a:t>primes</a:t>
+            </a:r>
+            <a:r>
+              <a:rPr lang="en-GB" sz="700" dirty="0"/>
+              <a:t>;</a:t>
+            </a:r>
+            <a:br>
+              <a:rPr lang="en-GB" sz="700" dirty="0"/>
+            </a:br>
+            <a:r>
+              <a:rPr lang="en-GB" sz="700" dirty="0"/>
+              <a:t>    </a:t>
+            </a:r>
+            <a:r>
+              <a:rPr lang="en-GB" sz="700" b="1" dirty="0">
+                <a:solidFill>
+                  <a:srgbClr val="000080"/>
+                </a:solidFill>
+                <a:effectLst/>
+              </a:rPr>
+              <a:t>private static final int </a:t>
+            </a:r>
+            <a:r>
+              <a:rPr lang="en-GB" sz="700" b="1" i="1" dirty="0">
+                <a:solidFill>
+                  <a:srgbClr val="660E7A"/>
+                </a:solidFill>
+                <a:effectLst/>
+              </a:rPr>
+              <a:t>ORDMAX </a:t>
+            </a:r>
+            <a:r>
+              <a:rPr lang="en-GB" sz="700" dirty="0"/>
+              <a:t>= </a:t>
+            </a:r>
+            <a:r>
+              <a:rPr lang="en-GB" sz="700" dirty="0">
+                <a:solidFill>
+                  <a:srgbClr val="0000FF"/>
+                </a:solidFill>
+                <a:effectLst/>
+              </a:rPr>
+              <a:t>30</a:t>
+            </a:r>
+            <a:r>
+              <a:rPr lang="en-GB" sz="700" dirty="0"/>
+              <a:t>;</a:t>
+            </a:r>
+            <a:br>
+              <a:rPr lang="en-GB" sz="700" dirty="0"/>
+            </a:br>
+            <a:r>
+              <a:rPr lang="en-GB" sz="700" dirty="0"/>
+              <a:t>    </a:t>
+            </a:r>
+            <a:r>
+              <a:rPr lang="en-GB" sz="700" b="1" dirty="0">
+                <a:solidFill>
+                  <a:srgbClr val="000080"/>
+                </a:solidFill>
+                <a:effectLst/>
+              </a:rPr>
+              <a:t>private int </a:t>
+            </a:r>
+            <a:r>
+              <a:rPr lang="en-GB" sz="700" b="1" dirty="0" err="1">
+                <a:solidFill>
+                  <a:srgbClr val="660E7A"/>
+                </a:solidFill>
+                <a:effectLst/>
+              </a:rPr>
+              <a:t>primeIndex</a:t>
+            </a:r>
+            <a:r>
+              <a:rPr lang="en-GB" sz="700" b="1" dirty="0">
+                <a:solidFill>
+                  <a:srgbClr val="660E7A"/>
+                </a:solidFill>
+                <a:effectLst/>
+              </a:rPr>
+              <a:t> </a:t>
+            </a:r>
+            <a:r>
+              <a:rPr lang="en-GB" sz="700" dirty="0"/>
+              <a:t>= </a:t>
+            </a:r>
+            <a:r>
+              <a:rPr lang="en-GB" sz="700" dirty="0">
+                <a:solidFill>
+                  <a:srgbClr val="0000FF"/>
+                </a:solidFill>
+                <a:effectLst/>
+              </a:rPr>
+              <a:t>1</a:t>
+            </a:r>
+            <a:r>
+              <a:rPr lang="en-GB" sz="700" dirty="0"/>
+              <a:t>;</a:t>
+            </a:r>
+            <a:br>
+              <a:rPr lang="en-GB" sz="700" dirty="0"/>
+            </a:br>
+            <a:r>
+              <a:rPr lang="en-GB" sz="700" dirty="0"/>
+              <a:t>    </a:t>
+            </a:r>
+            <a:r>
+              <a:rPr lang="en-GB" sz="700" b="1" dirty="0">
+                <a:solidFill>
+                  <a:srgbClr val="000080"/>
+                </a:solidFill>
+                <a:effectLst/>
+              </a:rPr>
+              <a:t>private int </a:t>
+            </a:r>
+            <a:r>
+              <a:rPr lang="en-GB" sz="700" b="1" dirty="0" err="1">
+                <a:solidFill>
+                  <a:srgbClr val="660E7A"/>
+                </a:solidFill>
+                <a:effectLst/>
+              </a:rPr>
+              <a:t>ord</a:t>
+            </a:r>
+            <a:r>
+              <a:rPr lang="en-GB" sz="700" b="1" dirty="0">
+                <a:solidFill>
+                  <a:srgbClr val="660E7A"/>
+                </a:solidFill>
+                <a:effectLst/>
+              </a:rPr>
+              <a:t> </a:t>
+            </a:r>
+            <a:r>
+              <a:rPr lang="en-GB" sz="700" dirty="0"/>
+              <a:t>= </a:t>
+            </a:r>
+            <a:r>
+              <a:rPr lang="en-GB" sz="700" dirty="0">
+                <a:solidFill>
+                  <a:srgbClr val="0000FF"/>
+                </a:solidFill>
+                <a:effectLst/>
+              </a:rPr>
+              <a:t>2</a:t>
+            </a:r>
+            <a:r>
+              <a:rPr lang="en-GB" sz="700" dirty="0"/>
+              <a:t>;</a:t>
+            </a:r>
+            <a:br>
+              <a:rPr lang="en-GB" sz="700" dirty="0"/>
+            </a:br>
+            <a:r>
+              <a:rPr lang="en-GB" sz="700" dirty="0"/>
+              <a:t>    </a:t>
+            </a:r>
+            <a:r>
+              <a:rPr lang="en-GB" sz="700" b="1" dirty="0">
+                <a:solidFill>
+                  <a:srgbClr val="000080"/>
+                </a:solidFill>
+                <a:effectLst/>
+              </a:rPr>
+              <a:t>private int </a:t>
+            </a:r>
+            <a:r>
+              <a:rPr lang="en-GB" sz="700" b="1" dirty="0">
+                <a:solidFill>
+                  <a:srgbClr val="660E7A"/>
+                </a:solidFill>
+                <a:effectLst/>
+              </a:rPr>
+              <a:t>square </a:t>
+            </a:r>
+            <a:r>
+              <a:rPr lang="en-GB" sz="700" dirty="0"/>
+              <a:t>= </a:t>
+            </a:r>
+            <a:r>
+              <a:rPr lang="en-GB" sz="700" dirty="0">
+                <a:solidFill>
+                  <a:srgbClr val="0000FF"/>
+                </a:solidFill>
+                <a:effectLst/>
+              </a:rPr>
+              <a:t>9</a:t>
+            </a:r>
+            <a:r>
+              <a:rPr lang="en-GB" sz="700" dirty="0"/>
+              <a:t>;</a:t>
+            </a:r>
+            <a:br>
+              <a:rPr lang="en-GB" sz="700" dirty="0"/>
+            </a:br>
+            <a:r>
+              <a:rPr lang="en-GB" sz="700" dirty="0"/>
+              <a:t>    </a:t>
+            </a:r>
+            <a:r>
+              <a:rPr lang="en-GB" sz="700" b="1" dirty="0">
+                <a:solidFill>
+                  <a:srgbClr val="000080"/>
+                </a:solidFill>
+                <a:effectLst/>
+              </a:rPr>
+              <a:t>private int </a:t>
+            </a:r>
+            <a:r>
+              <a:rPr lang="en-GB" sz="700" b="1" dirty="0">
+                <a:solidFill>
+                  <a:srgbClr val="660E7A"/>
+                </a:solidFill>
+                <a:effectLst/>
+              </a:rPr>
+              <a:t>n </a:t>
+            </a:r>
+            <a:r>
+              <a:rPr lang="en-GB" sz="700" dirty="0"/>
+              <a:t>= </a:t>
+            </a:r>
+            <a:r>
+              <a:rPr lang="en-GB" sz="700" dirty="0">
+                <a:solidFill>
+                  <a:srgbClr val="0000FF"/>
+                </a:solidFill>
+                <a:effectLst/>
+              </a:rPr>
+              <a:t>0</a:t>
+            </a:r>
+            <a:r>
+              <a:rPr lang="en-GB" sz="700" dirty="0"/>
+              <a:t>;</a:t>
+            </a:r>
+            <a:br>
+              <a:rPr lang="en-GB" sz="700" dirty="0"/>
+            </a:br>
+            <a:r>
+              <a:rPr lang="en-GB" sz="700" dirty="0"/>
+              <a:t>    </a:t>
+            </a:r>
+            <a:r>
+              <a:rPr lang="en-GB" sz="700" b="1" dirty="0">
+                <a:solidFill>
+                  <a:srgbClr val="000080"/>
+                </a:solidFill>
+                <a:effectLst/>
+              </a:rPr>
+              <a:t>private final int</a:t>
+            </a:r>
+            <a:r>
+              <a:rPr lang="en-GB" sz="700" dirty="0"/>
+              <a:t>[] </a:t>
+            </a:r>
+            <a:r>
+              <a:rPr lang="en-GB" sz="700" b="1" dirty="0">
+                <a:solidFill>
+                  <a:srgbClr val="660E7A"/>
+                </a:solidFill>
+                <a:effectLst/>
+              </a:rPr>
+              <a:t>multiples </a:t>
+            </a:r>
+            <a:r>
+              <a:rPr lang="en-GB" sz="700" dirty="0"/>
+              <a:t>= </a:t>
+            </a:r>
+            <a:r>
+              <a:rPr lang="en-GB" sz="700" b="1" dirty="0">
+                <a:solidFill>
+                  <a:srgbClr val="000080"/>
+                </a:solidFill>
+                <a:effectLst/>
+              </a:rPr>
+              <a:t>new int</a:t>
+            </a:r>
+            <a:r>
+              <a:rPr lang="en-GB" sz="700" dirty="0"/>
+              <a:t>[</a:t>
+            </a:r>
+            <a:r>
+              <a:rPr lang="en-GB" sz="700" b="1" i="1" dirty="0">
+                <a:solidFill>
+                  <a:srgbClr val="660E7A"/>
+                </a:solidFill>
+                <a:effectLst/>
+              </a:rPr>
+              <a:t>ORDMAX </a:t>
+            </a:r>
+            <a:r>
+              <a:rPr lang="en-GB" sz="700" dirty="0"/>
+              <a:t>+ </a:t>
+            </a:r>
+            <a:r>
+              <a:rPr lang="en-GB" sz="700" dirty="0">
+                <a:solidFill>
+                  <a:srgbClr val="0000FF"/>
+                </a:solidFill>
+                <a:effectLst/>
+              </a:rPr>
+              <a:t>1</a:t>
+            </a:r>
+            <a:r>
+              <a:rPr lang="en-GB" sz="700" dirty="0"/>
+              <a:t>];</a:t>
+            </a:r>
+            <a:br>
+              <a:rPr lang="en-GB" sz="700" dirty="0"/>
+            </a:br>
+            <a:br>
+              <a:rPr lang="en-GB" sz="700" dirty="0"/>
+            </a:br>
+            <a:r>
+              <a:rPr lang="en-GB" sz="700" dirty="0"/>
+              <a:t>    </a:t>
+            </a:r>
+            <a:r>
+              <a:rPr lang="en-GB" sz="700" b="1" dirty="0">
+                <a:solidFill>
+                  <a:srgbClr val="000080"/>
+                </a:solidFill>
+                <a:effectLst/>
+              </a:rPr>
+              <a:t>public int</a:t>
+            </a:r>
+            <a:r>
+              <a:rPr lang="en-GB" sz="700" dirty="0"/>
+              <a:t>[] generate(</a:t>
+            </a:r>
+            <a:r>
+              <a:rPr lang="en-GB" sz="700" b="1" dirty="0">
+                <a:solidFill>
+                  <a:srgbClr val="000080"/>
+                </a:solidFill>
+                <a:effectLst/>
+              </a:rPr>
+              <a:t>int </a:t>
+            </a:r>
+            <a:r>
+              <a:rPr lang="en-GB" sz="700" dirty="0" err="1"/>
+              <a:t>numberOfPrimes</a:t>
+            </a:r>
+            <a:r>
+              <a:rPr lang="en-GB" sz="700" dirty="0"/>
+              <a:t>) </a:t>
+            </a:r>
+            <a:r>
+              <a:rPr lang="en-GB" sz="700" dirty="0">
+                <a:solidFill>
+                  <a:srgbClr val="01875F"/>
+                </a:solidFill>
+                <a:effectLst/>
+              </a:rPr>
+              <a:t>{</a:t>
+            </a:r>
+            <a:br>
+              <a:rPr lang="en-GB" sz="700" dirty="0">
+                <a:solidFill>
+                  <a:srgbClr val="01875F"/>
+                </a:solidFill>
+                <a:effectLst/>
+              </a:rPr>
+            </a:br>
+            <a:br>
+              <a:rPr lang="en-GB" sz="700" dirty="0">
+                <a:solidFill>
+                  <a:srgbClr val="01875F"/>
+                </a:solidFill>
+                <a:effectLst/>
+              </a:rPr>
+            </a:br>
+            <a:r>
+              <a:rPr lang="en-GB" sz="700" dirty="0">
+                <a:solidFill>
+                  <a:srgbClr val="01875F"/>
+                </a:solidFill>
+                <a:effectLst/>
+              </a:rPr>
+              <a:t>        </a:t>
+            </a:r>
+            <a:r>
+              <a:rPr lang="en-GB" sz="700" b="1" dirty="0">
+                <a:solidFill>
+                  <a:srgbClr val="000080"/>
+                </a:solidFill>
+                <a:effectLst/>
+              </a:rPr>
+              <a:t>int </a:t>
+            </a:r>
+            <a:r>
+              <a:rPr lang="en-GB" sz="700" dirty="0"/>
+              <a:t>candidate = </a:t>
+            </a:r>
+            <a:r>
+              <a:rPr lang="en-GB" sz="700" dirty="0">
+                <a:solidFill>
+                  <a:srgbClr val="0000FF"/>
+                </a:solidFill>
+                <a:effectLst/>
+              </a:rPr>
+              <a:t>1</a:t>
+            </a:r>
+            <a:r>
+              <a:rPr lang="en-GB" sz="700" dirty="0"/>
+              <a:t>;</a:t>
+            </a:r>
+            <a:br>
+              <a:rPr lang="en-GB" sz="700" dirty="0"/>
+            </a:br>
+            <a:r>
+              <a:rPr lang="en-GB" sz="700" dirty="0"/>
+              <a:t>        </a:t>
+            </a:r>
+            <a:r>
+              <a:rPr lang="en-GB" sz="700" b="1" dirty="0">
+                <a:solidFill>
+                  <a:srgbClr val="660E7A"/>
+                </a:solidFill>
+                <a:effectLst/>
+              </a:rPr>
+              <a:t>primes </a:t>
+            </a:r>
+            <a:r>
+              <a:rPr lang="en-GB" sz="700" dirty="0"/>
+              <a:t>= </a:t>
+            </a:r>
+            <a:r>
+              <a:rPr lang="en-GB" sz="700" b="1" dirty="0">
+                <a:solidFill>
+                  <a:srgbClr val="000080"/>
+                </a:solidFill>
+                <a:effectLst/>
+              </a:rPr>
+              <a:t>new int</a:t>
+            </a:r>
+            <a:r>
+              <a:rPr lang="en-GB" sz="700" dirty="0"/>
+              <a:t>[</a:t>
+            </a:r>
+            <a:r>
+              <a:rPr lang="en-GB" sz="700" dirty="0" err="1"/>
+              <a:t>numberOfPrimes</a:t>
+            </a:r>
+            <a:r>
+              <a:rPr lang="en-GB" sz="700" dirty="0"/>
+              <a:t> + </a:t>
+            </a:r>
+            <a:r>
+              <a:rPr lang="en-GB" sz="700" dirty="0">
+                <a:solidFill>
+                  <a:srgbClr val="0000FF"/>
+                </a:solidFill>
+                <a:effectLst/>
+              </a:rPr>
+              <a:t>1</a:t>
+            </a:r>
+            <a:r>
+              <a:rPr lang="en-GB" sz="700" dirty="0"/>
+              <a:t>];</a:t>
+            </a:r>
+            <a:br>
+              <a:rPr lang="en-GB" sz="700" dirty="0"/>
+            </a:br>
+            <a:r>
+              <a:rPr lang="en-GB" sz="700" dirty="0"/>
+              <a:t>        </a:t>
+            </a:r>
+            <a:r>
+              <a:rPr lang="en-GB" sz="700" b="1" dirty="0">
+                <a:solidFill>
+                  <a:srgbClr val="660E7A"/>
+                </a:solidFill>
+                <a:effectLst/>
+              </a:rPr>
+              <a:t>primes</a:t>
+            </a:r>
+            <a:r>
+              <a:rPr lang="en-GB" sz="700" dirty="0"/>
+              <a:t>[</a:t>
+            </a:r>
+            <a:r>
+              <a:rPr lang="en-GB" sz="700" dirty="0">
+                <a:solidFill>
+                  <a:srgbClr val="0000FF"/>
+                </a:solidFill>
+                <a:effectLst/>
+              </a:rPr>
+              <a:t>1</a:t>
+            </a:r>
+            <a:r>
+              <a:rPr lang="en-GB" sz="700" dirty="0"/>
+              <a:t>] = </a:t>
+            </a:r>
+            <a:r>
+              <a:rPr lang="en-GB" sz="700" dirty="0">
+                <a:solidFill>
+                  <a:srgbClr val="0000FF"/>
+                </a:solidFill>
+                <a:effectLst/>
+              </a:rPr>
+              <a:t>2</a:t>
+            </a:r>
+            <a:r>
+              <a:rPr lang="en-GB" sz="700" dirty="0"/>
+              <a:t>;</a:t>
+            </a:r>
+            <a:br>
+              <a:rPr lang="en-GB" sz="700" dirty="0"/>
+            </a:br>
+            <a:br>
+              <a:rPr lang="en-GB" sz="700" dirty="0"/>
+            </a:br>
+            <a:r>
+              <a:rPr lang="en-GB" sz="700" dirty="0"/>
+              <a:t>        </a:t>
+            </a:r>
+            <a:r>
+              <a:rPr lang="en-GB" sz="700" b="1" dirty="0">
+                <a:solidFill>
+                  <a:srgbClr val="000080"/>
+                </a:solidFill>
+                <a:effectLst/>
+              </a:rPr>
+              <a:t>while </a:t>
+            </a:r>
+            <a:r>
+              <a:rPr lang="en-GB" sz="700" dirty="0"/>
+              <a:t>(</a:t>
+            </a:r>
+            <a:r>
+              <a:rPr lang="en-GB" sz="700" b="1" dirty="0" err="1">
+                <a:solidFill>
+                  <a:srgbClr val="660E7A"/>
+                </a:solidFill>
+                <a:effectLst/>
+              </a:rPr>
+              <a:t>primeIndex</a:t>
+            </a:r>
+            <a:r>
+              <a:rPr lang="en-GB" sz="700" b="1" dirty="0">
+                <a:solidFill>
+                  <a:srgbClr val="660E7A"/>
+                </a:solidFill>
+                <a:effectLst/>
+              </a:rPr>
+              <a:t> </a:t>
+            </a:r>
+            <a:r>
+              <a:rPr lang="en-GB" sz="700" dirty="0"/>
+              <a:t>&lt; </a:t>
+            </a:r>
+            <a:r>
+              <a:rPr lang="en-GB" sz="700" dirty="0" err="1"/>
+              <a:t>numberOfPrimes</a:t>
+            </a:r>
+            <a:r>
+              <a:rPr lang="en-GB" sz="700" dirty="0"/>
+              <a:t>) </a:t>
+            </a:r>
+            <a:r>
+              <a:rPr lang="en-GB" sz="700" dirty="0">
+                <a:solidFill>
+                  <a:srgbClr val="C406D6"/>
+                </a:solidFill>
+                <a:effectLst/>
+              </a:rPr>
+              <a:t>{</a:t>
+            </a:r>
+            <a:br>
+              <a:rPr lang="en-GB" sz="700" dirty="0">
+                <a:solidFill>
+                  <a:srgbClr val="C406D6"/>
+                </a:solidFill>
+                <a:effectLst/>
+              </a:rPr>
+            </a:br>
+            <a:r>
+              <a:rPr lang="en-GB" sz="700" dirty="0">
+                <a:solidFill>
+                  <a:srgbClr val="C406D6"/>
+                </a:solidFill>
+                <a:effectLst/>
+              </a:rPr>
+              <a:t>            </a:t>
+            </a:r>
+            <a:r>
+              <a:rPr lang="en-GB" sz="700" b="1" dirty="0">
+                <a:solidFill>
+                  <a:srgbClr val="000080"/>
+                </a:solidFill>
+                <a:effectLst/>
+              </a:rPr>
+              <a:t>do </a:t>
+            </a:r>
+            <a:r>
+              <a:rPr lang="en-GB" sz="700" dirty="0">
+                <a:solidFill>
+                  <a:srgbClr val="0D9676"/>
+                </a:solidFill>
+                <a:effectLst/>
+              </a:rPr>
+              <a:t>{</a:t>
+            </a:r>
+            <a:br>
+              <a:rPr lang="en-GB" sz="700" dirty="0">
+                <a:solidFill>
+                  <a:srgbClr val="0D9676"/>
+                </a:solidFill>
+                <a:effectLst/>
+              </a:rPr>
+            </a:br>
+            <a:r>
+              <a:rPr lang="en-GB" sz="700" dirty="0">
+                <a:solidFill>
+                  <a:srgbClr val="0D9676"/>
+                </a:solidFill>
+                <a:effectLst/>
+              </a:rPr>
+              <a:t>                </a:t>
+            </a:r>
+            <a:r>
+              <a:rPr lang="en-GB" sz="700" dirty="0"/>
+              <a:t>candidate += </a:t>
+            </a:r>
+            <a:r>
+              <a:rPr lang="en-GB" sz="700" dirty="0">
+                <a:solidFill>
+                  <a:srgbClr val="0000FF"/>
+                </a:solidFill>
+                <a:effectLst/>
+              </a:rPr>
+              <a:t>2</a:t>
+            </a:r>
+            <a:r>
+              <a:rPr lang="en-GB" sz="700" dirty="0"/>
+              <a:t>;</a:t>
+            </a:r>
+            <a:br>
+              <a:rPr lang="en-GB" sz="700" dirty="0"/>
+            </a:br>
+            <a:r>
+              <a:rPr lang="en-GB" sz="700" dirty="0"/>
+              <a:t>                </a:t>
+            </a:r>
+            <a:r>
+              <a:rPr lang="en-GB" sz="700" dirty="0" err="1"/>
+              <a:t>checkCandidateIsSquare</a:t>
+            </a:r>
+            <a:r>
+              <a:rPr lang="en-GB" sz="700" dirty="0">
+                <a:solidFill>
+                  <a:srgbClr val="C406D6"/>
+                </a:solidFill>
+                <a:effectLst/>
+              </a:rPr>
+              <a:t>(</a:t>
+            </a:r>
+            <a:r>
+              <a:rPr lang="en-GB" sz="700" dirty="0"/>
+              <a:t>candidate</a:t>
+            </a:r>
+            <a:r>
+              <a:rPr lang="en-GB" sz="700" dirty="0">
+                <a:solidFill>
+                  <a:srgbClr val="C406D6"/>
+                </a:solidFill>
+                <a:effectLst/>
+              </a:rPr>
+              <a:t>)</a:t>
+            </a:r>
+            <a:r>
+              <a:rPr lang="en-GB" sz="700" dirty="0"/>
+              <a:t>;</a:t>
+            </a:r>
+            <a:br>
+              <a:rPr lang="en-GB" sz="700" dirty="0"/>
+            </a:br>
+            <a:r>
+              <a:rPr lang="en-GB" sz="700" dirty="0"/>
+              <a:t>            </a:t>
+            </a:r>
+            <a:r>
+              <a:rPr lang="en-GB" sz="700" dirty="0">
+                <a:solidFill>
+                  <a:srgbClr val="0D9676"/>
+                </a:solidFill>
+                <a:effectLst/>
+              </a:rPr>
+              <a:t>} </a:t>
+            </a:r>
+            <a:r>
+              <a:rPr lang="en-GB" sz="700" b="1" dirty="0">
+                <a:solidFill>
+                  <a:srgbClr val="000080"/>
+                </a:solidFill>
+                <a:effectLst/>
+              </a:rPr>
+              <a:t>while </a:t>
+            </a:r>
+            <a:r>
+              <a:rPr lang="en-GB" sz="700" dirty="0">
+                <a:solidFill>
+                  <a:srgbClr val="01875F"/>
+                </a:solidFill>
+                <a:effectLst/>
+              </a:rPr>
+              <a:t>(</a:t>
+            </a:r>
+            <a:r>
+              <a:rPr lang="en-GB" sz="700" dirty="0"/>
+              <a:t>!</a:t>
+            </a:r>
+            <a:r>
+              <a:rPr lang="en-GB" sz="700" dirty="0" err="1"/>
+              <a:t>iSCandidateIsPrime</a:t>
+            </a:r>
+            <a:r>
+              <a:rPr lang="en-GB" sz="700" dirty="0">
+                <a:solidFill>
+                  <a:srgbClr val="C406D6"/>
+                </a:solidFill>
+                <a:effectLst/>
+              </a:rPr>
+              <a:t>(</a:t>
+            </a:r>
+            <a:r>
+              <a:rPr lang="en-GB" sz="700" dirty="0"/>
+              <a:t>candidate</a:t>
+            </a:r>
+            <a:r>
+              <a:rPr lang="en-GB" sz="700" dirty="0">
+                <a:solidFill>
+                  <a:srgbClr val="C406D6"/>
+                </a:solidFill>
+                <a:effectLst/>
+              </a:rPr>
+              <a:t>)</a:t>
+            </a:r>
+            <a:r>
+              <a:rPr lang="en-GB" sz="700" dirty="0">
+                <a:solidFill>
+                  <a:srgbClr val="01875F"/>
+                </a:solidFill>
+                <a:effectLst/>
+              </a:rPr>
+              <a:t>)</a:t>
+            </a:r>
+            <a:r>
+              <a:rPr lang="en-GB" sz="700" dirty="0"/>
+              <a:t>;</a:t>
+            </a:r>
+            <a:br>
+              <a:rPr lang="en-GB" sz="700" dirty="0"/>
+            </a:br>
+            <a:r>
+              <a:rPr lang="en-GB" sz="700" dirty="0"/>
+              <a:t>            </a:t>
+            </a:r>
+            <a:r>
+              <a:rPr lang="en-GB" sz="700" b="1" dirty="0" err="1">
+                <a:solidFill>
+                  <a:srgbClr val="660E7A"/>
+                </a:solidFill>
+                <a:effectLst/>
+              </a:rPr>
+              <a:t>primeIndex</a:t>
+            </a:r>
+            <a:r>
+              <a:rPr lang="en-GB" sz="700" dirty="0"/>
+              <a:t>++;</a:t>
+            </a:r>
+            <a:br>
+              <a:rPr lang="en-GB" sz="700" dirty="0"/>
+            </a:br>
+            <a:r>
+              <a:rPr lang="en-GB" sz="700" dirty="0"/>
+              <a:t>            </a:t>
+            </a:r>
+            <a:r>
+              <a:rPr lang="en-GB" sz="700" b="1" dirty="0">
+                <a:solidFill>
+                  <a:srgbClr val="660E7A"/>
+                </a:solidFill>
+                <a:effectLst/>
+              </a:rPr>
+              <a:t>primes</a:t>
+            </a:r>
+            <a:r>
+              <a:rPr lang="en-GB" sz="700" dirty="0"/>
+              <a:t>[</a:t>
+            </a:r>
+            <a:r>
+              <a:rPr lang="en-GB" sz="700" b="1" dirty="0" err="1">
+                <a:solidFill>
+                  <a:srgbClr val="660E7A"/>
+                </a:solidFill>
+                <a:effectLst/>
+              </a:rPr>
+              <a:t>primeIndex</a:t>
+            </a:r>
+            <a:r>
+              <a:rPr lang="en-GB" sz="700" dirty="0"/>
+              <a:t>] = candidate;</a:t>
+            </a:r>
+            <a:br>
+              <a:rPr lang="en-GB" sz="700" dirty="0"/>
+            </a:br>
+            <a:r>
+              <a:rPr lang="en-GB" sz="700" dirty="0"/>
+              <a:t>        </a:t>
+            </a:r>
+            <a:r>
+              <a:rPr lang="en-GB" sz="700" dirty="0">
+                <a:solidFill>
+                  <a:srgbClr val="C406D6"/>
+                </a:solidFill>
+                <a:effectLst/>
+              </a:rPr>
+              <a:t>}</a:t>
+            </a:r>
+            <a:br>
+              <a:rPr lang="en-GB" sz="700" dirty="0">
+                <a:solidFill>
+                  <a:srgbClr val="C406D6"/>
+                </a:solidFill>
+                <a:effectLst/>
+              </a:rPr>
+            </a:br>
+            <a:r>
+              <a:rPr lang="en-GB" sz="700" dirty="0">
+                <a:solidFill>
+                  <a:srgbClr val="C406D6"/>
+                </a:solidFill>
+                <a:effectLst/>
+              </a:rPr>
+              <a:t>        </a:t>
+            </a:r>
+            <a:r>
+              <a:rPr lang="en-GB" sz="700" b="1" dirty="0">
+                <a:solidFill>
+                  <a:srgbClr val="000080"/>
+                </a:solidFill>
+                <a:effectLst/>
+              </a:rPr>
+              <a:t>return </a:t>
+            </a:r>
+            <a:r>
+              <a:rPr lang="en-GB" sz="700" b="1" dirty="0">
+                <a:solidFill>
+                  <a:srgbClr val="660E7A"/>
+                </a:solidFill>
+                <a:effectLst/>
+              </a:rPr>
+              <a:t>primes</a:t>
+            </a:r>
+            <a:r>
+              <a:rPr lang="en-GB" sz="700" dirty="0"/>
+              <a:t>;</a:t>
+            </a:r>
+            <a:br>
+              <a:rPr lang="en-GB" sz="700" dirty="0"/>
+            </a:br>
+            <a:r>
+              <a:rPr lang="en-GB" sz="700" dirty="0"/>
+              <a:t>    </a:t>
+            </a:r>
+            <a:r>
+              <a:rPr lang="en-GB" sz="700" dirty="0">
+                <a:solidFill>
+                  <a:srgbClr val="01875F"/>
+                </a:solidFill>
+                <a:effectLst/>
+              </a:rPr>
+              <a:t>}</a:t>
+            </a:r>
+            <a:br>
+              <a:rPr lang="en-GB" sz="700" dirty="0">
+                <a:solidFill>
+                  <a:srgbClr val="01875F"/>
+                </a:solidFill>
+                <a:effectLst/>
+              </a:rPr>
+            </a:br>
+            <a:br>
+              <a:rPr lang="en-GB" sz="700" dirty="0">
+                <a:solidFill>
+                  <a:srgbClr val="01875F"/>
+                </a:solidFill>
+                <a:effectLst/>
+              </a:rPr>
+            </a:br>
+            <a:r>
+              <a:rPr lang="en-GB" sz="700" dirty="0">
+                <a:solidFill>
+                  <a:srgbClr val="01875F"/>
+                </a:solidFill>
+                <a:effectLst/>
+              </a:rPr>
+              <a:t>    </a:t>
+            </a:r>
+            <a:r>
+              <a:rPr lang="en-GB" sz="700" b="1" dirty="0">
+                <a:solidFill>
+                  <a:srgbClr val="000080"/>
+                </a:solidFill>
+                <a:effectLst/>
+              </a:rPr>
+              <a:t>private boolean </a:t>
+            </a:r>
+            <a:r>
+              <a:rPr lang="en-GB" sz="700" dirty="0" err="1"/>
+              <a:t>iSCandidateIsPrime</a:t>
+            </a:r>
+            <a:r>
+              <a:rPr lang="en-GB" sz="700" dirty="0"/>
+              <a:t>(</a:t>
+            </a:r>
+            <a:r>
+              <a:rPr lang="en-GB" sz="700" b="1" dirty="0">
+                <a:solidFill>
+                  <a:srgbClr val="000080"/>
+                </a:solidFill>
+                <a:effectLst/>
+              </a:rPr>
+              <a:t>final int </a:t>
+            </a:r>
+            <a:r>
+              <a:rPr lang="en-GB" sz="700" dirty="0"/>
+              <a:t>candidate) </a:t>
+            </a:r>
+            <a:r>
+              <a:rPr lang="en-GB" sz="700" dirty="0">
+                <a:solidFill>
+                  <a:srgbClr val="01875F"/>
+                </a:solidFill>
+                <a:effectLst/>
+              </a:rPr>
+              <a:t>{</a:t>
+            </a:r>
+            <a:br>
+              <a:rPr lang="en-GB" sz="700" dirty="0">
+                <a:solidFill>
+                  <a:srgbClr val="01875F"/>
+                </a:solidFill>
+                <a:effectLst/>
+              </a:rPr>
+            </a:br>
+            <a:r>
+              <a:rPr lang="en-GB" sz="700" dirty="0">
+                <a:solidFill>
+                  <a:srgbClr val="01875F"/>
+                </a:solidFill>
+                <a:effectLst/>
+              </a:rPr>
+              <a:t>        </a:t>
+            </a:r>
+            <a:r>
+              <a:rPr lang="en-GB" sz="700" b="1" dirty="0">
+                <a:solidFill>
+                  <a:srgbClr val="660E7A"/>
+                </a:solidFill>
+                <a:effectLst/>
+              </a:rPr>
+              <a:t>n </a:t>
+            </a:r>
+            <a:r>
+              <a:rPr lang="en-GB" sz="700" dirty="0"/>
+              <a:t>= </a:t>
+            </a:r>
+            <a:r>
+              <a:rPr lang="en-GB" sz="700" dirty="0">
+                <a:solidFill>
+                  <a:srgbClr val="0000FF"/>
+                </a:solidFill>
+                <a:effectLst/>
+              </a:rPr>
+              <a:t>2</a:t>
+            </a:r>
+            <a:r>
+              <a:rPr lang="en-GB" sz="700" dirty="0"/>
+              <a:t>;</a:t>
+            </a:r>
+            <a:br>
+              <a:rPr lang="en-GB" sz="700" dirty="0"/>
+            </a:br>
+            <a:r>
+              <a:rPr lang="en-GB" sz="700" dirty="0"/>
+              <a:t>        </a:t>
+            </a:r>
+            <a:r>
+              <a:rPr lang="en-GB" sz="700" b="1" dirty="0">
+                <a:solidFill>
+                  <a:srgbClr val="000080"/>
+                </a:solidFill>
+                <a:effectLst/>
+              </a:rPr>
+              <a:t>boolean </a:t>
+            </a:r>
+            <a:r>
+              <a:rPr lang="en-GB" sz="700" dirty="0" err="1"/>
+              <a:t>possiblyPrime</a:t>
+            </a:r>
+            <a:r>
+              <a:rPr lang="en-GB" sz="700" dirty="0"/>
+              <a:t> = </a:t>
+            </a:r>
+            <a:r>
+              <a:rPr lang="en-GB" sz="700" b="1" dirty="0">
+                <a:solidFill>
+                  <a:srgbClr val="000080"/>
+                </a:solidFill>
+                <a:effectLst/>
+              </a:rPr>
+              <a:t>true</a:t>
+            </a:r>
+            <a:r>
+              <a:rPr lang="en-GB" sz="700" dirty="0"/>
+              <a:t>;</a:t>
+            </a:r>
+            <a:br>
+              <a:rPr lang="en-GB" sz="700" dirty="0"/>
+            </a:br>
+            <a:r>
+              <a:rPr lang="en-GB" sz="700" dirty="0"/>
+              <a:t>        </a:t>
+            </a:r>
+            <a:r>
+              <a:rPr lang="en-GB" sz="700" b="1" dirty="0">
+                <a:solidFill>
+                  <a:srgbClr val="000080"/>
+                </a:solidFill>
+                <a:effectLst/>
+              </a:rPr>
+              <a:t>while </a:t>
+            </a:r>
+            <a:r>
+              <a:rPr lang="en-GB" sz="700" dirty="0"/>
+              <a:t>(</a:t>
+            </a:r>
+            <a:r>
+              <a:rPr lang="en-GB" sz="700" b="1" dirty="0">
+                <a:solidFill>
+                  <a:srgbClr val="660E7A"/>
+                </a:solidFill>
+                <a:effectLst/>
+              </a:rPr>
+              <a:t>n </a:t>
+            </a:r>
+            <a:r>
+              <a:rPr lang="en-GB" sz="700" dirty="0"/>
+              <a:t>&lt; </a:t>
+            </a:r>
+            <a:r>
+              <a:rPr lang="en-GB" sz="700" b="1" dirty="0" err="1">
+                <a:solidFill>
+                  <a:srgbClr val="660E7A"/>
+                </a:solidFill>
+                <a:effectLst/>
+              </a:rPr>
+              <a:t>ord</a:t>
+            </a:r>
+            <a:r>
+              <a:rPr lang="en-GB" sz="700" b="1" dirty="0">
+                <a:solidFill>
+                  <a:srgbClr val="660E7A"/>
+                </a:solidFill>
+                <a:effectLst/>
+              </a:rPr>
+              <a:t> </a:t>
+            </a:r>
+            <a:r>
+              <a:rPr lang="en-GB" sz="700" dirty="0"/>
+              <a:t>&amp;&amp; </a:t>
+            </a:r>
+            <a:r>
+              <a:rPr lang="en-GB" sz="700" dirty="0" err="1"/>
+              <a:t>possiblyPrime</a:t>
+            </a:r>
+            <a:r>
+              <a:rPr lang="en-GB" sz="700" dirty="0"/>
+              <a:t>) </a:t>
+            </a:r>
+            <a:r>
+              <a:rPr lang="en-GB" sz="700" dirty="0">
+                <a:solidFill>
+                  <a:srgbClr val="C406D6"/>
+                </a:solidFill>
+                <a:effectLst/>
+              </a:rPr>
+              <a:t>{</a:t>
+            </a:r>
+            <a:br>
+              <a:rPr lang="en-GB" sz="700" dirty="0">
+                <a:solidFill>
+                  <a:srgbClr val="C406D6"/>
+                </a:solidFill>
+                <a:effectLst/>
+              </a:rPr>
+            </a:br>
+            <a:r>
+              <a:rPr lang="en-GB" sz="700" dirty="0">
+                <a:solidFill>
+                  <a:srgbClr val="C406D6"/>
+                </a:solidFill>
+                <a:effectLst/>
+              </a:rPr>
+              <a:t>            </a:t>
+            </a:r>
+            <a:r>
+              <a:rPr lang="en-GB" sz="700" b="1" dirty="0">
+                <a:solidFill>
+                  <a:srgbClr val="000080"/>
+                </a:solidFill>
+                <a:effectLst/>
+              </a:rPr>
+              <a:t>while </a:t>
+            </a:r>
+            <a:r>
+              <a:rPr lang="en-GB" sz="700" dirty="0">
+                <a:solidFill>
+                  <a:srgbClr val="01875F"/>
+                </a:solidFill>
+                <a:effectLst/>
+              </a:rPr>
+              <a:t>(</a:t>
+            </a:r>
+            <a:r>
+              <a:rPr lang="en-GB" sz="700" b="1" dirty="0">
+                <a:solidFill>
+                  <a:srgbClr val="660E7A"/>
+                </a:solidFill>
+                <a:effectLst/>
+              </a:rPr>
+              <a:t>multiples</a:t>
+            </a:r>
+            <a:r>
+              <a:rPr lang="en-GB" sz="700" dirty="0"/>
+              <a:t>[</a:t>
+            </a:r>
+            <a:r>
+              <a:rPr lang="en-GB" sz="700" b="1" dirty="0">
+                <a:solidFill>
+                  <a:srgbClr val="660E7A"/>
+                </a:solidFill>
+                <a:effectLst/>
+              </a:rPr>
+              <a:t>n</a:t>
+            </a:r>
+            <a:r>
+              <a:rPr lang="en-GB" sz="700" dirty="0"/>
+              <a:t>] &lt; candidate</a:t>
+            </a:r>
+            <a:r>
+              <a:rPr lang="en-GB" sz="700" dirty="0">
+                <a:solidFill>
+                  <a:srgbClr val="01875F"/>
+                </a:solidFill>
+                <a:effectLst/>
+              </a:rPr>
+              <a:t>)</a:t>
+            </a:r>
+            <a:br>
+              <a:rPr lang="en-GB" sz="700" dirty="0">
+                <a:solidFill>
+                  <a:srgbClr val="01875F"/>
+                </a:solidFill>
+                <a:effectLst/>
+              </a:rPr>
+            </a:br>
+            <a:r>
+              <a:rPr lang="en-GB" sz="700" dirty="0">
+                <a:solidFill>
+                  <a:srgbClr val="01875F"/>
+                </a:solidFill>
+                <a:effectLst/>
+              </a:rPr>
+              <a:t>                </a:t>
+            </a:r>
+            <a:r>
+              <a:rPr lang="en-GB" sz="700" b="1" dirty="0">
+                <a:solidFill>
+                  <a:srgbClr val="660E7A"/>
+                </a:solidFill>
+                <a:effectLst/>
+              </a:rPr>
+              <a:t>multiples</a:t>
+            </a:r>
+            <a:r>
+              <a:rPr lang="en-GB" sz="700" dirty="0"/>
+              <a:t>[</a:t>
+            </a:r>
+            <a:r>
+              <a:rPr lang="en-GB" sz="700" b="1" dirty="0">
+                <a:solidFill>
+                  <a:srgbClr val="660E7A"/>
+                </a:solidFill>
+                <a:effectLst/>
+              </a:rPr>
+              <a:t>n</a:t>
+            </a:r>
+            <a:r>
+              <a:rPr lang="en-GB" sz="700" dirty="0"/>
+              <a:t>] += </a:t>
+            </a:r>
+            <a:r>
+              <a:rPr lang="en-GB" sz="700" b="1" dirty="0">
+                <a:solidFill>
+                  <a:srgbClr val="660E7A"/>
+                </a:solidFill>
+                <a:effectLst/>
+              </a:rPr>
+              <a:t>primes</a:t>
+            </a:r>
+            <a:r>
+              <a:rPr lang="en-GB" sz="700" dirty="0"/>
+              <a:t>[</a:t>
+            </a:r>
+            <a:r>
+              <a:rPr lang="en-GB" sz="700" b="1" dirty="0">
+                <a:solidFill>
+                  <a:srgbClr val="660E7A"/>
+                </a:solidFill>
+                <a:effectLst/>
+              </a:rPr>
+              <a:t>n</a:t>
+            </a:r>
+            <a:r>
+              <a:rPr lang="en-GB" sz="700" dirty="0"/>
+              <a:t>] + </a:t>
+            </a:r>
+            <a:r>
+              <a:rPr lang="en-GB" sz="700" b="1" dirty="0">
+                <a:solidFill>
+                  <a:srgbClr val="660E7A"/>
+                </a:solidFill>
+                <a:effectLst/>
+              </a:rPr>
+              <a:t>primes</a:t>
+            </a:r>
+            <a:r>
+              <a:rPr lang="en-GB" sz="700" dirty="0"/>
+              <a:t>[</a:t>
+            </a:r>
+            <a:r>
+              <a:rPr lang="en-GB" sz="700" b="1" dirty="0">
+                <a:solidFill>
+                  <a:srgbClr val="660E7A"/>
+                </a:solidFill>
+                <a:effectLst/>
+              </a:rPr>
+              <a:t>n</a:t>
+            </a:r>
+            <a:r>
+              <a:rPr lang="en-GB" sz="700" dirty="0"/>
+              <a:t>];</a:t>
+            </a:r>
+            <a:br>
+              <a:rPr lang="en-GB" sz="700" dirty="0"/>
+            </a:br>
+            <a:r>
+              <a:rPr lang="en-GB" sz="700" dirty="0"/>
+              <a:t>            </a:t>
+            </a:r>
+            <a:r>
+              <a:rPr lang="en-GB" sz="700" b="1" dirty="0">
+                <a:solidFill>
+                  <a:srgbClr val="000080"/>
+                </a:solidFill>
+                <a:effectLst/>
+              </a:rPr>
+              <a:t>if </a:t>
+            </a:r>
+            <a:r>
+              <a:rPr lang="en-GB" sz="700" dirty="0">
+                <a:solidFill>
+                  <a:srgbClr val="01875F"/>
+                </a:solidFill>
+                <a:effectLst/>
+              </a:rPr>
+              <a:t>(</a:t>
+            </a:r>
+            <a:r>
+              <a:rPr lang="en-GB" sz="700" b="1" dirty="0">
+                <a:solidFill>
+                  <a:srgbClr val="660E7A"/>
+                </a:solidFill>
+                <a:effectLst/>
+              </a:rPr>
+              <a:t>multiples</a:t>
+            </a:r>
+            <a:r>
+              <a:rPr lang="en-GB" sz="700" dirty="0"/>
+              <a:t>[</a:t>
+            </a:r>
+            <a:r>
+              <a:rPr lang="en-GB" sz="700" b="1" dirty="0">
+                <a:solidFill>
+                  <a:srgbClr val="660E7A"/>
+                </a:solidFill>
+                <a:effectLst/>
+              </a:rPr>
+              <a:t>n</a:t>
+            </a:r>
+            <a:r>
+              <a:rPr lang="en-GB" sz="700" dirty="0"/>
+              <a:t>] == candidate</a:t>
+            </a:r>
+            <a:r>
+              <a:rPr lang="en-GB" sz="700" dirty="0">
+                <a:solidFill>
+                  <a:srgbClr val="01875F"/>
+                </a:solidFill>
+                <a:effectLst/>
+              </a:rPr>
+              <a:t>)</a:t>
+            </a:r>
+            <a:br>
+              <a:rPr lang="en-GB" sz="700" dirty="0">
+                <a:solidFill>
+                  <a:srgbClr val="01875F"/>
+                </a:solidFill>
+                <a:effectLst/>
+              </a:rPr>
+            </a:br>
+            <a:r>
+              <a:rPr lang="en-GB" sz="700" dirty="0">
+                <a:solidFill>
+                  <a:srgbClr val="01875F"/>
+                </a:solidFill>
+                <a:effectLst/>
+              </a:rPr>
+              <a:t>                </a:t>
+            </a:r>
+            <a:r>
+              <a:rPr lang="en-GB" sz="700" dirty="0" err="1"/>
+              <a:t>possiblyPrime</a:t>
+            </a:r>
+            <a:r>
+              <a:rPr lang="en-GB" sz="700" dirty="0"/>
+              <a:t> = </a:t>
+            </a:r>
+            <a:r>
+              <a:rPr lang="en-GB" sz="700" b="1" dirty="0">
+                <a:solidFill>
+                  <a:srgbClr val="000080"/>
+                </a:solidFill>
+                <a:effectLst/>
+              </a:rPr>
+              <a:t>false</a:t>
+            </a:r>
+            <a:r>
+              <a:rPr lang="en-GB" sz="700" dirty="0"/>
+              <a:t>;</a:t>
+            </a:r>
+            <a:br>
+              <a:rPr lang="en-GB" sz="700" dirty="0"/>
+            </a:br>
+            <a:r>
+              <a:rPr lang="en-GB" sz="700" dirty="0"/>
+              <a:t>            </a:t>
+            </a:r>
+            <a:r>
+              <a:rPr lang="en-GB" sz="700" b="1" dirty="0">
+                <a:solidFill>
+                  <a:srgbClr val="660E7A"/>
+                </a:solidFill>
+                <a:effectLst/>
+              </a:rPr>
+              <a:t>n</a:t>
+            </a:r>
+            <a:r>
+              <a:rPr lang="en-GB" sz="700" dirty="0"/>
+              <a:t>++;</a:t>
+            </a:r>
+            <a:br>
+              <a:rPr lang="en-GB" sz="700" dirty="0"/>
+            </a:br>
+            <a:r>
+              <a:rPr lang="en-GB" sz="700" dirty="0"/>
+              <a:t>        </a:t>
+            </a:r>
+            <a:r>
+              <a:rPr lang="en-GB" sz="700" dirty="0">
+                <a:solidFill>
+                  <a:srgbClr val="C406D6"/>
+                </a:solidFill>
+                <a:effectLst/>
+              </a:rPr>
+              <a:t>}</a:t>
+            </a:r>
+            <a:br>
+              <a:rPr lang="en-GB" sz="700" dirty="0">
+                <a:solidFill>
+                  <a:srgbClr val="C406D6"/>
+                </a:solidFill>
+                <a:effectLst/>
+              </a:rPr>
+            </a:br>
+            <a:r>
+              <a:rPr lang="en-GB" sz="700" dirty="0">
+                <a:solidFill>
+                  <a:srgbClr val="C406D6"/>
+                </a:solidFill>
+                <a:effectLst/>
+              </a:rPr>
+              <a:t>        </a:t>
+            </a:r>
+            <a:r>
+              <a:rPr lang="en-GB" sz="700" b="1" dirty="0">
+                <a:solidFill>
+                  <a:srgbClr val="000080"/>
+                </a:solidFill>
+                <a:effectLst/>
+              </a:rPr>
+              <a:t>return </a:t>
+            </a:r>
+            <a:r>
+              <a:rPr lang="en-GB" sz="700" dirty="0" err="1"/>
+              <a:t>possiblyPrime</a:t>
+            </a:r>
+            <a:r>
+              <a:rPr lang="en-GB" sz="700" dirty="0"/>
+              <a:t>;</a:t>
+            </a:r>
+            <a:br>
+              <a:rPr lang="en-GB" sz="700" dirty="0"/>
+            </a:br>
+            <a:r>
+              <a:rPr lang="en-GB" sz="700" dirty="0"/>
+              <a:t>    </a:t>
+            </a:r>
+            <a:r>
+              <a:rPr lang="en-GB" sz="700" dirty="0">
+                <a:solidFill>
+                  <a:srgbClr val="01875F"/>
+                </a:solidFill>
+                <a:effectLst/>
+              </a:rPr>
+              <a:t>}</a:t>
+            </a:r>
+            <a:br>
+              <a:rPr lang="en-GB" sz="700" dirty="0">
+                <a:solidFill>
+                  <a:srgbClr val="01875F"/>
+                </a:solidFill>
+                <a:effectLst/>
+              </a:rPr>
+            </a:br>
+            <a:br>
+              <a:rPr lang="en-GB" sz="700" dirty="0">
+                <a:solidFill>
+                  <a:srgbClr val="01875F"/>
+                </a:solidFill>
+                <a:effectLst/>
+              </a:rPr>
+            </a:br>
+            <a:r>
+              <a:rPr lang="en-GB" sz="700" dirty="0">
+                <a:solidFill>
+                  <a:srgbClr val="01875F"/>
+                </a:solidFill>
+                <a:effectLst/>
+              </a:rPr>
+              <a:t>    </a:t>
+            </a:r>
+            <a:r>
+              <a:rPr lang="en-GB" sz="700" b="1" dirty="0">
+                <a:solidFill>
+                  <a:srgbClr val="000080"/>
+                </a:solidFill>
+                <a:effectLst/>
+              </a:rPr>
+              <a:t>private void </a:t>
+            </a:r>
+            <a:r>
+              <a:rPr lang="en-GB" sz="700" dirty="0" err="1"/>
+              <a:t>checkCandidateIsSquare</a:t>
+            </a:r>
+            <a:r>
+              <a:rPr lang="en-GB" sz="700" dirty="0"/>
+              <a:t>(</a:t>
+            </a:r>
+            <a:r>
+              <a:rPr lang="en-GB" sz="700" b="1" dirty="0">
+                <a:solidFill>
+                  <a:srgbClr val="000080"/>
+                </a:solidFill>
+                <a:effectLst/>
+              </a:rPr>
+              <a:t>int </a:t>
+            </a:r>
+            <a:r>
+              <a:rPr lang="en-GB" sz="700" dirty="0"/>
+              <a:t>candidate) </a:t>
+            </a:r>
+            <a:r>
+              <a:rPr lang="en-GB" sz="700" dirty="0">
+                <a:solidFill>
+                  <a:srgbClr val="01875F"/>
+                </a:solidFill>
+                <a:effectLst/>
+              </a:rPr>
+              <a:t>{</a:t>
+            </a:r>
+            <a:br>
+              <a:rPr lang="en-GB" sz="700" dirty="0">
+                <a:solidFill>
+                  <a:srgbClr val="01875F"/>
+                </a:solidFill>
+                <a:effectLst/>
+              </a:rPr>
+            </a:br>
+            <a:r>
+              <a:rPr lang="en-GB" sz="700" dirty="0">
+                <a:solidFill>
+                  <a:srgbClr val="01875F"/>
+                </a:solidFill>
+                <a:effectLst/>
+              </a:rPr>
+              <a:t>        </a:t>
+            </a:r>
+            <a:r>
+              <a:rPr lang="en-GB" sz="700" b="1" dirty="0">
+                <a:solidFill>
+                  <a:srgbClr val="000080"/>
+                </a:solidFill>
+                <a:effectLst/>
+              </a:rPr>
+              <a:t>if </a:t>
+            </a:r>
+            <a:r>
+              <a:rPr lang="en-GB" sz="700" dirty="0"/>
+              <a:t>(candidate == </a:t>
+            </a:r>
+            <a:r>
+              <a:rPr lang="en-GB" sz="700" b="1" dirty="0">
+                <a:solidFill>
+                  <a:srgbClr val="660E7A"/>
+                </a:solidFill>
+                <a:effectLst/>
+              </a:rPr>
+              <a:t>square</a:t>
+            </a:r>
+            <a:r>
+              <a:rPr lang="en-GB" sz="700" dirty="0"/>
+              <a:t>) </a:t>
+            </a:r>
+            <a:r>
+              <a:rPr lang="en-GB" sz="700" dirty="0">
+                <a:solidFill>
+                  <a:srgbClr val="C406D6"/>
+                </a:solidFill>
+                <a:effectLst/>
+              </a:rPr>
+              <a:t>{</a:t>
+            </a:r>
+            <a:br>
+              <a:rPr lang="en-GB" sz="700" dirty="0">
+                <a:solidFill>
+                  <a:srgbClr val="C406D6"/>
+                </a:solidFill>
+                <a:effectLst/>
+              </a:rPr>
+            </a:br>
+            <a:r>
+              <a:rPr lang="en-GB" sz="700" dirty="0">
+                <a:solidFill>
+                  <a:srgbClr val="C406D6"/>
+                </a:solidFill>
+                <a:effectLst/>
+              </a:rPr>
+              <a:t>            </a:t>
+            </a:r>
+            <a:r>
+              <a:rPr lang="en-GB" sz="700" b="1" dirty="0" err="1">
+                <a:solidFill>
+                  <a:srgbClr val="660E7A"/>
+                </a:solidFill>
+                <a:effectLst/>
+              </a:rPr>
+              <a:t>ord</a:t>
+            </a:r>
+            <a:r>
+              <a:rPr lang="en-GB" sz="700" dirty="0"/>
+              <a:t>++;</a:t>
+            </a:r>
+            <a:br>
+              <a:rPr lang="en-GB" sz="700" dirty="0"/>
+            </a:br>
+            <a:r>
+              <a:rPr lang="en-GB" sz="700" dirty="0"/>
+              <a:t>            </a:t>
+            </a:r>
+            <a:r>
+              <a:rPr lang="en-GB" sz="700" b="1" dirty="0">
+                <a:solidFill>
+                  <a:srgbClr val="660E7A"/>
+                </a:solidFill>
+                <a:effectLst/>
+              </a:rPr>
+              <a:t>square </a:t>
+            </a:r>
+            <a:r>
+              <a:rPr lang="en-GB" sz="700" dirty="0"/>
+              <a:t>= </a:t>
+            </a:r>
+            <a:r>
+              <a:rPr lang="en-GB" sz="700" b="1" dirty="0">
+                <a:solidFill>
+                  <a:srgbClr val="660E7A"/>
+                </a:solidFill>
+                <a:effectLst/>
+              </a:rPr>
+              <a:t>primes</a:t>
+            </a:r>
+            <a:r>
+              <a:rPr lang="en-GB" sz="700" dirty="0"/>
+              <a:t>[</a:t>
+            </a:r>
+            <a:r>
+              <a:rPr lang="en-GB" sz="700" b="1" dirty="0" err="1">
+                <a:solidFill>
+                  <a:srgbClr val="660E7A"/>
+                </a:solidFill>
+                <a:effectLst/>
+              </a:rPr>
+              <a:t>ord</a:t>
+            </a:r>
+            <a:r>
+              <a:rPr lang="en-GB" sz="700" dirty="0"/>
+              <a:t>] * </a:t>
+            </a:r>
+            <a:r>
+              <a:rPr lang="en-GB" sz="700" b="1" dirty="0">
+                <a:solidFill>
+                  <a:srgbClr val="660E7A"/>
+                </a:solidFill>
+                <a:effectLst/>
+              </a:rPr>
+              <a:t>primes</a:t>
+            </a:r>
+            <a:r>
+              <a:rPr lang="en-GB" sz="700" dirty="0"/>
+              <a:t>[</a:t>
+            </a:r>
+            <a:r>
+              <a:rPr lang="en-GB" sz="700" b="1" dirty="0" err="1">
+                <a:solidFill>
+                  <a:srgbClr val="660E7A"/>
+                </a:solidFill>
+                <a:effectLst/>
+              </a:rPr>
+              <a:t>ord</a:t>
+            </a:r>
+            <a:r>
+              <a:rPr lang="en-GB" sz="700" dirty="0"/>
+              <a:t>];</a:t>
+            </a:r>
+            <a:br>
+              <a:rPr lang="en-GB" sz="700" dirty="0"/>
+            </a:br>
+            <a:r>
+              <a:rPr lang="en-GB" sz="700" dirty="0"/>
+              <a:t>            </a:t>
+            </a:r>
+            <a:r>
+              <a:rPr lang="en-GB" sz="700" b="1" dirty="0">
+                <a:solidFill>
+                  <a:srgbClr val="660E7A"/>
+                </a:solidFill>
+                <a:effectLst/>
+              </a:rPr>
+              <a:t>multiples</a:t>
+            </a:r>
+            <a:r>
+              <a:rPr lang="en-GB" sz="700" dirty="0"/>
+              <a:t>[</a:t>
+            </a:r>
+            <a:r>
+              <a:rPr lang="en-GB" sz="700" b="1" dirty="0" err="1">
+                <a:solidFill>
+                  <a:srgbClr val="660E7A"/>
+                </a:solidFill>
+                <a:effectLst/>
+              </a:rPr>
+              <a:t>ord</a:t>
+            </a:r>
+            <a:r>
+              <a:rPr lang="en-GB" sz="700" b="1" dirty="0">
+                <a:solidFill>
+                  <a:srgbClr val="660E7A"/>
+                </a:solidFill>
+                <a:effectLst/>
+              </a:rPr>
+              <a:t> </a:t>
+            </a:r>
+            <a:r>
+              <a:rPr lang="en-GB" sz="700" dirty="0"/>
+              <a:t>- </a:t>
+            </a:r>
+            <a:r>
+              <a:rPr lang="en-GB" sz="700" dirty="0">
+                <a:solidFill>
+                  <a:srgbClr val="0000FF"/>
+                </a:solidFill>
+                <a:effectLst/>
+              </a:rPr>
+              <a:t>1</a:t>
+            </a:r>
+            <a:r>
+              <a:rPr lang="en-GB" sz="700" dirty="0"/>
+              <a:t>] = candidate;</a:t>
+            </a:r>
+            <a:br>
+              <a:rPr lang="en-GB" sz="700" dirty="0"/>
+            </a:br>
+            <a:r>
+              <a:rPr lang="en-GB" sz="700" dirty="0"/>
+              <a:t>        </a:t>
+            </a:r>
+            <a:r>
+              <a:rPr lang="en-GB" sz="700" dirty="0">
+                <a:solidFill>
+                  <a:srgbClr val="C406D6"/>
+                </a:solidFill>
+                <a:effectLst/>
+              </a:rPr>
+              <a:t>}</a:t>
+            </a:r>
+            <a:br>
+              <a:rPr lang="en-GB" sz="700" dirty="0">
+                <a:solidFill>
+                  <a:srgbClr val="C406D6"/>
+                </a:solidFill>
+                <a:effectLst/>
+              </a:rPr>
+            </a:br>
+            <a:r>
+              <a:rPr lang="en-GB" sz="700" dirty="0">
+                <a:solidFill>
+                  <a:srgbClr val="C406D6"/>
+                </a:solidFill>
+                <a:effectLst/>
+              </a:rPr>
+              <a:t>    </a:t>
+            </a:r>
+            <a:r>
+              <a:rPr lang="en-GB" sz="700" dirty="0">
+                <a:solidFill>
+                  <a:srgbClr val="01875F"/>
+                </a:solidFill>
+                <a:effectLst/>
+              </a:rPr>
+              <a:t>}</a:t>
+            </a:r>
+            <a:br>
+              <a:rPr lang="en-GB" sz="700" dirty="0">
+                <a:solidFill>
+                  <a:srgbClr val="01875F"/>
+                </a:solidFill>
+                <a:effectLst/>
+              </a:rPr>
+            </a:br>
+            <a:r>
+              <a:rPr lang="en-GB" sz="700" dirty="0"/>
+              <a:t>}</a:t>
+            </a:r>
+            <a:endParaRPr lang="en-US" sz="700" dirty="0">
+              <a:solidFill>
+                <a:schemeClr val="tx2"/>
+              </a:solidFill>
+            </a:endParaRPr>
+          </a:p>
+        </p:txBody>
+      </p:sp>
+      <p:sp>
+        <p:nvSpPr>
+          <p:cNvPr id="8" name="TextBox 7">
+            <a:extLst>
+              <a:ext uri="{FF2B5EF4-FFF2-40B4-BE49-F238E27FC236}">
+                <a16:creationId xmlns:a16="http://schemas.microsoft.com/office/drawing/2014/main" id="{088550E3-E764-C0C1-3B5D-5B5803D25E68}"/>
+              </a:ext>
+            </a:extLst>
+          </p:cNvPr>
+          <p:cNvSpPr txBox="1"/>
+          <p:nvPr/>
+        </p:nvSpPr>
+        <p:spPr>
+          <a:xfrm>
+            <a:off x="3668671" y="2898085"/>
+            <a:ext cx="4163319" cy="3000821"/>
+          </a:xfrm>
+          <a:prstGeom prst="rect">
+            <a:avLst/>
+          </a:prstGeom>
+          <a:solidFill>
+            <a:srgbClr val="DCDCE0"/>
+          </a:solidFill>
+        </p:spPr>
+        <p:txBody>
+          <a:bodyPr wrap="none" rtlCol="0">
+            <a:spAutoFit/>
+          </a:bodyPr>
+          <a:lstStyle/>
+          <a:p>
+            <a:pPr algn="l">
+              <a:lnSpc>
+                <a:spcPct val="90000"/>
+              </a:lnSpc>
+              <a:spcBef>
+                <a:spcPts val="1200"/>
+              </a:spcBef>
+            </a:pPr>
+            <a:r>
+              <a:rPr lang="en-GB" sz="700" b="1" dirty="0">
+                <a:solidFill>
+                  <a:srgbClr val="000080"/>
+                </a:solidFill>
+                <a:effectLst/>
+              </a:rPr>
+              <a:t>class </a:t>
+            </a:r>
+            <a:r>
+              <a:rPr lang="en-GB" sz="700" dirty="0" err="1"/>
+              <a:t>PrintNumbers</a:t>
+            </a:r>
+            <a:r>
+              <a:rPr lang="en-GB" sz="700" dirty="0"/>
+              <a:t> {</a:t>
+            </a:r>
+            <a:br>
+              <a:rPr lang="en-GB" sz="700" dirty="0"/>
+            </a:br>
+            <a:r>
+              <a:rPr lang="en-GB" sz="700" dirty="0"/>
+              <a:t>    </a:t>
+            </a:r>
+            <a:r>
+              <a:rPr lang="en-GB" sz="700" b="1" dirty="0">
+                <a:solidFill>
+                  <a:srgbClr val="000080"/>
+                </a:solidFill>
+                <a:effectLst/>
+              </a:rPr>
+              <a:t>private int </a:t>
+            </a:r>
+            <a:r>
+              <a:rPr lang="en-GB" sz="700" b="1" dirty="0" err="1">
+                <a:solidFill>
+                  <a:srgbClr val="660E7A"/>
+                </a:solidFill>
+                <a:effectLst/>
+              </a:rPr>
+              <a:t>pagenumber</a:t>
+            </a:r>
+            <a:r>
+              <a:rPr lang="en-GB" sz="700" b="1" dirty="0">
+                <a:solidFill>
+                  <a:srgbClr val="660E7A"/>
+                </a:solidFill>
+                <a:effectLst/>
+              </a:rPr>
+              <a:t> </a:t>
+            </a:r>
+            <a:r>
+              <a:rPr lang="en-GB" sz="700" dirty="0"/>
+              <a:t>= </a:t>
+            </a:r>
+            <a:r>
+              <a:rPr lang="en-GB" sz="700" dirty="0">
+                <a:solidFill>
+                  <a:srgbClr val="0000FF"/>
+                </a:solidFill>
+                <a:effectLst/>
+              </a:rPr>
+              <a:t>1</a:t>
+            </a:r>
+            <a:r>
+              <a:rPr lang="en-GB" sz="700" dirty="0"/>
+              <a:t>;</a:t>
+            </a:r>
+            <a:br>
+              <a:rPr lang="en-GB" sz="700" dirty="0"/>
+            </a:br>
+            <a:r>
+              <a:rPr lang="en-GB" sz="700" dirty="0"/>
+              <a:t>    </a:t>
+            </a:r>
+            <a:r>
+              <a:rPr lang="en-GB" sz="700" b="1" dirty="0">
+                <a:solidFill>
+                  <a:srgbClr val="000080"/>
+                </a:solidFill>
+                <a:effectLst/>
+              </a:rPr>
+              <a:t>private int </a:t>
+            </a:r>
+            <a:r>
+              <a:rPr lang="en-GB" sz="700" b="1" dirty="0" err="1">
+                <a:solidFill>
+                  <a:srgbClr val="660E7A"/>
+                </a:solidFill>
+                <a:effectLst/>
+              </a:rPr>
+              <a:t>pageoffset</a:t>
+            </a:r>
+            <a:r>
+              <a:rPr lang="en-GB" sz="700" b="1" dirty="0">
+                <a:solidFill>
+                  <a:srgbClr val="660E7A"/>
+                </a:solidFill>
+                <a:effectLst/>
+              </a:rPr>
+              <a:t> </a:t>
+            </a:r>
+            <a:r>
+              <a:rPr lang="en-GB" sz="700" dirty="0"/>
+              <a:t>= </a:t>
+            </a:r>
+            <a:r>
+              <a:rPr lang="en-GB" sz="700" dirty="0">
+                <a:solidFill>
+                  <a:srgbClr val="0000FF"/>
+                </a:solidFill>
+                <a:effectLst/>
+              </a:rPr>
+              <a:t>1</a:t>
+            </a:r>
+            <a:r>
+              <a:rPr lang="en-GB" sz="700" dirty="0"/>
+              <a:t>;</a:t>
+            </a:r>
+            <a:br>
+              <a:rPr lang="en-GB" sz="700" dirty="0"/>
+            </a:br>
+            <a:r>
+              <a:rPr lang="en-GB" sz="700" dirty="0"/>
+              <a:t>    </a:t>
+            </a:r>
+            <a:r>
+              <a:rPr lang="en-GB" sz="700" b="1" dirty="0">
+                <a:solidFill>
+                  <a:srgbClr val="000080"/>
+                </a:solidFill>
+                <a:effectLst/>
+              </a:rPr>
+              <a:t>private final int </a:t>
+            </a:r>
+            <a:r>
+              <a:rPr lang="en-GB" sz="700" b="1" dirty="0" err="1">
+                <a:solidFill>
+                  <a:srgbClr val="660E7A"/>
+                </a:solidFill>
+                <a:effectLst/>
+              </a:rPr>
+              <a:t>linesPerPage</a:t>
+            </a:r>
+            <a:r>
+              <a:rPr lang="en-GB" sz="700" dirty="0"/>
+              <a:t>;</a:t>
+            </a:r>
+            <a:br>
+              <a:rPr lang="en-GB" sz="700" dirty="0"/>
+            </a:br>
+            <a:r>
+              <a:rPr lang="en-GB" sz="700" dirty="0"/>
+              <a:t>    </a:t>
+            </a:r>
+            <a:r>
+              <a:rPr lang="en-GB" sz="700" b="1" dirty="0">
+                <a:solidFill>
+                  <a:srgbClr val="000080"/>
+                </a:solidFill>
+                <a:effectLst/>
+              </a:rPr>
+              <a:t>private final int </a:t>
+            </a:r>
+            <a:r>
+              <a:rPr lang="en-GB" sz="700" b="1" dirty="0">
+                <a:solidFill>
+                  <a:srgbClr val="660E7A"/>
+                </a:solidFill>
+                <a:effectLst/>
+              </a:rPr>
+              <a:t>columns</a:t>
+            </a:r>
+            <a:r>
+              <a:rPr lang="en-GB" sz="700" dirty="0"/>
+              <a:t>;</a:t>
+            </a:r>
+            <a:br>
+              <a:rPr lang="en-GB" sz="700" dirty="0"/>
+            </a:br>
+            <a:br>
+              <a:rPr lang="en-GB" sz="700" dirty="0"/>
+            </a:br>
+            <a:r>
+              <a:rPr lang="en-GB" sz="700" dirty="0"/>
+              <a:t>    </a:t>
+            </a:r>
+            <a:r>
+              <a:rPr lang="en-GB" sz="700" dirty="0" err="1"/>
+              <a:t>PrintNumbers</a:t>
+            </a:r>
+            <a:r>
+              <a:rPr lang="en-GB" sz="700" dirty="0"/>
+              <a:t>(</a:t>
+            </a:r>
+            <a:r>
+              <a:rPr lang="en-GB" sz="700" b="1" dirty="0">
+                <a:solidFill>
+                  <a:srgbClr val="000080"/>
+                </a:solidFill>
+                <a:effectLst/>
+              </a:rPr>
+              <a:t>final int </a:t>
+            </a:r>
+            <a:r>
+              <a:rPr lang="en-GB" sz="700" dirty="0" err="1"/>
+              <a:t>linesPerPage</a:t>
+            </a:r>
+            <a:r>
+              <a:rPr lang="en-GB" sz="700" dirty="0"/>
+              <a:t>, </a:t>
+            </a:r>
+            <a:r>
+              <a:rPr lang="en-GB" sz="700" b="1" dirty="0">
+                <a:solidFill>
+                  <a:srgbClr val="000080"/>
+                </a:solidFill>
+                <a:effectLst/>
+              </a:rPr>
+              <a:t>final int </a:t>
+            </a:r>
+            <a:r>
+              <a:rPr lang="en-GB" sz="700" dirty="0"/>
+              <a:t>columns) </a:t>
+            </a:r>
+            <a:r>
+              <a:rPr lang="en-GB" sz="700" dirty="0">
+                <a:solidFill>
+                  <a:srgbClr val="01875F"/>
+                </a:solidFill>
+                <a:effectLst/>
+              </a:rPr>
+              <a:t>{</a:t>
+            </a:r>
+            <a:br>
+              <a:rPr lang="en-GB" sz="700" dirty="0">
+                <a:solidFill>
+                  <a:srgbClr val="01875F"/>
+                </a:solidFill>
+                <a:effectLst/>
+              </a:rPr>
+            </a:br>
+            <a:r>
+              <a:rPr lang="en-GB" sz="700" dirty="0">
+                <a:solidFill>
+                  <a:srgbClr val="01875F"/>
+                </a:solidFill>
+                <a:effectLst/>
+              </a:rPr>
+              <a:t>        </a:t>
+            </a:r>
+            <a:r>
+              <a:rPr lang="en-GB" sz="700" b="1" dirty="0" err="1">
+                <a:solidFill>
+                  <a:srgbClr val="000080"/>
+                </a:solidFill>
+                <a:effectLst/>
+              </a:rPr>
+              <a:t>this</a:t>
+            </a:r>
+            <a:r>
+              <a:rPr lang="en-GB" sz="700" dirty="0" err="1"/>
+              <a:t>.</a:t>
+            </a:r>
+            <a:r>
+              <a:rPr lang="en-GB" sz="700" b="1" dirty="0" err="1">
+                <a:solidFill>
+                  <a:srgbClr val="660E7A"/>
+                </a:solidFill>
+                <a:effectLst/>
+              </a:rPr>
+              <a:t>linesPerPage</a:t>
+            </a:r>
+            <a:r>
+              <a:rPr lang="en-GB" sz="700" b="1" dirty="0">
+                <a:solidFill>
+                  <a:srgbClr val="660E7A"/>
+                </a:solidFill>
+                <a:effectLst/>
+              </a:rPr>
+              <a:t> </a:t>
+            </a:r>
+            <a:r>
+              <a:rPr lang="en-GB" sz="700" dirty="0"/>
+              <a:t>= </a:t>
+            </a:r>
+            <a:r>
+              <a:rPr lang="en-GB" sz="700" dirty="0" err="1"/>
+              <a:t>linesPerPage</a:t>
+            </a:r>
+            <a:r>
+              <a:rPr lang="en-GB" sz="700" dirty="0"/>
+              <a:t>;</a:t>
+            </a:r>
+            <a:br>
+              <a:rPr lang="en-GB" sz="700" dirty="0"/>
+            </a:br>
+            <a:r>
+              <a:rPr lang="en-GB" sz="700" dirty="0"/>
+              <a:t>        </a:t>
+            </a:r>
+            <a:r>
+              <a:rPr lang="en-GB" sz="700" b="1" dirty="0" err="1">
+                <a:solidFill>
+                  <a:srgbClr val="000080"/>
+                </a:solidFill>
+                <a:effectLst/>
+              </a:rPr>
+              <a:t>this</a:t>
+            </a:r>
+            <a:r>
+              <a:rPr lang="en-GB" sz="700" dirty="0" err="1"/>
+              <a:t>.</a:t>
+            </a:r>
+            <a:r>
+              <a:rPr lang="en-GB" sz="700" b="1" dirty="0" err="1">
+                <a:solidFill>
+                  <a:srgbClr val="660E7A"/>
+                </a:solidFill>
+                <a:effectLst/>
+              </a:rPr>
+              <a:t>columns</a:t>
+            </a:r>
+            <a:r>
+              <a:rPr lang="en-GB" sz="700" b="1" dirty="0">
+                <a:solidFill>
+                  <a:srgbClr val="660E7A"/>
+                </a:solidFill>
+                <a:effectLst/>
+              </a:rPr>
+              <a:t> </a:t>
+            </a:r>
+            <a:r>
+              <a:rPr lang="en-GB" sz="700" dirty="0"/>
+              <a:t>= columns;</a:t>
+            </a:r>
+            <a:br>
+              <a:rPr lang="en-GB" sz="700" dirty="0"/>
+            </a:br>
+            <a:r>
+              <a:rPr lang="en-GB" sz="700" dirty="0"/>
+              <a:t>    </a:t>
+            </a:r>
+            <a:r>
+              <a:rPr lang="en-GB" sz="700" dirty="0">
+                <a:solidFill>
+                  <a:srgbClr val="01875F"/>
+                </a:solidFill>
+                <a:effectLst/>
+              </a:rPr>
+              <a:t>}</a:t>
+            </a:r>
+            <a:br>
+              <a:rPr lang="en-GB" sz="700" dirty="0">
+                <a:solidFill>
+                  <a:srgbClr val="01875F"/>
+                </a:solidFill>
+                <a:effectLst/>
+              </a:rPr>
+            </a:br>
+            <a:br>
+              <a:rPr lang="en-GB" sz="700" dirty="0">
+                <a:solidFill>
+                  <a:srgbClr val="01875F"/>
+                </a:solidFill>
+                <a:effectLst/>
+              </a:rPr>
+            </a:br>
+            <a:r>
+              <a:rPr lang="en-GB" sz="700" dirty="0">
+                <a:solidFill>
+                  <a:srgbClr val="01875F"/>
+                </a:solidFill>
+                <a:effectLst/>
+              </a:rPr>
+              <a:t>    </a:t>
+            </a:r>
+            <a:r>
+              <a:rPr lang="en-GB" sz="700" b="1" dirty="0">
+                <a:solidFill>
+                  <a:srgbClr val="000080"/>
+                </a:solidFill>
+                <a:effectLst/>
+              </a:rPr>
+              <a:t>public void </a:t>
+            </a:r>
+            <a:r>
+              <a:rPr lang="en-GB" sz="700" dirty="0" err="1"/>
+              <a:t>printNumbers</a:t>
+            </a:r>
+            <a:r>
+              <a:rPr lang="en-GB" sz="700" dirty="0"/>
+              <a:t>(</a:t>
+            </a:r>
+            <a:r>
+              <a:rPr lang="en-GB" sz="700" b="1" dirty="0">
+                <a:solidFill>
+                  <a:srgbClr val="000080"/>
+                </a:solidFill>
+                <a:effectLst/>
+              </a:rPr>
+              <a:t>final int</a:t>
+            </a:r>
+            <a:r>
+              <a:rPr lang="en-GB" sz="700" dirty="0"/>
+              <a:t>[] numbers, </a:t>
+            </a:r>
+            <a:r>
+              <a:rPr lang="en-GB" sz="700" b="1" dirty="0">
+                <a:solidFill>
+                  <a:srgbClr val="000080"/>
+                </a:solidFill>
+                <a:effectLst/>
+              </a:rPr>
+              <a:t>final int </a:t>
+            </a:r>
+            <a:r>
+              <a:rPr lang="en-GB" sz="700" dirty="0" err="1"/>
+              <a:t>noOfPrimes</a:t>
+            </a:r>
+            <a:r>
+              <a:rPr lang="en-GB" sz="700" dirty="0"/>
+              <a:t>) </a:t>
+            </a:r>
+            <a:r>
+              <a:rPr lang="en-GB" sz="700" dirty="0">
+                <a:solidFill>
+                  <a:srgbClr val="01875F"/>
+                </a:solidFill>
+                <a:effectLst/>
+              </a:rPr>
+              <a:t>{</a:t>
+            </a:r>
+            <a:br>
+              <a:rPr lang="en-GB" sz="700" dirty="0">
+                <a:solidFill>
+                  <a:srgbClr val="01875F"/>
+                </a:solidFill>
+                <a:effectLst/>
+              </a:rPr>
+            </a:br>
+            <a:r>
+              <a:rPr lang="en-GB" sz="700" dirty="0">
+                <a:solidFill>
+                  <a:srgbClr val="01875F"/>
+                </a:solidFill>
+                <a:effectLst/>
+              </a:rPr>
+              <a:t>        </a:t>
+            </a:r>
+            <a:r>
+              <a:rPr lang="en-GB" sz="700" b="1" dirty="0">
+                <a:solidFill>
+                  <a:srgbClr val="000080"/>
+                </a:solidFill>
+                <a:effectLst/>
+              </a:rPr>
+              <a:t>while </a:t>
+            </a:r>
+            <a:r>
+              <a:rPr lang="en-GB" sz="700" dirty="0"/>
+              <a:t>(</a:t>
+            </a:r>
+            <a:r>
+              <a:rPr lang="en-GB" sz="700" b="1" dirty="0" err="1">
+                <a:solidFill>
+                  <a:srgbClr val="660E7A"/>
+                </a:solidFill>
+                <a:effectLst/>
+              </a:rPr>
+              <a:t>pageoffset</a:t>
+            </a:r>
+            <a:r>
+              <a:rPr lang="en-GB" sz="700" b="1" dirty="0">
+                <a:solidFill>
+                  <a:srgbClr val="660E7A"/>
+                </a:solidFill>
+                <a:effectLst/>
+              </a:rPr>
+              <a:t> </a:t>
+            </a:r>
+            <a:r>
+              <a:rPr lang="en-GB" sz="700" dirty="0"/>
+              <a:t>&lt;= </a:t>
+            </a:r>
+            <a:r>
+              <a:rPr lang="en-GB" sz="700" dirty="0" err="1"/>
+              <a:t>noOfPrimes</a:t>
+            </a:r>
+            <a:r>
+              <a:rPr lang="en-GB" sz="700" dirty="0"/>
+              <a:t>) </a:t>
+            </a:r>
+            <a:r>
+              <a:rPr lang="en-GB" sz="700" dirty="0">
+                <a:solidFill>
+                  <a:srgbClr val="C406D6"/>
+                </a:solidFill>
+                <a:effectLst/>
+              </a:rPr>
+              <a:t>{</a:t>
+            </a:r>
+            <a:br>
+              <a:rPr lang="en-GB" sz="700" dirty="0">
+                <a:solidFill>
+                  <a:srgbClr val="C406D6"/>
+                </a:solidFill>
+                <a:effectLst/>
+              </a:rPr>
+            </a:br>
+            <a:r>
+              <a:rPr lang="en-GB" sz="700" dirty="0">
+                <a:solidFill>
+                  <a:srgbClr val="C406D6"/>
+                </a:solidFill>
+                <a:effectLst/>
+              </a:rPr>
+              <a:t>            </a:t>
+            </a:r>
+            <a:r>
+              <a:rPr lang="en-GB" sz="700" dirty="0" err="1"/>
+              <a:t>System.</a:t>
+            </a:r>
+            <a:r>
+              <a:rPr lang="en-GB" sz="700" b="1" i="1" dirty="0" err="1">
+                <a:solidFill>
+                  <a:srgbClr val="660E7A"/>
+                </a:solidFill>
+                <a:effectLst/>
+              </a:rPr>
+              <a:t>out</a:t>
+            </a:r>
+            <a:r>
+              <a:rPr lang="en-GB" sz="700" dirty="0" err="1"/>
+              <a:t>.print</a:t>
+            </a:r>
+            <a:r>
+              <a:rPr lang="en-GB" sz="700" dirty="0">
+                <a:solidFill>
+                  <a:srgbClr val="01875F"/>
+                </a:solidFill>
+                <a:effectLst/>
+              </a:rPr>
+              <a:t>(</a:t>
+            </a:r>
+            <a:r>
+              <a:rPr lang="en-GB" sz="700" b="1" dirty="0">
+                <a:solidFill>
+                  <a:srgbClr val="008000"/>
+                </a:solidFill>
+                <a:effectLst/>
+              </a:rPr>
+              <a:t>"The First "</a:t>
+            </a:r>
+            <a:r>
+              <a:rPr lang="en-GB" sz="700" dirty="0">
+                <a:solidFill>
+                  <a:srgbClr val="01875F"/>
+                </a:solidFill>
+                <a:effectLst/>
+              </a:rPr>
+              <a:t>)</a:t>
+            </a:r>
+            <a:r>
+              <a:rPr lang="en-GB" sz="700" dirty="0"/>
+              <a:t>;</a:t>
+            </a:r>
+            <a:br>
+              <a:rPr lang="en-GB" sz="700" dirty="0"/>
+            </a:br>
+            <a:r>
+              <a:rPr lang="en-GB" sz="700" dirty="0"/>
+              <a:t>            </a:t>
+            </a:r>
+            <a:r>
+              <a:rPr lang="en-GB" sz="700" dirty="0" err="1"/>
+              <a:t>System.</a:t>
+            </a:r>
+            <a:r>
+              <a:rPr lang="en-GB" sz="700" b="1" i="1" dirty="0" err="1">
+                <a:solidFill>
+                  <a:srgbClr val="660E7A"/>
+                </a:solidFill>
+                <a:effectLst/>
+              </a:rPr>
+              <a:t>out</a:t>
+            </a:r>
+            <a:r>
+              <a:rPr lang="en-GB" sz="700" dirty="0" err="1"/>
+              <a:t>.print</a:t>
+            </a:r>
+            <a:r>
+              <a:rPr lang="en-GB" sz="700" dirty="0">
+                <a:solidFill>
+                  <a:srgbClr val="01875F"/>
+                </a:solidFill>
+                <a:effectLst/>
+              </a:rPr>
+              <a:t>(</a:t>
+            </a:r>
+            <a:r>
+              <a:rPr lang="en-GB" sz="700" dirty="0" err="1"/>
+              <a:t>noOfPrimes</a:t>
+            </a:r>
+            <a:r>
+              <a:rPr lang="en-GB" sz="700" dirty="0">
+                <a:solidFill>
+                  <a:srgbClr val="01875F"/>
+                </a:solidFill>
+                <a:effectLst/>
+              </a:rPr>
+              <a:t>)</a:t>
+            </a:r>
+            <a:r>
+              <a:rPr lang="en-GB" sz="700" dirty="0"/>
+              <a:t>;</a:t>
+            </a:r>
+            <a:br>
+              <a:rPr lang="en-GB" sz="700" dirty="0"/>
+            </a:br>
+            <a:r>
+              <a:rPr lang="en-GB" sz="700" dirty="0"/>
+              <a:t>            </a:t>
+            </a:r>
+            <a:r>
+              <a:rPr lang="en-GB" sz="700" dirty="0" err="1"/>
+              <a:t>System.</a:t>
+            </a:r>
+            <a:r>
+              <a:rPr lang="en-GB" sz="700" b="1" i="1" dirty="0" err="1">
+                <a:solidFill>
+                  <a:srgbClr val="660E7A"/>
+                </a:solidFill>
+                <a:effectLst/>
+              </a:rPr>
+              <a:t>out</a:t>
+            </a:r>
+            <a:r>
+              <a:rPr lang="en-GB" sz="700" dirty="0" err="1"/>
+              <a:t>.print</a:t>
+            </a:r>
+            <a:r>
+              <a:rPr lang="en-GB" sz="700" dirty="0">
+                <a:solidFill>
+                  <a:srgbClr val="01875F"/>
+                </a:solidFill>
+                <a:effectLst/>
+              </a:rPr>
+              <a:t>(</a:t>
+            </a:r>
+            <a:r>
+              <a:rPr lang="en-GB" sz="700" b="1" dirty="0">
+                <a:solidFill>
+                  <a:srgbClr val="008000"/>
+                </a:solidFill>
+                <a:effectLst/>
+              </a:rPr>
+              <a:t>" Prime Numbers --- Page "</a:t>
+            </a:r>
+            <a:r>
+              <a:rPr lang="en-GB" sz="700" dirty="0">
+                <a:solidFill>
+                  <a:srgbClr val="01875F"/>
+                </a:solidFill>
+                <a:effectLst/>
+              </a:rPr>
+              <a:t>)</a:t>
+            </a:r>
+            <a:r>
+              <a:rPr lang="en-GB" sz="700" dirty="0"/>
+              <a:t>;</a:t>
+            </a:r>
+            <a:br>
+              <a:rPr lang="en-GB" sz="700" dirty="0"/>
+            </a:br>
+            <a:r>
+              <a:rPr lang="en-GB" sz="700" dirty="0"/>
+              <a:t>            </a:t>
+            </a:r>
+            <a:r>
+              <a:rPr lang="en-GB" sz="700" dirty="0" err="1"/>
+              <a:t>System.</a:t>
+            </a:r>
+            <a:r>
+              <a:rPr lang="en-GB" sz="700" b="1" i="1" dirty="0" err="1">
+                <a:solidFill>
+                  <a:srgbClr val="660E7A"/>
+                </a:solidFill>
+                <a:effectLst/>
+              </a:rPr>
+              <a:t>out</a:t>
+            </a:r>
+            <a:r>
+              <a:rPr lang="en-GB" sz="700" dirty="0" err="1"/>
+              <a:t>.print</a:t>
+            </a:r>
+            <a:r>
+              <a:rPr lang="en-GB" sz="700" dirty="0">
+                <a:solidFill>
+                  <a:srgbClr val="01875F"/>
+                </a:solidFill>
+                <a:effectLst/>
+              </a:rPr>
+              <a:t>(</a:t>
+            </a:r>
+            <a:r>
+              <a:rPr lang="en-GB" sz="700" b="1" dirty="0" err="1">
+                <a:solidFill>
+                  <a:srgbClr val="660E7A"/>
+                </a:solidFill>
+                <a:effectLst/>
+              </a:rPr>
+              <a:t>pagenumber</a:t>
+            </a:r>
+            <a:r>
+              <a:rPr lang="en-GB" sz="700" dirty="0">
+                <a:solidFill>
+                  <a:srgbClr val="01875F"/>
+                </a:solidFill>
+                <a:effectLst/>
+              </a:rPr>
+              <a:t>)</a:t>
+            </a:r>
+            <a:r>
+              <a:rPr lang="en-GB" sz="700" dirty="0"/>
+              <a:t>;</a:t>
+            </a:r>
+            <a:br>
+              <a:rPr lang="en-GB" sz="700" dirty="0"/>
+            </a:br>
+            <a:r>
+              <a:rPr lang="en-GB" sz="700" dirty="0"/>
+              <a:t>            </a:t>
+            </a:r>
+            <a:r>
+              <a:rPr lang="en-GB" sz="700" dirty="0" err="1"/>
+              <a:t>System.</a:t>
+            </a:r>
+            <a:r>
+              <a:rPr lang="en-GB" sz="700" b="1" i="1" dirty="0" err="1">
+                <a:solidFill>
+                  <a:srgbClr val="660E7A"/>
+                </a:solidFill>
+                <a:effectLst/>
+              </a:rPr>
+              <a:t>out</a:t>
+            </a:r>
+            <a:r>
+              <a:rPr lang="en-GB" sz="700" dirty="0" err="1"/>
+              <a:t>.println</a:t>
+            </a:r>
+            <a:r>
+              <a:rPr lang="en-GB" sz="700" dirty="0">
+                <a:solidFill>
+                  <a:srgbClr val="01875F"/>
+                </a:solidFill>
+                <a:effectLst/>
+              </a:rPr>
+              <a:t>(</a:t>
+            </a:r>
+            <a:r>
+              <a:rPr lang="en-GB" sz="700" b="1" dirty="0">
+                <a:solidFill>
+                  <a:srgbClr val="008000"/>
+                </a:solidFill>
+                <a:effectLst/>
+              </a:rPr>
+              <a:t>"</a:t>
+            </a:r>
+            <a:r>
+              <a:rPr lang="en-GB" sz="700" b="1" dirty="0">
+                <a:solidFill>
+                  <a:srgbClr val="000080"/>
+                </a:solidFill>
+                <a:effectLst/>
+              </a:rPr>
+              <a:t>\n</a:t>
+            </a:r>
+            <a:r>
+              <a:rPr lang="en-GB" sz="700" b="1" dirty="0">
+                <a:solidFill>
+                  <a:srgbClr val="008000"/>
+                </a:solidFill>
+                <a:effectLst/>
+              </a:rPr>
+              <a:t>"</a:t>
+            </a:r>
+            <a:r>
+              <a:rPr lang="en-GB" sz="700" dirty="0">
+                <a:solidFill>
+                  <a:srgbClr val="01875F"/>
+                </a:solidFill>
+                <a:effectLst/>
+              </a:rPr>
+              <a:t>)</a:t>
+            </a:r>
+            <a:r>
+              <a:rPr lang="en-GB" sz="700" dirty="0"/>
+              <a:t>;</a:t>
+            </a:r>
+            <a:br>
+              <a:rPr lang="en-GB" sz="700" dirty="0"/>
+            </a:br>
+            <a:r>
+              <a:rPr lang="en-GB" sz="700" dirty="0"/>
+              <a:t>            </a:t>
+            </a:r>
+            <a:r>
+              <a:rPr lang="en-GB" sz="700" b="1" dirty="0">
+                <a:solidFill>
+                  <a:srgbClr val="000080"/>
+                </a:solidFill>
+                <a:effectLst/>
+              </a:rPr>
+              <a:t>for </a:t>
+            </a:r>
+            <a:r>
+              <a:rPr lang="en-GB" sz="700" dirty="0">
+                <a:solidFill>
+                  <a:srgbClr val="01875F"/>
+                </a:solidFill>
+                <a:effectLst/>
+              </a:rPr>
+              <a:t>(</a:t>
+            </a:r>
+            <a:r>
+              <a:rPr lang="en-GB" sz="700" b="1" dirty="0">
+                <a:solidFill>
+                  <a:srgbClr val="000080"/>
+                </a:solidFill>
+                <a:effectLst/>
+              </a:rPr>
+              <a:t>int </a:t>
+            </a:r>
+            <a:r>
+              <a:rPr lang="en-GB" sz="700" dirty="0" err="1"/>
+              <a:t>rowoffset</a:t>
+            </a:r>
+            <a:r>
+              <a:rPr lang="en-GB" sz="700" dirty="0"/>
+              <a:t> = </a:t>
+            </a:r>
+            <a:r>
+              <a:rPr lang="en-GB" sz="700" b="1" dirty="0" err="1">
+                <a:solidFill>
+                  <a:srgbClr val="660E7A"/>
+                </a:solidFill>
+                <a:effectLst/>
+              </a:rPr>
+              <a:t>pageoffset</a:t>
+            </a:r>
+            <a:r>
+              <a:rPr lang="en-GB" sz="700" dirty="0"/>
+              <a:t>; </a:t>
+            </a:r>
+            <a:r>
+              <a:rPr lang="en-GB" sz="700" dirty="0" err="1"/>
+              <a:t>rowoffset</a:t>
+            </a:r>
+            <a:r>
+              <a:rPr lang="en-GB" sz="700" dirty="0"/>
+              <a:t> &lt;= </a:t>
+            </a:r>
+            <a:r>
+              <a:rPr lang="en-GB" sz="700" b="1" dirty="0" err="1">
+                <a:solidFill>
+                  <a:srgbClr val="660E7A"/>
+                </a:solidFill>
+                <a:effectLst/>
+              </a:rPr>
+              <a:t>pageoffset</a:t>
+            </a:r>
+            <a:r>
+              <a:rPr lang="en-GB" sz="700" b="1" dirty="0">
+                <a:solidFill>
+                  <a:srgbClr val="660E7A"/>
+                </a:solidFill>
+                <a:effectLst/>
+              </a:rPr>
+              <a:t> </a:t>
+            </a:r>
+            <a:r>
+              <a:rPr lang="en-GB" sz="700" dirty="0"/>
+              <a:t>+ </a:t>
+            </a:r>
+            <a:r>
+              <a:rPr lang="en-GB" sz="700" b="1" dirty="0" err="1">
+                <a:solidFill>
+                  <a:srgbClr val="660E7A"/>
+                </a:solidFill>
+                <a:effectLst/>
+              </a:rPr>
+              <a:t>linesPerPage</a:t>
+            </a:r>
+            <a:r>
+              <a:rPr lang="en-GB" sz="700" b="1" dirty="0">
+                <a:solidFill>
+                  <a:srgbClr val="660E7A"/>
+                </a:solidFill>
+                <a:effectLst/>
+              </a:rPr>
+              <a:t> </a:t>
+            </a:r>
+            <a:r>
+              <a:rPr lang="en-GB" sz="700" dirty="0"/>
+              <a:t>- </a:t>
+            </a:r>
+            <a:r>
+              <a:rPr lang="en-GB" sz="700" dirty="0">
+                <a:solidFill>
+                  <a:srgbClr val="0000FF"/>
+                </a:solidFill>
+                <a:effectLst/>
+              </a:rPr>
+              <a:t>1</a:t>
+            </a:r>
+            <a:r>
+              <a:rPr lang="en-GB" sz="700" dirty="0"/>
+              <a:t>; </a:t>
+            </a:r>
+            <a:r>
+              <a:rPr lang="en-GB" sz="700" dirty="0" err="1"/>
+              <a:t>rowoffset</a:t>
+            </a:r>
+            <a:r>
+              <a:rPr lang="en-GB" sz="700" dirty="0"/>
+              <a:t>++</a:t>
+            </a:r>
+            <a:r>
+              <a:rPr lang="en-GB" sz="700" dirty="0">
+                <a:solidFill>
+                  <a:srgbClr val="01875F"/>
+                </a:solidFill>
+                <a:effectLst/>
+              </a:rPr>
+              <a:t>) </a:t>
+            </a:r>
+            <a:r>
+              <a:rPr lang="en-GB" sz="700" dirty="0">
+                <a:solidFill>
+                  <a:srgbClr val="0D9676"/>
+                </a:solidFill>
+                <a:effectLst/>
+              </a:rPr>
+              <a:t>{</a:t>
+            </a:r>
+            <a:br>
+              <a:rPr lang="en-GB" sz="700" dirty="0">
+                <a:solidFill>
+                  <a:srgbClr val="0D9676"/>
+                </a:solidFill>
+                <a:effectLst/>
+              </a:rPr>
+            </a:br>
+            <a:r>
+              <a:rPr lang="en-GB" sz="700" dirty="0">
+                <a:solidFill>
+                  <a:srgbClr val="0D9676"/>
+                </a:solidFill>
+                <a:effectLst/>
+              </a:rPr>
+              <a:t>                </a:t>
+            </a:r>
+            <a:r>
+              <a:rPr lang="en-GB" sz="700" b="1" dirty="0">
+                <a:solidFill>
+                  <a:srgbClr val="000080"/>
+                </a:solidFill>
+                <a:effectLst/>
+              </a:rPr>
+              <a:t>for </a:t>
+            </a:r>
+            <a:r>
+              <a:rPr lang="en-GB" sz="700" dirty="0">
+                <a:solidFill>
+                  <a:srgbClr val="C406D6"/>
+                </a:solidFill>
+                <a:effectLst/>
+              </a:rPr>
+              <a:t>(</a:t>
+            </a:r>
+            <a:r>
+              <a:rPr lang="en-GB" sz="700" b="1" dirty="0">
+                <a:solidFill>
+                  <a:srgbClr val="000080"/>
+                </a:solidFill>
+                <a:effectLst/>
+              </a:rPr>
+              <a:t>int </a:t>
+            </a:r>
+            <a:r>
+              <a:rPr lang="en-GB" sz="700" dirty="0"/>
+              <a:t>column = </a:t>
+            </a:r>
+            <a:r>
+              <a:rPr lang="en-GB" sz="700" dirty="0">
+                <a:solidFill>
+                  <a:srgbClr val="0000FF"/>
+                </a:solidFill>
+                <a:effectLst/>
+              </a:rPr>
+              <a:t>0</a:t>
+            </a:r>
+            <a:r>
+              <a:rPr lang="en-GB" sz="700" dirty="0"/>
+              <a:t>; column &lt;= </a:t>
+            </a:r>
+            <a:r>
+              <a:rPr lang="en-GB" sz="700" b="1" dirty="0">
+                <a:solidFill>
+                  <a:srgbClr val="660E7A"/>
+                </a:solidFill>
+                <a:effectLst/>
+              </a:rPr>
+              <a:t>columns </a:t>
+            </a:r>
+            <a:r>
+              <a:rPr lang="en-GB" sz="700" dirty="0"/>
+              <a:t>- </a:t>
+            </a:r>
+            <a:r>
+              <a:rPr lang="en-GB" sz="700" dirty="0">
+                <a:solidFill>
+                  <a:srgbClr val="0000FF"/>
+                </a:solidFill>
+                <a:effectLst/>
+              </a:rPr>
+              <a:t>1</a:t>
+            </a:r>
+            <a:r>
+              <a:rPr lang="en-GB" sz="700" dirty="0"/>
+              <a:t>; column++</a:t>
+            </a:r>
+            <a:r>
+              <a:rPr lang="en-GB" sz="700" dirty="0">
+                <a:solidFill>
+                  <a:srgbClr val="C406D6"/>
+                </a:solidFill>
+                <a:effectLst/>
+              </a:rPr>
+              <a:t>)</a:t>
+            </a:r>
+            <a:br>
+              <a:rPr lang="en-GB" sz="700" dirty="0">
+                <a:solidFill>
+                  <a:srgbClr val="C406D6"/>
+                </a:solidFill>
+                <a:effectLst/>
+              </a:rPr>
+            </a:br>
+            <a:r>
+              <a:rPr lang="en-GB" sz="700" dirty="0">
+                <a:solidFill>
+                  <a:srgbClr val="C406D6"/>
+                </a:solidFill>
+                <a:effectLst/>
+              </a:rPr>
+              <a:t>                    </a:t>
+            </a:r>
+            <a:r>
+              <a:rPr lang="en-GB" sz="700" b="1" dirty="0">
+                <a:solidFill>
+                  <a:srgbClr val="000080"/>
+                </a:solidFill>
+                <a:effectLst/>
+              </a:rPr>
+              <a:t>if </a:t>
+            </a:r>
+            <a:r>
+              <a:rPr lang="en-GB" sz="700" dirty="0">
+                <a:solidFill>
+                  <a:srgbClr val="0D9676"/>
+                </a:solidFill>
+                <a:effectLst/>
+              </a:rPr>
+              <a:t>(</a:t>
+            </a:r>
+            <a:r>
+              <a:rPr lang="en-GB" sz="700" dirty="0" err="1"/>
+              <a:t>rowoffset</a:t>
+            </a:r>
+            <a:r>
+              <a:rPr lang="en-GB" sz="700" dirty="0"/>
+              <a:t> + column * </a:t>
+            </a:r>
+            <a:r>
+              <a:rPr lang="en-GB" sz="700" b="1" dirty="0" err="1">
+                <a:solidFill>
+                  <a:srgbClr val="660E7A"/>
+                </a:solidFill>
+                <a:effectLst/>
+              </a:rPr>
+              <a:t>linesPerPage</a:t>
+            </a:r>
+            <a:r>
+              <a:rPr lang="en-GB" sz="700" b="1" dirty="0">
+                <a:solidFill>
+                  <a:srgbClr val="660E7A"/>
+                </a:solidFill>
+                <a:effectLst/>
+              </a:rPr>
+              <a:t> </a:t>
+            </a:r>
+            <a:r>
+              <a:rPr lang="en-GB" sz="700" dirty="0"/>
+              <a:t>&lt;= </a:t>
+            </a:r>
+            <a:r>
+              <a:rPr lang="en-GB" sz="700" dirty="0" err="1"/>
+              <a:t>noOfPrimes</a:t>
+            </a:r>
+            <a:r>
+              <a:rPr lang="en-GB" sz="700" dirty="0">
+                <a:solidFill>
+                  <a:srgbClr val="0D9676"/>
+                </a:solidFill>
+                <a:effectLst/>
+              </a:rPr>
+              <a:t>)</a:t>
+            </a:r>
+            <a:br>
+              <a:rPr lang="en-GB" sz="700" dirty="0">
+                <a:solidFill>
+                  <a:srgbClr val="0D9676"/>
+                </a:solidFill>
+                <a:effectLst/>
+              </a:rPr>
+            </a:br>
+            <a:r>
+              <a:rPr lang="en-GB" sz="700" dirty="0">
+                <a:solidFill>
+                  <a:srgbClr val="0D9676"/>
+                </a:solidFill>
+                <a:effectLst/>
+              </a:rPr>
+              <a:t>                        </a:t>
+            </a:r>
+            <a:r>
+              <a:rPr lang="en-GB" sz="700" dirty="0" err="1"/>
+              <a:t>System.</a:t>
+            </a:r>
+            <a:r>
+              <a:rPr lang="en-GB" sz="700" b="1" i="1" dirty="0" err="1">
+                <a:solidFill>
+                  <a:srgbClr val="660E7A"/>
+                </a:solidFill>
+                <a:effectLst/>
+              </a:rPr>
+              <a:t>out</a:t>
+            </a:r>
+            <a:r>
+              <a:rPr lang="en-GB" sz="700" dirty="0" err="1"/>
+              <a:t>.printf</a:t>
+            </a:r>
+            <a:r>
+              <a:rPr lang="en-GB" sz="700" dirty="0">
+                <a:solidFill>
+                  <a:srgbClr val="093166"/>
+                </a:solidFill>
+                <a:effectLst/>
+              </a:rPr>
+              <a:t>(</a:t>
+            </a:r>
+            <a:r>
+              <a:rPr lang="en-GB" sz="700" b="1" dirty="0">
+                <a:solidFill>
+                  <a:srgbClr val="008000"/>
+                </a:solidFill>
+                <a:effectLst/>
+              </a:rPr>
+              <a:t>"%10d"</a:t>
+            </a:r>
+            <a:r>
+              <a:rPr lang="en-GB" sz="700" dirty="0"/>
+              <a:t>, numbers[</a:t>
+            </a:r>
+            <a:r>
+              <a:rPr lang="en-GB" sz="700" dirty="0" err="1"/>
+              <a:t>rowoffset</a:t>
+            </a:r>
+            <a:r>
+              <a:rPr lang="en-GB" sz="700" dirty="0"/>
+              <a:t> + column * </a:t>
+            </a:r>
+            <a:r>
+              <a:rPr lang="en-GB" sz="700" b="1" dirty="0" err="1">
+                <a:solidFill>
+                  <a:srgbClr val="660E7A"/>
+                </a:solidFill>
+                <a:effectLst/>
+              </a:rPr>
+              <a:t>linesPerPage</a:t>
+            </a:r>
+            <a:r>
+              <a:rPr lang="en-GB" sz="700" dirty="0"/>
+              <a:t>]</a:t>
+            </a:r>
+            <a:r>
+              <a:rPr lang="en-GB" sz="700" dirty="0">
+                <a:solidFill>
+                  <a:srgbClr val="093166"/>
+                </a:solidFill>
+                <a:effectLst/>
+              </a:rPr>
+              <a:t>)</a:t>
+            </a:r>
+            <a:r>
+              <a:rPr lang="en-GB" sz="700" dirty="0"/>
+              <a:t>;</a:t>
+            </a:r>
+            <a:br>
+              <a:rPr lang="en-GB" sz="700" dirty="0"/>
+            </a:br>
+            <a:r>
+              <a:rPr lang="en-GB" sz="700" dirty="0"/>
+              <a:t>                </a:t>
+            </a:r>
+            <a:r>
+              <a:rPr lang="en-GB" sz="700" dirty="0" err="1"/>
+              <a:t>System.</a:t>
+            </a:r>
+            <a:r>
+              <a:rPr lang="en-GB" sz="700" b="1" i="1" dirty="0" err="1">
+                <a:solidFill>
+                  <a:srgbClr val="660E7A"/>
+                </a:solidFill>
+                <a:effectLst/>
+              </a:rPr>
+              <a:t>out</a:t>
+            </a:r>
+            <a:r>
+              <a:rPr lang="en-GB" sz="700" dirty="0" err="1"/>
+              <a:t>.println</a:t>
+            </a:r>
+            <a:r>
+              <a:rPr lang="en-GB" sz="700" dirty="0"/>
+              <a:t>();</a:t>
+            </a:r>
+            <a:br>
+              <a:rPr lang="en-GB" sz="700" dirty="0"/>
+            </a:br>
+            <a:r>
+              <a:rPr lang="en-GB" sz="700" dirty="0"/>
+              <a:t>            </a:t>
+            </a:r>
+            <a:r>
+              <a:rPr lang="en-GB" sz="700" dirty="0">
+                <a:solidFill>
+                  <a:srgbClr val="0D9676"/>
+                </a:solidFill>
+                <a:effectLst/>
+              </a:rPr>
+              <a:t>}</a:t>
+            </a:r>
+            <a:br>
+              <a:rPr lang="en-GB" sz="700" dirty="0">
+                <a:solidFill>
+                  <a:srgbClr val="0D9676"/>
+                </a:solidFill>
+                <a:effectLst/>
+              </a:rPr>
+            </a:br>
+            <a:r>
+              <a:rPr lang="en-GB" sz="700" dirty="0">
+                <a:solidFill>
+                  <a:srgbClr val="0D9676"/>
+                </a:solidFill>
+                <a:effectLst/>
+              </a:rPr>
+              <a:t>            </a:t>
+            </a:r>
+            <a:r>
+              <a:rPr lang="en-GB" sz="700" dirty="0" err="1"/>
+              <a:t>System.</a:t>
+            </a:r>
+            <a:r>
+              <a:rPr lang="en-GB" sz="700" b="1" i="1" dirty="0" err="1">
+                <a:solidFill>
+                  <a:srgbClr val="660E7A"/>
+                </a:solidFill>
+                <a:effectLst/>
+              </a:rPr>
+              <a:t>out</a:t>
+            </a:r>
+            <a:r>
+              <a:rPr lang="en-GB" sz="700" dirty="0" err="1"/>
+              <a:t>.println</a:t>
+            </a:r>
+            <a:r>
+              <a:rPr lang="en-GB" sz="700" dirty="0">
+                <a:solidFill>
+                  <a:srgbClr val="01875F"/>
+                </a:solidFill>
+                <a:effectLst/>
+              </a:rPr>
+              <a:t>(</a:t>
+            </a:r>
+            <a:r>
+              <a:rPr lang="en-GB" sz="700" b="1" dirty="0">
+                <a:solidFill>
+                  <a:srgbClr val="008000"/>
+                </a:solidFill>
+                <a:effectLst/>
+              </a:rPr>
+              <a:t>"</a:t>
+            </a:r>
+            <a:r>
+              <a:rPr lang="en-GB" sz="700" b="1" dirty="0">
+                <a:solidFill>
+                  <a:srgbClr val="000080"/>
+                </a:solidFill>
+                <a:effectLst/>
+              </a:rPr>
+              <a:t>\f</a:t>
+            </a:r>
+            <a:r>
+              <a:rPr lang="en-GB" sz="700" b="1" dirty="0">
+                <a:solidFill>
+                  <a:srgbClr val="008000"/>
+                </a:solidFill>
+                <a:effectLst/>
+              </a:rPr>
+              <a:t>"</a:t>
+            </a:r>
+            <a:r>
+              <a:rPr lang="en-GB" sz="700" dirty="0">
+                <a:solidFill>
+                  <a:srgbClr val="01875F"/>
+                </a:solidFill>
+                <a:effectLst/>
+              </a:rPr>
+              <a:t>)</a:t>
+            </a:r>
+            <a:r>
+              <a:rPr lang="en-GB" sz="700" dirty="0"/>
+              <a:t>;</a:t>
+            </a:r>
+            <a:br>
+              <a:rPr lang="en-GB" sz="700" dirty="0"/>
+            </a:br>
+            <a:r>
+              <a:rPr lang="en-GB" sz="700" dirty="0"/>
+              <a:t>            </a:t>
+            </a:r>
+            <a:r>
+              <a:rPr lang="en-GB" sz="700" b="1" dirty="0" err="1">
+                <a:solidFill>
+                  <a:srgbClr val="660E7A"/>
+                </a:solidFill>
+                <a:effectLst/>
+              </a:rPr>
+              <a:t>pagenumber</a:t>
+            </a:r>
+            <a:r>
+              <a:rPr lang="en-GB" sz="700" dirty="0"/>
+              <a:t>++;</a:t>
+            </a:r>
+            <a:br>
+              <a:rPr lang="en-GB" sz="700" dirty="0"/>
+            </a:br>
+            <a:r>
+              <a:rPr lang="en-GB" sz="700" dirty="0"/>
+              <a:t>            </a:t>
+            </a:r>
+            <a:r>
+              <a:rPr lang="en-GB" sz="700" b="1" dirty="0" err="1">
+                <a:solidFill>
+                  <a:srgbClr val="660E7A"/>
+                </a:solidFill>
+                <a:effectLst/>
+              </a:rPr>
+              <a:t>pageoffset</a:t>
+            </a:r>
+            <a:r>
+              <a:rPr lang="en-GB" sz="700" b="1" dirty="0">
+                <a:solidFill>
+                  <a:srgbClr val="660E7A"/>
+                </a:solidFill>
+                <a:effectLst/>
+              </a:rPr>
+              <a:t> </a:t>
+            </a:r>
+            <a:r>
+              <a:rPr lang="en-GB" sz="700" dirty="0"/>
+              <a:t>+= </a:t>
+            </a:r>
+            <a:r>
+              <a:rPr lang="en-GB" sz="700" b="1" dirty="0" err="1">
+                <a:solidFill>
+                  <a:srgbClr val="660E7A"/>
+                </a:solidFill>
+                <a:effectLst/>
+              </a:rPr>
+              <a:t>linesPerPage</a:t>
+            </a:r>
+            <a:r>
+              <a:rPr lang="en-GB" sz="700" b="1" dirty="0">
+                <a:solidFill>
+                  <a:srgbClr val="660E7A"/>
+                </a:solidFill>
+                <a:effectLst/>
+              </a:rPr>
+              <a:t> </a:t>
+            </a:r>
+            <a:r>
+              <a:rPr lang="en-GB" sz="700" dirty="0"/>
+              <a:t>* </a:t>
+            </a:r>
+            <a:r>
+              <a:rPr lang="en-GB" sz="700" b="1" dirty="0">
+                <a:solidFill>
+                  <a:srgbClr val="660E7A"/>
+                </a:solidFill>
+                <a:effectLst/>
+              </a:rPr>
+              <a:t>columns</a:t>
+            </a:r>
+            <a:r>
+              <a:rPr lang="en-GB" sz="700" dirty="0"/>
+              <a:t>;</a:t>
+            </a:r>
+            <a:br>
+              <a:rPr lang="en-GB" sz="700" dirty="0"/>
+            </a:br>
+            <a:r>
+              <a:rPr lang="en-GB" sz="700" dirty="0"/>
+              <a:t>        </a:t>
+            </a:r>
+            <a:r>
+              <a:rPr lang="en-GB" sz="700" dirty="0">
+                <a:solidFill>
+                  <a:srgbClr val="C406D6"/>
+                </a:solidFill>
+                <a:effectLst/>
+              </a:rPr>
+              <a:t>}</a:t>
+            </a:r>
+            <a:br>
+              <a:rPr lang="en-GB" sz="700" dirty="0">
+                <a:solidFill>
+                  <a:srgbClr val="C406D6"/>
+                </a:solidFill>
+                <a:effectLst/>
+              </a:rPr>
+            </a:br>
+            <a:r>
+              <a:rPr lang="en-GB" sz="700" dirty="0">
+                <a:solidFill>
+                  <a:srgbClr val="C406D6"/>
+                </a:solidFill>
+                <a:effectLst/>
+              </a:rPr>
+              <a:t>    </a:t>
+            </a:r>
+            <a:r>
+              <a:rPr lang="en-GB" sz="700" dirty="0">
+                <a:solidFill>
+                  <a:srgbClr val="01875F"/>
+                </a:solidFill>
+                <a:effectLst/>
+              </a:rPr>
+              <a:t>}</a:t>
+            </a:r>
+            <a:br>
+              <a:rPr lang="en-GB" sz="700" dirty="0">
+                <a:solidFill>
+                  <a:srgbClr val="01875F"/>
+                </a:solidFill>
+                <a:effectLst/>
+              </a:rPr>
+            </a:br>
+            <a:r>
+              <a:rPr lang="en-GB" sz="700" dirty="0"/>
+              <a:t>}</a:t>
+            </a:r>
+            <a:endParaRPr lang="en-US" sz="700" dirty="0">
+              <a:solidFill>
+                <a:schemeClr val="tx2"/>
+              </a:solidFill>
+            </a:endParaRPr>
+          </a:p>
+        </p:txBody>
+      </p:sp>
+    </p:spTree>
+    <p:extLst>
+      <p:ext uri="{BB962C8B-B14F-4D97-AF65-F5344CB8AC3E}">
+        <p14:creationId xmlns:p14="http://schemas.microsoft.com/office/powerpoint/2010/main" val="4063563839"/>
+      </p:ext>
+    </p:extLst>
+  </p:cSld>
+  <p:clrMapOvr>
+    <a:masterClrMapping/>
+  </p:clrMapOvr>
+  <p:transition>
+    <p:fade/>
+  </p:transition>
+</p:sld>
+</file>
+
+<file path=ppt/slides/slide7.xml><?xml version="1.0" encoding="utf-8"?>
+<p:sld xmlns:a="http://schemas.openxmlformats.org/drawingml/2006/main" xmlns:r="http://schemas.openxmlformats.org/officeDocument/2006/relationships" xmlns:p="http://schemas.openxmlformats.org/presentationml/2006/main">
+  <p:cSld>
+    <p:spTree>
+      <p:nvGrpSpPr>
+        <p:cNvPr id="1" name=""/>
+        <p:cNvGrpSpPr/>
+        <p:nvPr/>
+      </p:nvGrpSpPr>
+      <p:grpSpPr>
+        <a:xfrm>
+          <a:off x="0" y="0"/>
+          <a:ext cx="0" cy="0"/>
+          <a:chOff x="0" y="0"/>
+          <a:chExt cx="0" cy="0"/>
+        </a:xfrm>
+      </p:grpSpPr>
+      <p:sp>
+        <p:nvSpPr>
+          <p:cNvPr id="2" name="Title 1">
+            <a:extLst>
+              <a:ext uri="{FF2B5EF4-FFF2-40B4-BE49-F238E27FC236}">
+                <a16:creationId xmlns:a16="http://schemas.microsoft.com/office/drawing/2014/main" id="{34863175-BB0E-2A46-58C0-8539F6C7622D}"/>
+              </a:ext>
+            </a:extLst>
+          </p:cNvPr>
+          <p:cNvSpPr>
+            <a:spLocks noGrp="1"/>
+          </p:cNvSpPr>
+          <p:nvPr>
+            <p:ph type="title"/>
+          </p:nvPr>
+        </p:nvSpPr>
+        <p:spPr/>
+        <p:txBody>
+          <a:bodyPr/>
+          <a:lstStyle/>
+          <a:p>
+            <a:r>
+              <a:rPr lang="en-US" dirty="0"/>
+              <a:t>Functions should do one thing and one thing only</a:t>
+            </a:r>
+          </a:p>
+        </p:txBody>
+      </p:sp>
+      <p:sp>
+        <p:nvSpPr>
+          <p:cNvPr id="4" name="TextBox 3">
+            <a:extLst>
+              <a:ext uri="{FF2B5EF4-FFF2-40B4-BE49-F238E27FC236}">
+                <a16:creationId xmlns:a16="http://schemas.microsoft.com/office/drawing/2014/main" id="{3BA09387-9A17-F565-5999-B0B163172561}"/>
+              </a:ext>
+            </a:extLst>
+          </p:cNvPr>
+          <p:cNvSpPr txBox="1"/>
+          <p:nvPr/>
+        </p:nvSpPr>
+        <p:spPr>
+          <a:xfrm>
+            <a:off x="335280" y="1700808"/>
+            <a:ext cx="11305336" cy="646331"/>
+          </a:xfrm>
+          <a:prstGeom prst="rect">
+            <a:avLst/>
+          </a:prstGeom>
+          <a:solidFill>
+            <a:srgbClr val="D883FF"/>
+          </a:solidFill>
+        </p:spPr>
+        <p:txBody>
+          <a:bodyPr wrap="square" rtlCol="0">
+            <a:spAutoFit/>
+          </a:bodyPr>
+          <a:lstStyle/>
+          <a:p>
+            <a:pPr algn="l">
+              <a:lnSpc>
+                <a:spcPct val="90000"/>
+              </a:lnSpc>
+              <a:spcBef>
+                <a:spcPts val="1200"/>
+              </a:spcBef>
+            </a:pPr>
+            <a:r>
+              <a:rPr lang="en-US" sz="2000" dirty="0">
+                <a:solidFill>
+                  <a:schemeClr val="tx2"/>
+                </a:solidFill>
+              </a:rPr>
+              <a:t>In order for a function to do one thing it must not cross levels of abstraction, but levels of abstraction and the order are often fuzzy. </a:t>
+            </a:r>
+          </a:p>
+        </p:txBody>
+      </p:sp>
+      <p:sp>
+        <p:nvSpPr>
+          <p:cNvPr id="5" name="TextBox 4">
+            <a:extLst>
+              <a:ext uri="{FF2B5EF4-FFF2-40B4-BE49-F238E27FC236}">
+                <a16:creationId xmlns:a16="http://schemas.microsoft.com/office/drawing/2014/main" id="{636A919D-29A9-DBFB-F651-DEA593D103F3}"/>
+              </a:ext>
+            </a:extLst>
+          </p:cNvPr>
+          <p:cNvSpPr txBox="1"/>
+          <p:nvPr/>
+        </p:nvSpPr>
+        <p:spPr>
+          <a:xfrm>
+            <a:off x="335280" y="2780928"/>
+            <a:ext cx="9793088" cy="1077218"/>
+          </a:xfrm>
+          <a:prstGeom prst="rect">
+            <a:avLst/>
+          </a:prstGeom>
+          <a:solidFill>
+            <a:srgbClr val="75E8E6"/>
+          </a:solidFill>
+        </p:spPr>
+        <p:txBody>
+          <a:bodyPr wrap="square" rtlCol="0">
+            <a:spAutoFit/>
+          </a:bodyPr>
+          <a:lstStyle/>
+          <a:p>
+            <a:pPr algn="l">
+              <a:lnSpc>
+                <a:spcPct val="90000"/>
+              </a:lnSpc>
+              <a:spcBef>
+                <a:spcPts val="1200"/>
+              </a:spcBef>
+            </a:pPr>
+            <a:r>
+              <a:rPr lang="en-US" sz="2000" dirty="0">
+                <a:solidFill>
+                  <a:schemeClr val="tx2"/>
+                </a:solidFill>
+              </a:rPr>
+              <a:t>Then how do you tell if your function does only one thing?</a:t>
+            </a:r>
+          </a:p>
+          <a:p>
+            <a:pPr algn="l">
+              <a:lnSpc>
+                <a:spcPct val="90000"/>
+              </a:lnSpc>
+              <a:spcBef>
+                <a:spcPts val="1200"/>
+              </a:spcBef>
+            </a:pPr>
+            <a:r>
+              <a:rPr lang="en-US" sz="2000" dirty="0">
+                <a:solidFill>
+                  <a:schemeClr val="tx2"/>
+                </a:solidFill>
+              </a:rPr>
+              <a:t>Extract the function until you can’t extract anymore. The result is classes composed of functions that are all about 4 lines long!</a:t>
+            </a:r>
+          </a:p>
+        </p:txBody>
+      </p:sp>
+      <p:sp>
+        <p:nvSpPr>
+          <p:cNvPr id="6" name="TextBox 5">
+            <a:extLst>
+              <a:ext uri="{FF2B5EF4-FFF2-40B4-BE49-F238E27FC236}">
+                <a16:creationId xmlns:a16="http://schemas.microsoft.com/office/drawing/2014/main" id="{BA0C524C-7F4B-A2E4-E415-17053118ED7C}"/>
+              </a:ext>
+            </a:extLst>
+          </p:cNvPr>
+          <p:cNvSpPr txBox="1"/>
+          <p:nvPr/>
+        </p:nvSpPr>
+        <p:spPr>
+          <a:xfrm>
+            <a:off x="315358" y="4653136"/>
+            <a:ext cx="4339842" cy="369332"/>
+          </a:xfrm>
+          <a:prstGeom prst="rect">
+            <a:avLst/>
+          </a:prstGeom>
+          <a:solidFill>
+            <a:srgbClr val="FFD579"/>
+          </a:solidFill>
+        </p:spPr>
+        <p:txBody>
+          <a:bodyPr wrap="none" rtlCol="0">
+            <a:spAutoFit/>
+          </a:bodyPr>
+          <a:lstStyle/>
+          <a:p>
+            <a:pPr algn="l">
+              <a:lnSpc>
+                <a:spcPct val="90000"/>
+              </a:lnSpc>
+              <a:spcBef>
+                <a:spcPts val="1200"/>
+              </a:spcBef>
+            </a:pPr>
+            <a:r>
+              <a:rPr lang="en-US" sz="2000" dirty="0">
+                <a:solidFill>
+                  <a:schemeClr val="tx2"/>
+                </a:solidFill>
+              </a:rPr>
+              <a:t>Video Store Example – see the code</a:t>
+            </a:r>
+          </a:p>
+        </p:txBody>
+      </p:sp>
+    </p:spTree>
+    <p:extLst>
+      <p:ext uri="{BB962C8B-B14F-4D97-AF65-F5344CB8AC3E}">
+        <p14:creationId xmlns:p14="http://schemas.microsoft.com/office/powerpoint/2010/main" val="2568136951"/>
+      </p:ext>
+    </p:extLst>
+  </p:cSld>
+  <p:clrMapOvr>
+    <a:masterClrMapping/>
+  </p:clrMapOvr>
+  <p:transition>
+    <p:fade/>
+  </p:transition>
+</p:sld>
+</file>
+
+<file path=ppt/slides/slide8.xml><?xml version="1.0" encoding="utf-8"?>
 <p:sld xmlns:a="http://schemas.openxmlformats.org/drawingml/2006/main" xmlns:r="http://schemas.openxmlformats.org/officeDocument/2006/relationships" xmlns:p="http://schemas.openxmlformats.org/presentationml/2006/main">
   <p:cSld>
     <p:spTree>
